--- a/doc/spec/specifications.pptx
+++ b/doc/spec/specifications.pptx
@@ -6,20 +6,11 @@
   </p:sldMasterIdLst>
   <p:sldIdLst>
     <p:sldId id="256" r:id="rId3"/>
-    <p:sldId id="261" r:id="rId4"/>
-    <p:sldId id="262" r:id="rId5"/>
-    <p:sldId id="260" r:id="rId6"/>
-    <p:sldId id="266" r:id="rId7"/>
-    <p:sldId id="265" r:id="rId8"/>
-    <p:sldId id="267" r:id="rId9"/>
-    <p:sldId id="268" r:id="rId10"/>
-    <p:sldId id="269" r:id="rId11"/>
-    <p:sldId id="270" r:id="rId12"/>
-    <p:sldId id="259" r:id="rId13"/>
-    <p:sldId id="264" r:id="rId14"/>
-    <p:sldId id="263" r:id="rId15"/>
-    <p:sldId id="258" r:id="rId16"/>
-    <p:sldId id="257" r:id="rId17"/>
+    <p:sldId id="259" r:id="rId4"/>
+    <p:sldId id="264" r:id="rId5"/>
+    <p:sldId id="263" r:id="rId6"/>
+    <p:sldId id="258" r:id="rId7"/>
+    <p:sldId id="257" r:id="rId8"/>
   </p:sldIdLst>
   <p:sldSz cx="12192000" cy="6858000"/>
   <p:notesSz cx="6858000" cy="9144000"/>
@@ -119,6 +110,24 @@
     </a:lvl9pPr>
   </p:defaultTextStyle>
   <p:extLst>
+    <p:ext uri="{521415D9-36F7-43E2-AB2F-B90AF26B5E84}">
+      <p14:sectionLst xmlns:p14="http://schemas.microsoft.com/office/powerpoint/2010/main">
+        <p14:section name="既定のセクション" id="{DD81F306-5C39-4073-B011-31D1DAD70005}">
+          <p14:sldIdLst>
+            <p14:sldId id="256"/>
+          </p14:sldIdLst>
+        </p14:section>
+        <p14:section name="データ設計" id="{2C2BA728-2F86-45D6-893F-2E8A2BD4D86B}">
+          <p14:sldIdLst>
+            <p14:sldId id="259"/>
+            <p14:sldId id="264"/>
+            <p14:sldId id="263"/>
+            <p14:sldId id="258"/>
+            <p14:sldId id="257"/>
+          </p14:sldIdLst>
+        </p14:section>
+      </p14:sectionLst>
+    </p:ext>
     <p:ext uri="{EFAFB233-063F-42B5-8137-9DF3F51BA10A}">
       <p15:sldGuideLst xmlns:p15="http://schemas.microsoft.com/office/powerpoint/2012/main"/>
     </p:ext>
@@ -1726,7 +1735,7 @@
           <a:p>
             <a:fld id="{0A747FBD-B66D-4E29-9D14-09E2E569B078}" type="datetimeFigureOut">
               <a:rPr kumimoji="1" lang="ja-JP" altLang="en-US" smtClean="0"/>
-              <a:t>2021/6/10</a:t>
+              <a:t>2021/6/11</a:t>
             </a:fld>
             <a:endParaRPr kumimoji="1" lang="ja-JP" altLang="en-US"/>
           </a:p>
@@ -2038,7 +2047,7 @@
           <a:p>
             <a:fld id="{0A747FBD-B66D-4E29-9D14-09E2E569B078}" type="datetimeFigureOut">
               <a:rPr kumimoji="1" lang="ja-JP" altLang="en-US" smtClean="0"/>
-              <a:t>2021/6/10</a:t>
+              <a:t>2021/6/11</a:t>
             </a:fld>
             <a:endParaRPr kumimoji="1" lang="ja-JP" altLang="en-US"/>
           </a:p>
@@ -2260,7 +2269,7 @@
           <a:p>
             <a:fld id="{0A747FBD-B66D-4E29-9D14-09E2E569B078}" type="datetimeFigureOut">
               <a:rPr kumimoji="1" lang="ja-JP" altLang="en-US" smtClean="0"/>
-              <a:t>2021/6/10</a:t>
+              <a:t>2021/6/11</a:t>
             </a:fld>
             <a:endParaRPr kumimoji="1" lang="ja-JP" altLang="en-US"/>
           </a:p>
@@ -2551,7 +2560,7 @@
           <a:p>
             <a:fld id="{0A747FBD-B66D-4E29-9D14-09E2E569B078}" type="datetimeFigureOut">
               <a:rPr kumimoji="1" lang="ja-JP" altLang="en-US" smtClean="0"/>
-              <a:t>2021/6/10</a:t>
+              <a:t>2021/6/11</a:t>
             </a:fld>
             <a:endParaRPr kumimoji="1" lang="ja-JP" altLang="en-US"/>
           </a:p>
@@ -3005,7 +3014,7 @@
           <a:p>
             <a:fld id="{0A747FBD-B66D-4E29-9D14-09E2E569B078}" type="datetimeFigureOut">
               <a:rPr kumimoji="1" lang="ja-JP" altLang="en-US" smtClean="0"/>
-              <a:t>2021/6/10</a:t>
+              <a:t>2021/6/11</a:t>
             </a:fld>
             <a:endParaRPr kumimoji="1" lang="ja-JP" altLang="en-US"/>
           </a:p>
@@ -3581,7 +3590,7 @@
           <a:p>
             <a:fld id="{0A747FBD-B66D-4E29-9D14-09E2E569B078}" type="datetimeFigureOut">
               <a:rPr kumimoji="1" lang="ja-JP" altLang="en-US" smtClean="0"/>
-              <a:t>2021/6/10</a:t>
+              <a:t>2021/6/11</a:t>
             </a:fld>
             <a:endParaRPr kumimoji="1" lang="ja-JP" altLang="en-US"/>
           </a:p>
@@ -4433,7 +4442,7 @@
           <a:p>
             <a:fld id="{0A747FBD-B66D-4E29-9D14-09E2E569B078}" type="datetimeFigureOut">
               <a:rPr kumimoji="1" lang="ja-JP" altLang="en-US" smtClean="0"/>
-              <a:t>2021/6/10</a:t>
+              <a:t>2021/6/11</a:t>
             </a:fld>
             <a:endParaRPr kumimoji="1" lang="ja-JP" altLang="en-US"/>
           </a:p>
@@ -4670,7 +4679,7 @@
           <a:p>
             <a:fld id="{0A747FBD-B66D-4E29-9D14-09E2E569B078}" type="datetimeFigureOut">
               <a:rPr kumimoji="1" lang="ja-JP" altLang="en-US" smtClean="0"/>
-              <a:t>2021/6/10</a:t>
+              <a:t>2021/6/11</a:t>
             </a:fld>
             <a:endParaRPr kumimoji="1" lang="ja-JP" altLang="en-US"/>
           </a:p>
@@ -4916,7 +4925,7 @@
           <a:p>
             <a:fld id="{0A747FBD-B66D-4E29-9D14-09E2E569B078}" type="datetimeFigureOut">
               <a:rPr kumimoji="1" lang="ja-JP" altLang="en-US" smtClean="0"/>
-              <a:t>2021/6/10</a:t>
+              <a:t>2021/6/11</a:t>
             </a:fld>
             <a:endParaRPr kumimoji="1" lang="ja-JP" altLang="en-US"/>
           </a:p>
@@ -5118,7 +5127,7 @@
           <a:p>
             <a:fld id="{0A747FBD-B66D-4E29-9D14-09E2E569B078}" type="datetimeFigureOut">
               <a:rPr kumimoji="1" lang="ja-JP" altLang="en-US" smtClean="0"/>
-              <a:t>2021/6/10</a:t>
+              <a:t>2021/6/11</a:t>
             </a:fld>
             <a:endParaRPr kumimoji="1" lang="ja-JP" altLang="en-US"/>
           </a:p>
@@ -5355,7 +5364,7 @@
           <a:p>
             <a:fld id="{0A747FBD-B66D-4E29-9D14-09E2E569B078}" type="datetimeFigureOut">
               <a:rPr kumimoji="1" lang="ja-JP" altLang="en-US" smtClean="0"/>
-              <a:t>2021/6/10</a:t>
+              <a:t>2021/6/11</a:t>
             </a:fld>
             <a:endParaRPr kumimoji="1" lang="ja-JP" altLang="en-US"/>
           </a:p>
@@ -5635,7 +5644,7 @@
           <a:p>
             <a:fld id="{0A747FBD-B66D-4E29-9D14-09E2E569B078}" type="datetimeFigureOut">
               <a:rPr kumimoji="1" lang="ja-JP" altLang="en-US" smtClean="0"/>
-              <a:t>2021/6/10</a:t>
+              <a:t>2021/6/11</a:t>
             </a:fld>
             <a:endParaRPr kumimoji="1" lang="ja-JP" altLang="en-US"/>
           </a:p>
@@ -5966,7 +5975,7 @@
           <a:p>
             <a:fld id="{0A747FBD-B66D-4E29-9D14-09E2E569B078}" type="datetimeFigureOut">
               <a:rPr kumimoji="1" lang="ja-JP" altLang="en-US" smtClean="0"/>
-              <a:t>2021/6/10</a:t>
+              <a:t>2021/6/11</a:t>
             </a:fld>
             <a:endParaRPr kumimoji="1" lang="ja-JP" altLang="en-US"/>
           </a:p>
@@ -6445,7 +6454,7 @@
           <a:p>
             <a:fld id="{0A747FBD-B66D-4E29-9D14-09E2E569B078}" type="datetimeFigureOut">
               <a:rPr kumimoji="1" lang="ja-JP" altLang="en-US" smtClean="0"/>
-              <a:t>2021/6/10</a:t>
+              <a:t>2021/6/11</a:t>
             </a:fld>
             <a:endParaRPr kumimoji="1" lang="ja-JP" altLang="en-US"/>
           </a:p>
@@ -6593,7 +6602,7 @@
           <a:p>
             <a:fld id="{0A747FBD-B66D-4E29-9D14-09E2E569B078}" type="datetimeFigureOut">
               <a:rPr kumimoji="1" lang="ja-JP" altLang="en-US" smtClean="0"/>
-              <a:t>2021/6/10</a:t>
+              <a:t>2021/6/11</a:t>
             </a:fld>
             <a:endParaRPr kumimoji="1" lang="ja-JP" altLang="en-US"/>
           </a:p>
@@ -6718,7 +6727,7 @@
           <a:p>
             <a:fld id="{0A747FBD-B66D-4E29-9D14-09E2E569B078}" type="datetimeFigureOut">
               <a:rPr kumimoji="1" lang="ja-JP" altLang="en-US" smtClean="0"/>
-              <a:t>2021/6/10</a:t>
+              <a:t>2021/6/11</a:t>
             </a:fld>
             <a:endParaRPr kumimoji="1" lang="ja-JP" altLang="en-US"/>
           </a:p>
@@ -7029,7 +7038,7 @@
           <a:p>
             <a:fld id="{0A747FBD-B66D-4E29-9D14-09E2E569B078}" type="datetimeFigureOut">
               <a:rPr kumimoji="1" lang="ja-JP" altLang="en-US" smtClean="0"/>
-              <a:t>2021/6/10</a:t>
+              <a:t>2021/6/11</a:t>
             </a:fld>
             <a:endParaRPr kumimoji="1" lang="ja-JP" altLang="en-US"/>
           </a:p>
@@ -7341,7 +7350,7 @@
           <a:p>
             <a:fld id="{0A747FBD-B66D-4E29-9D14-09E2E569B078}" type="datetimeFigureOut">
               <a:rPr kumimoji="1" lang="ja-JP" altLang="en-US" smtClean="0"/>
-              <a:t>2021/6/10</a:t>
+              <a:t>2021/6/11</a:t>
             </a:fld>
             <a:endParaRPr kumimoji="1" lang="ja-JP" altLang="en-US"/>
           </a:p>
@@ -7626,7 +7635,7 @@
           <a:p>
             <a:fld id="{0A747FBD-B66D-4E29-9D14-09E2E569B078}" type="datetimeFigureOut">
               <a:rPr kumimoji="1" lang="ja-JP" altLang="en-US" smtClean="0"/>
-              <a:t>2021/6/10</a:t>
+              <a:t>2021/6/11</a:t>
             </a:fld>
             <a:endParaRPr kumimoji="1" lang="ja-JP" altLang="en-US"/>
           </a:p>
@@ -8128,7 +8137,7 @@
           <a:p>
             <a:r>
               <a:rPr kumimoji="1" lang="en-US" altLang="ja-JP"/>
-              <a:t>BARANCE</a:t>
+              <a:t>Specifications</a:t>
             </a:r>
             <a:endParaRPr kumimoji="1" lang="ja-JP" altLang="en-US"/>
           </a:p>
@@ -8147,7 +8156,7 @@
 </p:sld>
 </file>
 
-<file path=ppt/slides/slide10.xml><?xml version="1.0" encoding="utf-8"?>
+<file path=ppt/slides/slide2.xml><?xml version="1.0" encoding="utf-8"?>
 <p:sld xmlns:a="http://schemas.openxmlformats.org/drawingml/2006/main" xmlns:r="http://schemas.openxmlformats.org/officeDocument/2006/relationships" xmlns:p="http://schemas.openxmlformats.org/presentationml/2006/main">
   <p:cSld>
     <p:spTree>
@@ -8166,10 +8175,10 @@
       </p:grpSpPr>
       <p:sp>
         <p:nvSpPr>
-          <p:cNvPr id="2" name="タイトル 1">
+          <p:cNvPr id="4" name="タイトル 3">
             <a:extLst>
               <a:ext uri="{FF2B5EF4-FFF2-40B4-BE49-F238E27FC236}">
-                <a16:creationId xmlns:a16="http://schemas.microsoft.com/office/drawing/2014/main" id="{28FD5DE3-D55A-4414-B01A-065662E62983}"/>
+                <a16:creationId xmlns:a16="http://schemas.microsoft.com/office/drawing/2014/main" id="{F17F673A-9A25-423A-8BF0-9CB3D778E24E}"/>
               </a:ext>
             </a:extLst>
           </p:cNvPr>
@@ -8186,989 +8195,45 @@
           <a:lstStyle/>
           <a:p>
             <a:r>
-              <a:rPr kumimoji="1" lang="ja-JP" altLang="en-US"/>
-              <a:t>スキル効果分類</a:t>
-            </a:r>
-          </a:p>
-        </p:txBody>
-      </p:sp>
-      <p:graphicFrame>
-        <p:nvGraphicFramePr>
-          <p:cNvPr id="4" name="表 4">
+              <a:rPr lang="ja-JP" altLang="en-US"/>
+              <a:t>データ設計</a:t>
+            </a:r>
+          </a:p>
+        </p:txBody>
+      </p:sp>
+      <p:sp>
+        <p:nvSpPr>
+          <p:cNvPr id="5" name="テキスト プレースホルダー 4">
             <a:extLst>
               <a:ext uri="{FF2B5EF4-FFF2-40B4-BE49-F238E27FC236}">
-                <a16:creationId xmlns:a16="http://schemas.microsoft.com/office/drawing/2014/main" id="{802F930F-FF32-4112-B00A-79D5AB39F3C1}"/>
+                <a16:creationId xmlns:a16="http://schemas.microsoft.com/office/drawing/2014/main" id="{E8F39FD0-1B72-4E69-B19E-1F9B5238B3C5}"/>
               </a:ext>
             </a:extLst>
           </p:cNvPr>
-          <p:cNvGraphicFramePr>
-            <a:graphicFrameLocks noGrp="1"/>
-          </p:cNvGraphicFramePr>
+          <p:cNvSpPr>
+            <a:spLocks noGrp="1"/>
+          </p:cNvSpPr>
           <p:nvPr>
-            <p:ph idx="1"/>
-            <p:extLst>
-              <p:ext uri="{D42A27DB-BD31-4B8C-83A1-F6EECF244321}">
-                <p14:modId xmlns:p14="http://schemas.microsoft.com/office/powerpoint/2010/main" val="2354224463"/>
-              </p:ext>
-            </p:extLst>
+            <p:ph type="body" idx="1"/>
           </p:nvPr>
-        </p:nvGraphicFramePr>
-        <p:xfrm>
-          <a:off x="423863" y="993775"/>
-          <a:ext cx="11355385" cy="4078080"/>
-        </p:xfrm>
-        <a:graphic>
-          <a:graphicData uri="http://schemas.openxmlformats.org/drawingml/2006/table">
-            <a:tbl>
-              <a:tblPr firstRow="1" bandRow="1">
-                <a:tableStyleId>{D7AC3CCA-C797-4891-BE02-D94E43425B78}</a:tableStyleId>
-              </a:tblPr>
-              <a:tblGrid>
-                <a:gridCol w="1261709">
-                  <a:extLst>
-                    <a:ext uri="{9D8B030D-6E8A-4147-A177-3AD203B41FA5}">
-                      <a16:colId xmlns:a16="http://schemas.microsoft.com/office/drawing/2014/main" val="3568198475"/>
-                    </a:ext>
-                  </a:extLst>
-                </a:gridCol>
-                <a:gridCol w="3511579">
-                  <a:extLst>
-                    <a:ext uri="{9D8B030D-6E8A-4147-A177-3AD203B41FA5}">
-                      <a16:colId xmlns:a16="http://schemas.microsoft.com/office/drawing/2014/main" val="3535404216"/>
-                    </a:ext>
-                  </a:extLst>
-                </a:gridCol>
-                <a:gridCol w="6582097">
-                  <a:extLst>
-                    <a:ext uri="{9D8B030D-6E8A-4147-A177-3AD203B41FA5}">
-                      <a16:colId xmlns:a16="http://schemas.microsoft.com/office/drawing/2014/main" val="452322934"/>
-                    </a:ext>
-                  </a:extLst>
-                </a:gridCol>
-              </a:tblGrid>
-              <a:tr h="0">
-                <a:tc>
-                  <a:txBody>
-                    <a:bodyPr/>
-                    <a:lstStyle/>
-                    <a:p>
-                      <a:r>
-                        <a:rPr kumimoji="1" lang="ja-JP" altLang="en-US" sz="1200">
-                          <a:latin typeface="04かんじゅくゴシック" panose="02000600000000000000" pitchFamily="50" charset="-128"/>
-                          <a:ea typeface="04かんじゅくゴシック" panose="02000600000000000000" pitchFamily="50" charset="-128"/>
-                        </a:rPr>
-                        <a:t>カテゴリ</a:t>
-                      </a:r>
-                    </a:p>
-                  </a:txBody>
-                  <a:tcPr marL="36000" marR="36000" marT="36000" marB="36000"/>
-                </a:tc>
-                <a:tc>
-                  <a:txBody>
-                    <a:bodyPr/>
-                    <a:lstStyle/>
-                    <a:p>
-                      <a:r>
-                        <a:rPr kumimoji="1" lang="ja-JP" altLang="en-US" sz="1200">
-                          <a:latin typeface="04かんじゅくゴシック" panose="02000600000000000000" pitchFamily="50" charset="-128"/>
-                          <a:ea typeface="04かんじゅくゴシック" panose="02000600000000000000" pitchFamily="50" charset="-128"/>
-                        </a:rPr>
-                        <a:t>分類名</a:t>
-                      </a:r>
-                    </a:p>
-                  </a:txBody>
-                  <a:tcPr marL="36000" marR="36000" marT="36000" marB="36000"/>
-                </a:tc>
-                <a:tc>
-                  <a:txBody>
-                    <a:bodyPr/>
-                    <a:lstStyle/>
-                    <a:p>
-                      <a:r>
-                        <a:rPr kumimoji="1" lang="ja-JP" altLang="en-US" sz="1200">
-                          <a:latin typeface="04かんじゅくゴシック" panose="02000600000000000000" pitchFamily="50" charset="-128"/>
-                          <a:ea typeface="04かんじゅくゴシック" panose="02000600000000000000" pitchFamily="50" charset="-128"/>
-                        </a:rPr>
-                        <a:t>備考</a:t>
-                      </a:r>
-                    </a:p>
-                  </a:txBody>
-                  <a:tcPr marL="36000" marR="36000" marT="36000" marB="36000"/>
-                </a:tc>
-                <a:extLst>
-                  <a:ext uri="{0D108BD9-81ED-4DB2-BD59-A6C34878D82A}">
-                    <a16:rowId xmlns:a16="http://schemas.microsoft.com/office/drawing/2014/main" val="628153720"/>
-                  </a:ext>
-                </a:extLst>
-              </a:tr>
-              <a:tr h="0">
-                <a:tc>
-                  <a:txBody>
-                    <a:bodyPr/>
-                    <a:lstStyle/>
-                    <a:p>
-                      <a:r>
-                        <a:rPr kumimoji="1" lang="ja-JP" altLang="en-US" sz="1200">
-                          <a:latin typeface="04かんじゅくゴシック" panose="02000600000000000000" pitchFamily="50" charset="-128"/>
-                          <a:ea typeface="04かんじゅくゴシック" panose="02000600000000000000" pitchFamily="50" charset="-128"/>
-                        </a:rPr>
-                        <a:t>上昇率アップ</a:t>
-                      </a:r>
-                    </a:p>
-                  </a:txBody>
-                  <a:tcPr marL="36000" marR="36000" marT="36000" marB="36000"/>
-                </a:tc>
-                <a:tc>
-                  <a:txBody>
-                    <a:bodyPr/>
-                    <a:lstStyle/>
-                    <a:p>
-                      <a:r>
-                        <a:rPr kumimoji="1" lang="ja-JP" altLang="en-US" sz="1200">
-                          <a:latin typeface="04かんじゅくゴシック" panose="02000600000000000000" pitchFamily="50" charset="-128"/>
-                          <a:ea typeface="04かんじゅくゴシック" panose="02000600000000000000" pitchFamily="50" charset="-128"/>
-                        </a:rPr>
-                        <a:t>ゲージ上昇</a:t>
-                      </a:r>
-                      <a:r>
-                        <a:rPr kumimoji="1" lang="en-US" altLang="ja-JP" sz="1200">
-                          <a:latin typeface="04かんじゅくゴシック" panose="02000600000000000000" pitchFamily="50" charset="-128"/>
-                          <a:ea typeface="04かんじゅくゴシック" panose="02000600000000000000" pitchFamily="50" charset="-128"/>
-                        </a:rPr>
-                        <a:t>UP</a:t>
-                      </a:r>
-                      <a:endParaRPr kumimoji="1" lang="ja-JP" altLang="en-US" sz="1200">
-                        <a:latin typeface="04かんじゅくゴシック" panose="02000600000000000000" pitchFamily="50" charset="-128"/>
-                        <a:ea typeface="04かんじゅくゴシック" panose="02000600000000000000" pitchFamily="50" charset="-128"/>
-                      </a:endParaRPr>
-                    </a:p>
-                  </a:txBody>
-                  <a:tcPr marL="36000" marR="36000" marT="36000" marB="36000"/>
-                </a:tc>
-                <a:tc>
-                  <a:txBody>
-                    <a:bodyPr/>
-                    <a:lstStyle/>
-                    <a:p>
-                      <a:endParaRPr kumimoji="1" lang="ja-JP" altLang="en-US" sz="1200">
-                        <a:latin typeface="04かんじゅくゴシック" panose="02000600000000000000" pitchFamily="50" charset="-128"/>
-                        <a:ea typeface="04かんじゅくゴシック" panose="02000600000000000000" pitchFamily="50" charset="-128"/>
-                      </a:endParaRPr>
-                    </a:p>
-                  </a:txBody>
-                  <a:tcPr marL="36000" marR="36000" marT="36000" marB="36000"/>
-                </a:tc>
-                <a:extLst>
-                  <a:ext uri="{0D108BD9-81ED-4DB2-BD59-A6C34878D82A}">
-                    <a16:rowId xmlns:a16="http://schemas.microsoft.com/office/drawing/2014/main" val="3055003132"/>
-                  </a:ext>
-                </a:extLst>
-              </a:tr>
-              <a:tr h="0">
-                <a:tc>
-                  <a:txBody>
-                    <a:bodyPr/>
-                    <a:lstStyle/>
-                    <a:p>
-                      <a:endParaRPr kumimoji="1" lang="ja-JP" altLang="en-US" sz="1200">
-                        <a:latin typeface="04かんじゅくゴシック" panose="02000600000000000000" pitchFamily="50" charset="-128"/>
-                        <a:ea typeface="04かんじゅくゴシック" panose="02000600000000000000" pitchFamily="50" charset="-128"/>
-                      </a:endParaRPr>
-                    </a:p>
-                  </a:txBody>
-                  <a:tcPr marL="36000" marR="36000" marT="36000" marB="36000"/>
-                </a:tc>
-                <a:tc>
-                  <a:txBody>
-                    <a:bodyPr/>
-                    <a:lstStyle/>
-                    <a:p>
-                      <a:r>
-                        <a:rPr kumimoji="1" lang="ja-JP" altLang="en-US" sz="1200">
-                          <a:latin typeface="04かんじゅくゴシック" panose="02000600000000000000" pitchFamily="50" charset="-128"/>
-                          <a:ea typeface="04かんじゅくゴシック" panose="02000600000000000000" pitchFamily="50" charset="-128"/>
-                        </a:rPr>
-                        <a:t>ゲージが最大になる</a:t>
-                      </a:r>
-                    </a:p>
-                  </a:txBody>
-                  <a:tcPr marL="36000" marR="36000" marT="36000" marB="36000"/>
-                </a:tc>
-                <a:tc>
-                  <a:txBody>
-                    <a:bodyPr/>
-                    <a:lstStyle/>
-                    <a:p>
-                      <a:endParaRPr kumimoji="1" lang="ja-JP" altLang="en-US" sz="1200">
-                        <a:latin typeface="04かんじゅくゴシック" panose="02000600000000000000" pitchFamily="50" charset="-128"/>
-                        <a:ea typeface="04かんじゅくゴシック" panose="02000600000000000000" pitchFamily="50" charset="-128"/>
-                      </a:endParaRPr>
-                    </a:p>
-                  </a:txBody>
-                  <a:tcPr marL="36000" marR="36000" marT="36000" marB="36000"/>
-                </a:tc>
-                <a:extLst>
-                  <a:ext uri="{0D108BD9-81ED-4DB2-BD59-A6C34878D82A}">
-                    <a16:rowId xmlns:a16="http://schemas.microsoft.com/office/drawing/2014/main" val="1523547180"/>
-                  </a:ext>
-                </a:extLst>
-              </a:tr>
-              <a:tr h="0">
-                <a:tc>
-                  <a:txBody>
-                    <a:bodyPr/>
-                    <a:lstStyle/>
-                    <a:p>
-                      <a:endParaRPr kumimoji="1" lang="ja-JP" altLang="en-US" sz="1200">
-                        <a:latin typeface="04かんじゅくゴシック" panose="02000600000000000000" pitchFamily="50" charset="-128"/>
-                        <a:ea typeface="04かんじゅくゴシック" panose="02000600000000000000" pitchFamily="50" charset="-128"/>
-                      </a:endParaRPr>
-                    </a:p>
-                  </a:txBody>
-                  <a:tcPr marL="36000" marR="36000" marT="36000" marB="36000"/>
-                </a:tc>
-                <a:tc>
-                  <a:txBody>
-                    <a:bodyPr/>
-                    <a:lstStyle/>
-                    <a:p>
-                      <a:r>
-                        <a:rPr kumimoji="1" lang="ja-JP" altLang="en-US" sz="1200">
-                          <a:latin typeface="04かんじゅくゴシック" panose="02000600000000000000" pitchFamily="50" charset="-128"/>
-                          <a:ea typeface="04かんじゅくゴシック" panose="02000600000000000000" pitchFamily="50" charset="-128"/>
-                        </a:rPr>
-                        <a:t>ボーナス</a:t>
-                      </a:r>
-                    </a:p>
-                  </a:txBody>
-                  <a:tcPr marL="36000" marR="36000" marT="36000" marB="36000"/>
-                </a:tc>
-                <a:tc>
-                  <a:txBody>
-                    <a:bodyPr/>
-                    <a:lstStyle/>
-                    <a:p>
-                      <a:endParaRPr kumimoji="1" lang="ja-JP" altLang="en-US" sz="1200">
-                        <a:latin typeface="04かんじゅくゴシック" panose="02000600000000000000" pitchFamily="50" charset="-128"/>
-                        <a:ea typeface="04かんじゅくゴシック" panose="02000600000000000000" pitchFamily="50" charset="-128"/>
-                      </a:endParaRPr>
-                    </a:p>
-                  </a:txBody>
-                  <a:tcPr marL="36000" marR="36000" marT="36000" marB="36000"/>
-                </a:tc>
-                <a:extLst>
-                  <a:ext uri="{0D108BD9-81ED-4DB2-BD59-A6C34878D82A}">
-                    <a16:rowId xmlns:a16="http://schemas.microsoft.com/office/drawing/2014/main" val="3767600476"/>
-                  </a:ext>
-                </a:extLst>
-              </a:tr>
-              <a:tr h="0">
-                <a:tc>
-                  <a:txBody>
-                    <a:bodyPr/>
-                    <a:lstStyle/>
-                    <a:p>
-                      <a:r>
-                        <a:rPr kumimoji="1" lang="ja-JP" altLang="en-US" sz="1200">
-                          <a:latin typeface="04かんじゅくゴシック" panose="02000600000000000000" pitchFamily="50" charset="-128"/>
-                          <a:ea typeface="04かんじゅくゴシック" panose="02000600000000000000" pitchFamily="50" charset="-128"/>
-                        </a:rPr>
-                        <a:t>ゲージダウン</a:t>
-                      </a:r>
-                    </a:p>
-                  </a:txBody>
-                  <a:tcPr marL="36000" marR="36000" marT="36000" marB="36000"/>
-                </a:tc>
-                <a:tc>
-                  <a:txBody>
-                    <a:bodyPr/>
-                    <a:lstStyle/>
-                    <a:p>
-                      <a:r>
-                        <a:rPr kumimoji="1" lang="ja-JP" altLang="en-US" sz="1200">
-                          <a:latin typeface="04かんじゅくゴシック" panose="02000600000000000000" pitchFamily="50" charset="-128"/>
-                          <a:ea typeface="04かんじゅくゴシック" panose="02000600000000000000" pitchFamily="50" charset="-128"/>
-                        </a:rPr>
-                        <a:t>ゲージが上昇しない</a:t>
-                      </a:r>
-                    </a:p>
-                  </a:txBody>
-                  <a:tcPr marL="36000" marR="36000" marT="36000" marB="36000"/>
-                </a:tc>
-                <a:tc>
-                  <a:txBody>
-                    <a:bodyPr/>
-                    <a:lstStyle/>
-                    <a:p>
-                      <a:endParaRPr kumimoji="1" lang="ja-JP" altLang="en-US" sz="1200">
-                        <a:latin typeface="04かんじゅくゴシック" panose="02000600000000000000" pitchFamily="50" charset="-128"/>
-                        <a:ea typeface="04かんじゅくゴシック" panose="02000600000000000000" pitchFamily="50" charset="-128"/>
-                      </a:endParaRPr>
-                    </a:p>
-                  </a:txBody>
-                  <a:tcPr marL="36000" marR="36000" marT="36000" marB="36000"/>
-                </a:tc>
-                <a:extLst>
-                  <a:ext uri="{0D108BD9-81ED-4DB2-BD59-A6C34878D82A}">
-                    <a16:rowId xmlns:a16="http://schemas.microsoft.com/office/drawing/2014/main" val="1943807250"/>
-                  </a:ext>
-                </a:extLst>
-              </a:tr>
-              <a:tr h="0">
-                <a:tc>
-                  <a:txBody>
-                    <a:bodyPr/>
-                    <a:lstStyle/>
-                    <a:p>
-                      <a:endParaRPr kumimoji="1" lang="ja-JP" altLang="en-US" sz="1200">
-                        <a:latin typeface="04かんじゅくゴシック" panose="02000600000000000000" pitchFamily="50" charset="-128"/>
-                        <a:ea typeface="04かんじゅくゴシック" panose="02000600000000000000" pitchFamily="50" charset="-128"/>
-                      </a:endParaRPr>
-                    </a:p>
-                  </a:txBody>
-                  <a:tcPr marL="36000" marR="36000" marT="36000" marB="36000"/>
-                </a:tc>
-                <a:tc>
-                  <a:txBody>
-                    <a:bodyPr/>
-                    <a:lstStyle/>
-                    <a:p>
-                      <a:r>
-                        <a:rPr kumimoji="1" lang="ja-JP" altLang="en-US" sz="1200">
-                          <a:latin typeface="04かんじゅくゴシック" panose="02000600000000000000" pitchFamily="50" charset="-128"/>
-                          <a:ea typeface="04かんじゅくゴシック" panose="02000600000000000000" pitchFamily="50" charset="-128"/>
-                        </a:rPr>
-                        <a:t>ゲージ上昇</a:t>
-                      </a:r>
-                      <a:r>
-                        <a:rPr kumimoji="1" lang="en-US" altLang="ja-JP" sz="1200">
-                          <a:latin typeface="04かんじゅくゴシック" panose="02000600000000000000" pitchFamily="50" charset="-128"/>
-                          <a:ea typeface="04かんじゅくゴシック" panose="02000600000000000000" pitchFamily="50" charset="-128"/>
-                        </a:rPr>
-                        <a:t>DOWN</a:t>
-                      </a:r>
-                      <a:endParaRPr kumimoji="1" lang="ja-JP" altLang="en-US" sz="1200">
-                        <a:latin typeface="04かんじゅくゴシック" panose="02000600000000000000" pitchFamily="50" charset="-128"/>
-                        <a:ea typeface="04かんじゅくゴシック" panose="02000600000000000000" pitchFamily="50" charset="-128"/>
-                      </a:endParaRPr>
-                    </a:p>
-                  </a:txBody>
-                  <a:tcPr marL="36000" marR="36000" marT="36000" marB="36000"/>
-                </a:tc>
-                <a:tc>
-                  <a:txBody>
-                    <a:bodyPr/>
-                    <a:lstStyle/>
-                    <a:p>
-                      <a:endParaRPr kumimoji="1" lang="ja-JP" altLang="en-US" sz="1200">
-                        <a:latin typeface="04かんじゅくゴシック" panose="02000600000000000000" pitchFamily="50" charset="-128"/>
-                        <a:ea typeface="04かんじゅくゴシック" panose="02000600000000000000" pitchFamily="50" charset="-128"/>
-                      </a:endParaRPr>
-                    </a:p>
-                  </a:txBody>
-                  <a:tcPr marL="36000" marR="36000" marT="36000" marB="36000"/>
-                </a:tc>
-                <a:extLst>
-                  <a:ext uri="{0D108BD9-81ED-4DB2-BD59-A6C34878D82A}">
-                    <a16:rowId xmlns:a16="http://schemas.microsoft.com/office/drawing/2014/main" val="3818865252"/>
-                  </a:ext>
-                </a:extLst>
-              </a:tr>
-              <a:tr h="0">
-                <a:tc>
-                  <a:txBody>
-                    <a:bodyPr/>
-                    <a:lstStyle/>
-                    <a:p>
-                      <a:endParaRPr kumimoji="1" lang="ja-JP" altLang="en-US" sz="1200">
-                        <a:latin typeface="04かんじゅくゴシック" panose="02000600000000000000" pitchFamily="50" charset="-128"/>
-                        <a:ea typeface="04かんじゅくゴシック" panose="02000600000000000000" pitchFamily="50" charset="-128"/>
-                      </a:endParaRPr>
-                    </a:p>
-                  </a:txBody>
-                  <a:tcPr marL="36000" marR="36000" marT="36000" marB="36000"/>
-                </a:tc>
-                <a:tc>
-                  <a:txBody>
-                    <a:bodyPr/>
-                    <a:lstStyle/>
-                    <a:p>
-                      <a:r>
-                        <a:rPr kumimoji="1" lang="ja-JP" altLang="en-US" sz="1200">
-                          <a:latin typeface="04かんじゅくゴシック" panose="02000600000000000000" pitchFamily="50" charset="-128"/>
-                          <a:ea typeface="04かんじゅくゴシック" panose="02000600000000000000" pitchFamily="50" charset="-128"/>
-                        </a:rPr>
-                        <a:t>ゲージが</a:t>
-                      </a:r>
-                      <a:r>
-                        <a:rPr kumimoji="1" lang="en-US" altLang="ja-JP" sz="1200">
-                          <a:latin typeface="04かんじゅくゴシック" panose="02000600000000000000" pitchFamily="50" charset="-128"/>
-                          <a:ea typeface="04かんじゅくゴシック" panose="02000600000000000000" pitchFamily="50" charset="-128"/>
-                        </a:rPr>
-                        <a:t>0</a:t>
-                      </a:r>
-                      <a:r>
-                        <a:rPr kumimoji="1" lang="ja-JP" altLang="en-US" sz="1200">
-                          <a:latin typeface="04かんじゅくゴシック" panose="02000600000000000000" pitchFamily="50" charset="-128"/>
-                          <a:ea typeface="04かんじゅくゴシック" panose="02000600000000000000" pitchFamily="50" charset="-128"/>
-                        </a:rPr>
-                        <a:t>になる</a:t>
-                      </a:r>
-                    </a:p>
-                  </a:txBody>
-                  <a:tcPr marL="36000" marR="36000" marT="36000" marB="36000"/>
-                </a:tc>
-                <a:tc>
-                  <a:txBody>
-                    <a:bodyPr/>
-                    <a:lstStyle/>
-                    <a:p>
-                      <a:endParaRPr kumimoji="1" lang="ja-JP" altLang="en-US" sz="1200">
-                        <a:latin typeface="04かんじゅくゴシック" panose="02000600000000000000" pitchFamily="50" charset="-128"/>
-                        <a:ea typeface="04かんじゅくゴシック" panose="02000600000000000000" pitchFamily="50" charset="-128"/>
-                      </a:endParaRPr>
-                    </a:p>
-                  </a:txBody>
-                  <a:tcPr marL="36000" marR="36000" marT="36000" marB="36000"/>
-                </a:tc>
-                <a:extLst>
-                  <a:ext uri="{0D108BD9-81ED-4DB2-BD59-A6C34878D82A}">
-                    <a16:rowId xmlns:a16="http://schemas.microsoft.com/office/drawing/2014/main" val="1921342303"/>
-                  </a:ext>
-                </a:extLst>
-              </a:tr>
-              <a:tr h="0">
-                <a:tc>
-                  <a:txBody>
-                    <a:bodyPr/>
-                    <a:lstStyle/>
-                    <a:p>
-                      <a:endParaRPr kumimoji="1" lang="ja-JP" altLang="en-US" sz="1200">
-                        <a:latin typeface="04かんじゅくゴシック" panose="02000600000000000000" pitchFamily="50" charset="-128"/>
-                        <a:ea typeface="04かんじゅくゴシック" panose="02000600000000000000" pitchFamily="50" charset="-128"/>
-                      </a:endParaRPr>
-                    </a:p>
-                  </a:txBody>
-                  <a:tcPr marL="36000" marR="36000" marT="36000" marB="36000"/>
-                </a:tc>
-                <a:tc>
-                  <a:txBody>
-                    <a:bodyPr/>
-                    <a:lstStyle/>
-                    <a:p>
-                      <a:r>
-                        <a:rPr kumimoji="1" lang="ja-JP" altLang="en-US" sz="1200">
-                          <a:latin typeface="04かんじゅくゴシック" panose="02000600000000000000" pitchFamily="50" charset="-128"/>
-                          <a:ea typeface="04かんじゅくゴシック" panose="02000600000000000000" pitchFamily="50" charset="-128"/>
-                        </a:rPr>
-                        <a:t>固定ダメージ</a:t>
-                      </a:r>
-                    </a:p>
-                  </a:txBody>
-                  <a:tcPr marL="36000" marR="36000" marT="36000" marB="36000"/>
-                </a:tc>
-                <a:tc>
-                  <a:txBody>
-                    <a:bodyPr/>
-                    <a:lstStyle/>
-                    <a:p>
-                      <a:r>
-                        <a:rPr kumimoji="1" lang="ja-JP" altLang="en-US" sz="1200">
-                          <a:latin typeface="04かんじゅくゴシック" panose="02000600000000000000" pitchFamily="50" charset="-128"/>
-                          <a:ea typeface="04かんじゅくゴシック" panose="02000600000000000000" pitchFamily="50" charset="-128"/>
-                        </a:rPr>
-                        <a:t>定数値ダメージを与えるスキル。</a:t>
-                      </a:r>
-                    </a:p>
-                  </a:txBody>
-                  <a:tcPr marL="36000" marR="36000" marT="36000" marB="36000"/>
-                </a:tc>
-                <a:extLst>
-                  <a:ext uri="{0D108BD9-81ED-4DB2-BD59-A6C34878D82A}">
-                    <a16:rowId xmlns:a16="http://schemas.microsoft.com/office/drawing/2014/main" val="1247897615"/>
-                  </a:ext>
-                </a:extLst>
-              </a:tr>
-              <a:tr h="0">
-                <a:tc>
-                  <a:txBody>
-                    <a:bodyPr/>
-                    <a:lstStyle/>
-                    <a:p>
-                      <a:endParaRPr kumimoji="1" lang="ja-JP" altLang="en-US" sz="1200">
-                        <a:latin typeface="04かんじゅくゴシック" panose="02000600000000000000" pitchFamily="50" charset="-128"/>
-                        <a:ea typeface="04かんじゅくゴシック" panose="02000600000000000000" pitchFamily="50" charset="-128"/>
-                      </a:endParaRPr>
-                    </a:p>
-                  </a:txBody>
-                  <a:tcPr marL="36000" marR="36000" marT="36000" marB="36000"/>
-                </a:tc>
-                <a:tc>
-                  <a:txBody>
-                    <a:bodyPr/>
-                    <a:lstStyle/>
-                    <a:p>
-                      <a:r>
-                        <a:rPr kumimoji="1" lang="ja-JP" altLang="en-US" sz="1200">
-                          <a:latin typeface="04かんじゅくゴシック" panose="02000600000000000000" pitchFamily="50" charset="-128"/>
-                          <a:ea typeface="04かんじゅくゴシック" panose="02000600000000000000" pitchFamily="50" charset="-128"/>
-                        </a:rPr>
-                        <a:t>ダメージ増加</a:t>
-                      </a:r>
-                    </a:p>
-                  </a:txBody>
-                  <a:tcPr marL="36000" marR="36000" marT="36000" marB="36000"/>
-                </a:tc>
-                <a:tc>
-                  <a:txBody>
-                    <a:bodyPr/>
-                    <a:lstStyle/>
-                    <a:p>
-                      <a:r>
-                        <a:rPr kumimoji="1" lang="ja-JP" altLang="en-US" sz="1200">
-                          <a:latin typeface="04かんじゅくゴシック" panose="02000600000000000000" pitchFamily="50" charset="-128"/>
-                          <a:ea typeface="04かんじゅくゴシック" panose="02000600000000000000" pitchFamily="50" charset="-128"/>
-                        </a:rPr>
-                        <a:t>ダメージ倍率を増加するスキル。</a:t>
-                      </a:r>
-                    </a:p>
-                  </a:txBody>
-                  <a:tcPr marL="36000" marR="36000" marT="36000" marB="36000"/>
-                </a:tc>
-                <a:extLst>
-                  <a:ext uri="{0D108BD9-81ED-4DB2-BD59-A6C34878D82A}">
-                    <a16:rowId xmlns:a16="http://schemas.microsoft.com/office/drawing/2014/main" val="1172933615"/>
-                  </a:ext>
-                </a:extLst>
-              </a:tr>
-              <a:tr h="0">
-                <a:tc>
-                  <a:txBody>
-                    <a:bodyPr/>
-                    <a:lstStyle/>
-                    <a:p>
-                      <a:r>
-                        <a:rPr kumimoji="1" lang="ja-JP" altLang="en-US" sz="1200">
-                          <a:latin typeface="04かんじゅくゴシック" panose="02000600000000000000" pitchFamily="50" charset="-128"/>
-                          <a:ea typeface="04かんじゅくゴシック" panose="02000600000000000000" pitchFamily="50" charset="-128"/>
-                        </a:rPr>
-                        <a:t>ダメージ軽減</a:t>
-                      </a:r>
-                    </a:p>
-                  </a:txBody>
-                  <a:tcPr marL="36000" marR="36000" marT="36000" marB="36000"/>
-                </a:tc>
-                <a:tc>
-                  <a:txBody>
-                    <a:bodyPr/>
-                    <a:lstStyle/>
-                    <a:p>
-                      <a:r>
-                        <a:rPr kumimoji="1" lang="ja-JP" altLang="en-US" sz="1200">
-                          <a:latin typeface="04かんじゅくゴシック" panose="02000600000000000000" pitchFamily="50" charset="-128"/>
-                          <a:ea typeface="04かんじゅくゴシック" panose="02000600000000000000" pitchFamily="50" charset="-128"/>
-                        </a:rPr>
-                        <a:t>ダメージ無効化</a:t>
-                      </a:r>
-                    </a:p>
-                  </a:txBody>
-                  <a:tcPr marL="36000" marR="36000" marT="36000" marB="36000"/>
-                </a:tc>
-                <a:tc>
-                  <a:txBody>
-                    <a:bodyPr/>
-                    <a:lstStyle/>
-                    <a:p>
-                      <a:endParaRPr kumimoji="1" lang="ja-JP" altLang="en-US" sz="1200">
-                        <a:latin typeface="04かんじゅくゴシック" panose="02000600000000000000" pitchFamily="50" charset="-128"/>
-                        <a:ea typeface="04かんじゅくゴシック" panose="02000600000000000000" pitchFamily="50" charset="-128"/>
-                      </a:endParaRPr>
-                    </a:p>
-                  </a:txBody>
-                  <a:tcPr marL="36000" marR="36000" marT="36000" marB="36000"/>
-                </a:tc>
-                <a:extLst>
-                  <a:ext uri="{0D108BD9-81ED-4DB2-BD59-A6C34878D82A}">
-                    <a16:rowId xmlns:a16="http://schemas.microsoft.com/office/drawing/2014/main" val="1202732679"/>
-                  </a:ext>
-                </a:extLst>
-              </a:tr>
-              <a:tr h="0">
-                <a:tc>
-                  <a:txBody>
-                    <a:bodyPr/>
-                    <a:lstStyle/>
-                    <a:p>
-                      <a:endParaRPr kumimoji="1" lang="ja-JP" altLang="en-US" sz="1200">
-                        <a:latin typeface="04かんじゅくゴシック" panose="02000600000000000000" pitchFamily="50" charset="-128"/>
-                        <a:ea typeface="04かんじゅくゴシック" panose="02000600000000000000" pitchFamily="50" charset="-128"/>
-                      </a:endParaRPr>
-                    </a:p>
-                  </a:txBody>
-                  <a:tcPr marL="36000" marR="36000" marT="36000" marB="36000"/>
-                </a:tc>
-                <a:tc>
-                  <a:txBody>
-                    <a:bodyPr/>
-                    <a:lstStyle/>
-                    <a:p>
-                      <a:r>
-                        <a:rPr kumimoji="1" lang="ja-JP" altLang="en-US" sz="1200">
-                          <a:latin typeface="04かんじゅくゴシック" panose="02000600000000000000" pitchFamily="50" charset="-128"/>
-                          <a:ea typeface="04かんじゅくゴシック" panose="02000600000000000000" pitchFamily="50" charset="-128"/>
-                        </a:rPr>
-                        <a:t>ダメージ軽減</a:t>
-                      </a:r>
-                    </a:p>
-                  </a:txBody>
-                  <a:tcPr marL="36000" marR="36000" marT="36000" marB="36000"/>
-                </a:tc>
-                <a:tc>
-                  <a:txBody>
-                    <a:bodyPr/>
-                    <a:lstStyle/>
-                    <a:p>
-                      <a:r>
-                        <a:rPr kumimoji="1" lang="ja-JP" altLang="en-US" sz="1200">
-                          <a:latin typeface="04かんじゅくゴシック" panose="02000600000000000000" pitchFamily="50" charset="-128"/>
-                          <a:ea typeface="04かんじゅくゴシック" panose="02000600000000000000" pitchFamily="50" charset="-128"/>
-                        </a:rPr>
-                        <a:t>ダメージ倍率を軽減するスキル。</a:t>
-                      </a:r>
-                    </a:p>
-                  </a:txBody>
-                  <a:tcPr marL="36000" marR="36000" marT="36000" marB="36000"/>
-                </a:tc>
-                <a:extLst>
-                  <a:ext uri="{0D108BD9-81ED-4DB2-BD59-A6C34878D82A}">
-                    <a16:rowId xmlns:a16="http://schemas.microsoft.com/office/drawing/2014/main" val="4256196647"/>
-                  </a:ext>
-                </a:extLst>
-              </a:tr>
-              <a:tr h="0">
-                <a:tc>
-                  <a:txBody>
-                    <a:bodyPr/>
-                    <a:lstStyle/>
-                    <a:p>
-                      <a:r>
-                        <a:rPr kumimoji="1" lang="ja-JP" altLang="en-US" sz="1200">
-                          <a:latin typeface="04かんじゅくゴシック" panose="02000600000000000000" pitchFamily="50" charset="-128"/>
-                          <a:ea typeface="04かんじゅくゴシック" panose="02000600000000000000" pitchFamily="50" charset="-128"/>
-                        </a:rPr>
-                        <a:t>判定変更</a:t>
-                      </a:r>
-                    </a:p>
-                  </a:txBody>
-                  <a:tcPr marL="36000" marR="36000" marT="36000" marB="36000"/>
-                </a:tc>
-                <a:tc>
-                  <a:txBody>
-                    <a:bodyPr/>
-                    <a:lstStyle/>
-                    <a:p>
-                      <a:r>
-                        <a:rPr kumimoji="1" lang="ja-JP" altLang="en-US" sz="1200">
-                          <a:latin typeface="04かんじゅくゴシック" panose="02000600000000000000" pitchFamily="50" charset="-128"/>
-                          <a:ea typeface="04かんじゅくゴシック" panose="02000600000000000000" pitchFamily="50" charset="-128"/>
-                        </a:rPr>
-                        <a:t>判定難化</a:t>
-                      </a:r>
-                    </a:p>
-                  </a:txBody>
-                  <a:tcPr marL="36000" marR="36000" marT="36000" marB="36000"/>
-                </a:tc>
-                <a:tc>
-                  <a:txBody>
-                    <a:bodyPr/>
-                    <a:lstStyle/>
-                    <a:p>
-                      <a:r>
-                        <a:rPr kumimoji="1" lang="ja-JP" altLang="en-US" sz="1200">
-                          <a:latin typeface="04かんじゅくゴシック" panose="02000600000000000000" pitchFamily="50" charset="-128"/>
-                          <a:ea typeface="04かんじゅくゴシック" panose="02000600000000000000" pitchFamily="50" charset="-128"/>
-                        </a:rPr>
-                        <a:t>「判定が厳しくなる」「非常に～」「極端に～」のいずれか。</a:t>
-                      </a:r>
-                    </a:p>
-                  </a:txBody>
-                  <a:tcPr marL="36000" marR="36000" marT="36000" marB="36000"/>
-                </a:tc>
-                <a:extLst>
-                  <a:ext uri="{0D108BD9-81ED-4DB2-BD59-A6C34878D82A}">
-                    <a16:rowId xmlns:a16="http://schemas.microsoft.com/office/drawing/2014/main" val="436540959"/>
-                  </a:ext>
-                </a:extLst>
-              </a:tr>
-              <a:tr h="0">
-                <a:tc>
-                  <a:txBody>
-                    <a:bodyPr/>
-                    <a:lstStyle/>
-                    <a:p>
-                      <a:endParaRPr kumimoji="1" lang="ja-JP" altLang="en-US" sz="1200">
-                        <a:latin typeface="04かんじゅくゴシック" panose="02000600000000000000" pitchFamily="50" charset="-128"/>
-                        <a:ea typeface="04かんじゅくゴシック" panose="02000600000000000000" pitchFamily="50" charset="-128"/>
-                      </a:endParaRPr>
-                    </a:p>
-                  </a:txBody>
-                  <a:tcPr marL="36000" marR="36000" marT="36000" marB="36000"/>
-                </a:tc>
-                <a:tc>
-                  <a:txBody>
-                    <a:bodyPr/>
-                    <a:lstStyle/>
-                    <a:p>
-                      <a:r>
-                        <a:rPr kumimoji="1" lang="en-US" altLang="ja-JP" sz="1200">
-                          <a:latin typeface="04かんじゅくゴシック" panose="02000600000000000000" pitchFamily="50" charset="-128"/>
-                          <a:ea typeface="04かんじゅくゴシック" panose="02000600000000000000" pitchFamily="50" charset="-128"/>
-                        </a:rPr>
-                        <a:t>MISS</a:t>
-                      </a:r>
-                      <a:r>
-                        <a:rPr kumimoji="1" lang="ja-JP" altLang="en-US" sz="1200">
-                          <a:latin typeface="04かんじゅくゴシック" panose="02000600000000000000" pitchFamily="50" charset="-128"/>
-                          <a:ea typeface="04かんじゅくゴシック" panose="02000600000000000000" pitchFamily="50" charset="-128"/>
-                        </a:rPr>
-                        <a:t>に変更</a:t>
-                      </a:r>
-                    </a:p>
-                  </a:txBody>
-                  <a:tcPr marL="36000" marR="36000" marT="36000" marB="36000"/>
-                </a:tc>
-                <a:tc>
-                  <a:txBody>
-                    <a:bodyPr/>
-                    <a:lstStyle/>
-                    <a:p>
-                      <a:r>
-                        <a:rPr kumimoji="1" lang="ja-JP" altLang="en-US" sz="1200">
-                          <a:latin typeface="04かんじゅくゴシック" panose="02000600000000000000" pitchFamily="50" charset="-128"/>
-                          <a:ea typeface="04かんじゅくゴシック" panose="02000600000000000000" pitchFamily="50" charset="-128"/>
-                        </a:rPr>
-                        <a:t>「</a:t>
-                      </a:r>
-                      <a:r>
-                        <a:rPr kumimoji="1" lang="en-US" altLang="ja-JP" sz="1200">
-                          <a:latin typeface="04かんじゅくゴシック" panose="02000600000000000000" pitchFamily="50" charset="-128"/>
-                          <a:ea typeface="04かんじゅくゴシック" panose="02000600000000000000" pitchFamily="50" charset="-128"/>
-                        </a:rPr>
-                        <a:t>JUSTICE</a:t>
-                      </a:r>
-                      <a:r>
-                        <a:rPr kumimoji="1" lang="ja-JP" altLang="en-US" sz="1200">
-                          <a:latin typeface="04かんじゅくゴシック" panose="02000600000000000000" pitchFamily="50" charset="-128"/>
-                          <a:ea typeface="04かんじゅくゴシック" panose="02000600000000000000" pitchFamily="50" charset="-128"/>
-                        </a:rPr>
-                        <a:t>以下がミス」「</a:t>
-                      </a:r>
-                      <a:r>
-                        <a:rPr kumimoji="1" lang="en-US" altLang="ja-JP" sz="1200">
-                          <a:latin typeface="04かんじゅくゴシック" panose="02000600000000000000" pitchFamily="50" charset="-128"/>
-                          <a:ea typeface="04かんじゅくゴシック" panose="02000600000000000000" pitchFamily="50" charset="-128"/>
-                        </a:rPr>
-                        <a:t>ATTACK</a:t>
-                      </a:r>
-                      <a:r>
-                        <a:rPr kumimoji="1" lang="ja-JP" altLang="en-US" sz="1200">
-                          <a:latin typeface="04かんじゅくゴシック" panose="02000600000000000000" pitchFamily="50" charset="-128"/>
-                          <a:ea typeface="04かんじゅくゴシック" panose="02000600000000000000" pitchFamily="50" charset="-128"/>
-                        </a:rPr>
-                        <a:t>がミス」のいずれか。</a:t>
-                      </a:r>
-                    </a:p>
-                  </a:txBody>
-                  <a:tcPr marL="36000" marR="36000" marT="36000" marB="36000"/>
-                </a:tc>
-                <a:extLst>
-                  <a:ext uri="{0D108BD9-81ED-4DB2-BD59-A6C34878D82A}">
-                    <a16:rowId xmlns:a16="http://schemas.microsoft.com/office/drawing/2014/main" val="1338782256"/>
-                  </a:ext>
-                </a:extLst>
-              </a:tr>
-              <a:tr h="0">
-                <a:tc>
-                  <a:txBody>
-                    <a:bodyPr/>
-                    <a:lstStyle/>
-                    <a:p>
-                      <a:r>
-                        <a:rPr kumimoji="1" lang="ja-JP" altLang="en-US" sz="1200">
-                          <a:latin typeface="04かんじゅくゴシック" panose="02000600000000000000" pitchFamily="50" charset="-128"/>
-                          <a:ea typeface="04かんじゅくゴシック" panose="02000600000000000000" pitchFamily="50" charset="-128"/>
-                        </a:rPr>
-                        <a:t>その他</a:t>
-                      </a:r>
-                    </a:p>
-                  </a:txBody>
-                  <a:tcPr marL="36000" marR="36000" marT="36000" marB="36000"/>
-                </a:tc>
-                <a:tc>
-                  <a:txBody>
-                    <a:bodyPr/>
-                    <a:lstStyle/>
-                    <a:p>
-                      <a:r>
-                        <a:rPr kumimoji="1" lang="ja-JP" altLang="en-US" sz="1200">
-                          <a:latin typeface="04かんじゅくゴシック" panose="02000600000000000000" pitchFamily="50" charset="-128"/>
-                          <a:ea typeface="04かんじゅくゴシック" panose="02000600000000000000" pitchFamily="50" charset="-128"/>
-                        </a:rPr>
-                        <a:t>強制終了</a:t>
-                      </a:r>
-                    </a:p>
-                  </a:txBody>
-                  <a:tcPr marL="36000" marR="36000" marT="36000" marB="36000"/>
-                </a:tc>
-                <a:tc>
-                  <a:txBody>
-                    <a:bodyPr/>
-                    <a:lstStyle/>
-                    <a:p>
-                      <a:endParaRPr kumimoji="1" lang="ja-JP" altLang="en-US" sz="1200">
-                        <a:latin typeface="04かんじゅくゴシック" panose="02000600000000000000" pitchFamily="50" charset="-128"/>
-                        <a:ea typeface="04かんじゅくゴシック" panose="02000600000000000000" pitchFamily="50" charset="-128"/>
-                      </a:endParaRPr>
-                    </a:p>
-                  </a:txBody>
-                  <a:tcPr marL="36000" marR="36000" marT="36000" marB="36000"/>
-                </a:tc>
-                <a:extLst>
-                  <a:ext uri="{0D108BD9-81ED-4DB2-BD59-A6C34878D82A}">
-                    <a16:rowId xmlns:a16="http://schemas.microsoft.com/office/drawing/2014/main" val="1912727807"/>
-                  </a:ext>
-                </a:extLst>
-              </a:tr>
-              <a:tr h="0">
-                <a:tc>
-                  <a:txBody>
-                    <a:bodyPr/>
-                    <a:lstStyle/>
-                    <a:p>
-                      <a:endParaRPr kumimoji="1" lang="ja-JP" altLang="en-US" sz="1200">
-                        <a:latin typeface="04かんじゅくゴシック" panose="02000600000000000000" pitchFamily="50" charset="-128"/>
-                        <a:ea typeface="04かんじゅくゴシック" panose="02000600000000000000" pitchFamily="50" charset="-128"/>
-                      </a:endParaRPr>
-                    </a:p>
-                  </a:txBody>
-                  <a:tcPr marL="36000" marR="36000" marT="36000" marB="36000"/>
-                </a:tc>
-                <a:tc>
-                  <a:txBody>
-                    <a:bodyPr/>
-                    <a:lstStyle/>
-                    <a:p>
-                      <a:r>
-                        <a:rPr kumimoji="1" lang="ja-JP" altLang="en-US" sz="1200">
-                          <a:latin typeface="04かんじゅくゴシック" panose="02000600000000000000" pitchFamily="50" charset="-128"/>
-                          <a:ea typeface="04かんじゅくゴシック" panose="02000600000000000000" pitchFamily="50" charset="-128"/>
-                        </a:rPr>
-                        <a:t>確率</a:t>
-                      </a:r>
-                    </a:p>
-                  </a:txBody>
-                  <a:tcPr marL="36000" marR="36000" marT="36000" marB="36000"/>
-                </a:tc>
-                <a:tc>
-                  <a:txBody>
-                    <a:bodyPr/>
-                    <a:lstStyle/>
-                    <a:p>
-                      <a:r>
-                        <a:rPr kumimoji="1" lang="ja-JP" altLang="en-US" sz="1200">
-                          <a:latin typeface="04かんじゅくゴシック" panose="02000600000000000000" pitchFamily="50" charset="-128"/>
-                          <a:ea typeface="04かんじゅくゴシック" panose="02000600000000000000" pitchFamily="50" charset="-128"/>
-                        </a:rPr>
-                        <a:t>ランダムで効果が変動するスキル。</a:t>
-                      </a:r>
-                    </a:p>
-                  </a:txBody>
-                  <a:tcPr marL="36000" marR="36000" marT="36000" marB="36000"/>
-                </a:tc>
-                <a:extLst>
-                  <a:ext uri="{0D108BD9-81ED-4DB2-BD59-A6C34878D82A}">
-                    <a16:rowId xmlns:a16="http://schemas.microsoft.com/office/drawing/2014/main" val="1657974468"/>
-                  </a:ext>
-                </a:extLst>
-              </a:tr>
-              <a:tr h="0">
-                <a:tc>
-                  <a:txBody>
-                    <a:bodyPr/>
-                    <a:lstStyle/>
-                    <a:p>
-                      <a:endParaRPr kumimoji="1" lang="ja-JP" altLang="en-US" sz="1200">
-                        <a:latin typeface="04かんじゅくゴシック" panose="02000600000000000000" pitchFamily="50" charset="-128"/>
-                        <a:ea typeface="04かんじゅくゴシック" panose="02000600000000000000" pitchFamily="50" charset="-128"/>
-                      </a:endParaRPr>
-                    </a:p>
-                  </a:txBody>
-                  <a:tcPr marL="36000" marR="36000" marT="36000" marB="36000"/>
-                </a:tc>
-                <a:tc>
-                  <a:txBody>
-                    <a:bodyPr/>
-                    <a:lstStyle/>
-                    <a:p>
-                      <a:r>
-                        <a:rPr kumimoji="1" lang="en-US" altLang="ja-JP" sz="1200">
-                          <a:latin typeface="04かんじゅくゴシック" panose="02000600000000000000" pitchFamily="50" charset="-128"/>
-                          <a:ea typeface="04かんじゅくゴシック" panose="02000600000000000000" pitchFamily="50" charset="-128"/>
-                        </a:rPr>
-                        <a:t>RANK</a:t>
-                      </a:r>
-                      <a:endParaRPr kumimoji="1" lang="ja-JP" altLang="en-US" sz="1200">
-                        <a:latin typeface="04かんじゅくゴシック" panose="02000600000000000000" pitchFamily="50" charset="-128"/>
-                        <a:ea typeface="04かんじゅくゴシック" panose="02000600000000000000" pitchFamily="50" charset="-128"/>
-                      </a:endParaRPr>
-                    </a:p>
-                  </a:txBody>
-                  <a:tcPr marL="36000" marR="36000" marT="36000" marB="36000"/>
-                </a:tc>
-                <a:tc>
-                  <a:txBody>
-                    <a:bodyPr/>
-                    <a:lstStyle/>
-                    <a:p>
-                      <a:r>
-                        <a:rPr kumimoji="1" lang="ja-JP" altLang="en-US" sz="1200">
-                          <a:latin typeface="04かんじゅくゴシック" panose="02000600000000000000" pitchFamily="50" charset="-128"/>
-                          <a:ea typeface="04かんじゅくゴシック" panose="02000600000000000000" pitchFamily="50" charset="-128"/>
-                        </a:rPr>
-                        <a:t>キャラクターの</a:t>
-                      </a:r>
-                      <a:r>
-                        <a:rPr kumimoji="1" lang="en-US" altLang="ja-JP" sz="1200">
-                          <a:latin typeface="04かんじゅくゴシック" panose="02000600000000000000" pitchFamily="50" charset="-128"/>
-                          <a:ea typeface="04かんじゅくゴシック" panose="02000600000000000000" pitchFamily="50" charset="-128"/>
-                        </a:rPr>
-                        <a:t>RANK</a:t>
-                      </a:r>
-                      <a:r>
-                        <a:rPr kumimoji="1" lang="ja-JP" altLang="en-US" sz="1200">
-                          <a:latin typeface="04かんじゅくゴシック" panose="02000600000000000000" pitchFamily="50" charset="-128"/>
-                          <a:ea typeface="04かんじゅくゴシック" panose="02000600000000000000" pitchFamily="50" charset="-128"/>
-                        </a:rPr>
-                        <a:t>を参照するスキル。</a:t>
-                      </a:r>
-                    </a:p>
-                  </a:txBody>
-                  <a:tcPr marL="36000" marR="36000" marT="36000" marB="36000"/>
-                </a:tc>
-                <a:extLst>
-                  <a:ext uri="{0D108BD9-81ED-4DB2-BD59-A6C34878D82A}">
-                    <a16:rowId xmlns:a16="http://schemas.microsoft.com/office/drawing/2014/main" val="670742336"/>
-                  </a:ext>
-                </a:extLst>
-              </a:tr>
-            </a:tbl>
-          </a:graphicData>
-        </a:graphic>
-      </p:graphicFrame>
+        </p:nvSpPr>
+        <p:spPr/>
+        <p:txBody>
+          <a:bodyPr/>
+          <a:lstStyle/>
+          <a:p>
+            <a:r>
+              <a:rPr lang="en-US" altLang="ja-JP"/>
+              <a:t>CHUNITHM DATA VIEWER</a:t>
+            </a:r>
+            <a:endParaRPr lang="ja-JP" altLang="en-US"/>
+          </a:p>
+        </p:txBody>
+      </p:sp>
     </p:spTree>
     <p:extLst>
       <p:ext uri="{BB962C8B-B14F-4D97-AF65-F5344CB8AC3E}">
-        <p14:creationId xmlns:p14="http://schemas.microsoft.com/office/powerpoint/2010/main" val="522121514"/>
+        <p14:creationId xmlns:p14="http://schemas.microsoft.com/office/powerpoint/2010/main" val="844104342"/>
       </p:ext>
     </p:extLst>
   </p:cSld>
@@ -9178,7 +8243,7 @@
 </p:sld>
 </file>
 
-<file path=ppt/slides/slide11.xml><?xml version="1.0" encoding="utf-8"?>
+<file path=ppt/slides/slide3.xml><?xml version="1.0" encoding="utf-8"?>
 <p:sld xmlns:a="http://schemas.openxmlformats.org/drawingml/2006/main" xmlns:r="http://schemas.openxmlformats.org/officeDocument/2006/relationships" xmlns:p="http://schemas.openxmlformats.org/presentationml/2006/main">
   <p:cSld>
     <p:spTree>
@@ -9200,93 +8265,6 @@
           <p:cNvPr id="4" name="タイトル 3">
             <a:extLst>
               <a:ext uri="{FF2B5EF4-FFF2-40B4-BE49-F238E27FC236}">
-                <a16:creationId xmlns:a16="http://schemas.microsoft.com/office/drawing/2014/main" id="{F17F673A-9A25-423A-8BF0-9CB3D778E24E}"/>
-              </a:ext>
-            </a:extLst>
-          </p:cNvPr>
-          <p:cNvSpPr>
-            <a:spLocks noGrp="1"/>
-          </p:cNvSpPr>
-          <p:nvPr>
-            <p:ph type="title"/>
-          </p:nvPr>
-        </p:nvSpPr>
-        <p:spPr/>
-        <p:txBody>
-          <a:bodyPr/>
-          <a:lstStyle/>
-          <a:p>
-            <a:r>
-              <a:rPr lang="ja-JP" altLang="en-US"/>
-              <a:t>データ設計</a:t>
-            </a:r>
-          </a:p>
-        </p:txBody>
-      </p:sp>
-      <p:sp>
-        <p:nvSpPr>
-          <p:cNvPr id="5" name="テキスト プレースホルダー 4">
-            <a:extLst>
-              <a:ext uri="{FF2B5EF4-FFF2-40B4-BE49-F238E27FC236}">
-                <a16:creationId xmlns:a16="http://schemas.microsoft.com/office/drawing/2014/main" id="{E8F39FD0-1B72-4E69-B19E-1F9B5238B3C5}"/>
-              </a:ext>
-            </a:extLst>
-          </p:cNvPr>
-          <p:cNvSpPr>
-            <a:spLocks noGrp="1"/>
-          </p:cNvSpPr>
-          <p:nvPr>
-            <p:ph type="body" idx="1"/>
-          </p:nvPr>
-        </p:nvSpPr>
-        <p:spPr/>
-        <p:txBody>
-          <a:bodyPr/>
-          <a:lstStyle/>
-          <a:p>
-            <a:r>
-              <a:rPr lang="en-US" altLang="ja-JP"/>
-              <a:t>CHUNITHM DATA VIEWER</a:t>
-            </a:r>
-            <a:endParaRPr lang="ja-JP" altLang="en-US"/>
-          </a:p>
-        </p:txBody>
-      </p:sp>
-    </p:spTree>
-    <p:extLst>
-      <p:ext uri="{BB962C8B-B14F-4D97-AF65-F5344CB8AC3E}">
-        <p14:creationId xmlns:p14="http://schemas.microsoft.com/office/powerpoint/2010/main" val="844104342"/>
-      </p:ext>
-    </p:extLst>
-  </p:cSld>
-  <p:clrMapOvr>
-    <a:masterClrMapping/>
-  </p:clrMapOvr>
-</p:sld>
-</file>
-
-<file path=ppt/slides/slide12.xml><?xml version="1.0" encoding="utf-8"?>
-<p:sld xmlns:a="http://schemas.openxmlformats.org/drawingml/2006/main" xmlns:r="http://schemas.openxmlformats.org/officeDocument/2006/relationships" xmlns:p="http://schemas.openxmlformats.org/presentationml/2006/main">
-  <p:cSld>
-    <p:spTree>
-      <p:nvGrpSpPr>
-        <p:cNvPr id="1" name=""/>
-        <p:cNvGrpSpPr/>
-        <p:nvPr/>
-      </p:nvGrpSpPr>
-      <p:grpSpPr>
-        <a:xfrm>
-          <a:off x="0" y="0"/>
-          <a:ext cx="0" cy="0"/>
-          <a:chOff x="0" y="0"/>
-          <a:chExt cx="0" cy="0"/>
-        </a:xfrm>
-      </p:grpSpPr>
-      <p:sp>
-        <p:nvSpPr>
-          <p:cNvPr id="4" name="タイトル 3">
-            <a:extLst>
-              <a:ext uri="{FF2B5EF4-FFF2-40B4-BE49-F238E27FC236}">
                 <a16:creationId xmlns:a16="http://schemas.microsoft.com/office/drawing/2014/main" id="{E8DF270F-1241-4F52-A277-EC8805CE98D7}"/>
               </a:ext>
             </a:extLst>
@@ -9349,7 +8327,7 @@
 </p:sld>
 </file>
 
-<file path=ppt/slides/slide13.xml><?xml version="1.0" encoding="utf-8"?>
+<file path=ppt/slides/slide4.xml><?xml version="1.0" encoding="utf-8"?>
 <p:sld xmlns:a="http://schemas.openxmlformats.org/drawingml/2006/main" xmlns:r="http://schemas.openxmlformats.org/officeDocument/2006/relationships" xmlns:p="http://schemas.openxmlformats.org/presentationml/2006/main">
   <p:cSld>
     <p:spTree>
@@ -17076,7 +16054,7 @@
 </p:sld>
 </file>
 
-<file path=ppt/slides/slide14.xml><?xml version="1.0" encoding="utf-8"?>
+<file path=ppt/slides/slide5.xml><?xml version="1.0" encoding="utf-8"?>
 <p:sld xmlns:a="http://schemas.openxmlformats.org/drawingml/2006/main" xmlns:r="http://schemas.openxmlformats.org/officeDocument/2006/relationships" xmlns:p="http://schemas.openxmlformats.org/presentationml/2006/main">
   <p:cSld>
     <p:spTree>
@@ -17163,7 +16141,7 @@
 </p:sld>
 </file>
 
-<file path=ppt/slides/slide15.xml><?xml version="1.0" encoding="utf-8"?>
+<file path=ppt/slides/slide6.xml><?xml version="1.0" encoding="utf-8"?>
 <p:sld xmlns:a="http://schemas.openxmlformats.org/drawingml/2006/main" xmlns:r="http://schemas.openxmlformats.org/officeDocument/2006/relationships" xmlns:p="http://schemas.openxmlformats.org/presentationml/2006/main">
   <p:cSld>
     <p:spTree>
@@ -18450,3536 +17428,6 @@
 </p:sld>
 </file>
 
-<file path=ppt/slides/slide2.xml><?xml version="1.0" encoding="utf-8"?>
-<p:sld xmlns:a="http://schemas.openxmlformats.org/drawingml/2006/main" xmlns:r="http://schemas.openxmlformats.org/officeDocument/2006/relationships" xmlns:p="http://schemas.openxmlformats.org/presentationml/2006/main">
-  <p:cSld>
-    <p:spTree>
-      <p:nvGrpSpPr>
-        <p:cNvPr id="1" name=""/>
-        <p:cNvGrpSpPr/>
-        <p:nvPr/>
-      </p:nvGrpSpPr>
-      <p:grpSpPr>
-        <a:xfrm>
-          <a:off x="0" y="0"/>
-          <a:ext cx="0" cy="0"/>
-          <a:chOff x="0" y="0"/>
-          <a:chExt cx="0" cy="0"/>
-        </a:xfrm>
-      </p:grpSpPr>
-      <p:sp>
-        <p:nvSpPr>
-          <p:cNvPr id="4" name="タイトル 3">
-            <a:extLst>
-              <a:ext uri="{FF2B5EF4-FFF2-40B4-BE49-F238E27FC236}">
-                <a16:creationId xmlns:a16="http://schemas.microsoft.com/office/drawing/2014/main" id="{F17F673A-9A25-423A-8BF0-9CB3D778E24E}"/>
-              </a:ext>
-            </a:extLst>
-          </p:cNvPr>
-          <p:cNvSpPr>
-            <a:spLocks noGrp="1"/>
-          </p:cNvSpPr>
-          <p:nvPr>
-            <p:ph type="title"/>
-          </p:nvPr>
-        </p:nvSpPr>
-        <p:spPr/>
-        <p:txBody>
-          <a:bodyPr/>
-          <a:lstStyle/>
-          <a:p>
-            <a:r>
-              <a:rPr lang="ja-JP" altLang="en-US"/>
-              <a:t>業務要件</a:t>
-            </a:r>
-          </a:p>
-        </p:txBody>
-      </p:sp>
-      <p:sp>
-        <p:nvSpPr>
-          <p:cNvPr id="5" name="テキスト プレースホルダー 4">
-            <a:extLst>
-              <a:ext uri="{FF2B5EF4-FFF2-40B4-BE49-F238E27FC236}">
-                <a16:creationId xmlns:a16="http://schemas.microsoft.com/office/drawing/2014/main" id="{E8F39FD0-1B72-4E69-B19E-1F9B5238B3C5}"/>
-              </a:ext>
-            </a:extLst>
-          </p:cNvPr>
-          <p:cNvSpPr>
-            <a:spLocks noGrp="1"/>
-          </p:cNvSpPr>
-          <p:nvPr>
-            <p:ph type="body" idx="1"/>
-          </p:nvPr>
-        </p:nvSpPr>
-        <p:spPr/>
-        <p:txBody>
-          <a:bodyPr/>
-          <a:lstStyle/>
-          <a:p>
-            <a:r>
-              <a:rPr lang="en-US" altLang="ja-JP"/>
-              <a:t>CHUNITHM DATA VIEWER</a:t>
-            </a:r>
-            <a:endParaRPr lang="ja-JP" altLang="en-US"/>
-          </a:p>
-        </p:txBody>
-      </p:sp>
-    </p:spTree>
-    <p:extLst>
-      <p:ext uri="{BB962C8B-B14F-4D97-AF65-F5344CB8AC3E}">
-        <p14:creationId xmlns:p14="http://schemas.microsoft.com/office/powerpoint/2010/main" val="1988375869"/>
-      </p:ext>
-    </p:extLst>
-  </p:cSld>
-  <p:clrMapOvr>
-    <a:masterClrMapping/>
-  </p:clrMapOvr>
-</p:sld>
-</file>
-
-<file path=ppt/slides/slide3.xml><?xml version="1.0" encoding="utf-8"?>
-<p:sld xmlns:a="http://schemas.openxmlformats.org/drawingml/2006/main" xmlns:r="http://schemas.openxmlformats.org/officeDocument/2006/relationships" xmlns:p="http://schemas.openxmlformats.org/presentationml/2006/main">
-  <p:cSld>
-    <p:spTree>
-      <p:nvGrpSpPr>
-        <p:cNvPr id="1" name=""/>
-        <p:cNvGrpSpPr/>
-        <p:nvPr/>
-      </p:nvGrpSpPr>
-      <p:grpSpPr>
-        <a:xfrm>
-          <a:off x="0" y="0"/>
-          <a:ext cx="0" cy="0"/>
-          <a:chOff x="0" y="0"/>
-          <a:chExt cx="0" cy="0"/>
-        </a:xfrm>
-      </p:grpSpPr>
-      <p:sp>
-        <p:nvSpPr>
-          <p:cNvPr id="6" name="タイトル 5">
-            <a:extLst>
-              <a:ext uri="{FF2B5EF4-FFF2-40B4-BE49-F238E27FC236}">
-                <a16:creationId xmlns:a16="http://schemas.microsoft.com/office/drawing/2014/main" id="{014C9F2A-BA59-4525-A239-5E78FDB46AD2}"/>
-              </a:ext>
-            </a:extLst>
-          </p:cNvPr>
-          <p:cNvSpPr>
-            <a:spLocks noGrp="1"/>
-          </p:cNvSpPr>
-          <p:nvPr>
-            <p:ph type="title"/>
-          </p:nvPr>
-        </p:nvSpPr>
-        <p:spPr/>
-        <p:txBody>
-          <a:bodyPr/>
-          <a:lstStyle/>
-          <a:p>
-            <a:r>
-              <a:rPr lang="ja-JP" altLang="en-US"/>
-              <a:t>システム化目的</a:t>
-            </a:r>
-          </a:p>
-        </p:txBody>
-      </p:sp>
-      <p:sp>
-        <p:nvSpPr>
-          <p:cNvPr id="7" name="コンテンツ プレースホルダー 6">
-            <a:extLst>
-              <a:ext uri="{FF2B5EF4-FFF2-40B4-BE49-F238E27FC236}">
-                <a16:creationId xmlns:a16="http://schemas.microsoft.com/office/drawing/2014/main" id="{EF3ABECB-8FDD-4DC8-9A78-9450BDF1B5F4}"/>
-              </a:ext>
-            </a:extLst>
-          </p:cNvPr>
-          <p:cNvSpPr>
-            <a:spLocks noGrp="1"/>
-          </p:cNvSpPr>
-          <p:nvPr>
-            <p:ph idx="1"/>
-          </p:nvPr>
-        </p:nvSpPr>
-        <p:spPr/>
-        <p:txBody>
-          <a:bodyPr/>
-          <a:lstStyle/>
-          <a:p>
-            <a:r>
-              <a:rPr lang="ja-JP" altLang="en-US"/>
-              <a:t>目的</a:t>
-            </a:r>
-            <a:endParaRPr lang="en-US" altLang="ja-JP"/>
-          </a:p>
-          <a:p>
-            <a:pPr lvl="1"/>
-            <a:r>
-              <a:rPr lang="en-US" altLang="ja-JP"/>
-              <a:t>Chunithm</a:t>
-            </a:r>
-            <a:r>
-              <a:rPr lang="ja-JP" altLang="en-US"/>
-              <a:t>に含まれる各種データ</a:t>
-            </a:r>
-            <a:r>
-              <a:rPr lang="en-US" altLang="ja-JP"/>
-              <a:t>(</a:t>
-            </a:r>
-            <a:r>
-              <a:rPr lang="ja-JP" altLang="en-US"/>
-              <a:t>スキル・キャラクター・楽曲・アーティスト・譜面製作者</a:t>
-            </a:r>
-            <a:r>
-              <a:rPr lang="en-US" altLang="ja-JP"/>
-              <a:t>)</a:t>
-            </a:r>
-            <a:r>
-              <a:rPr lang="ja-JP" altLang="en-US"/>
-              <a:t>に対して、迅速に検索・アクセスできるようにすることでプレイ前の調査作業の時間を削減する。</a:t>
-            </a:r>
-            <a:endParaRPr lang="en-US" altLang="ja-JP"/>
-          </a:p>
-          <a:p>
-            <a:r>
-              <a:rPr lang="ja-JP" altLang="en-US"/>
-              <a:t>背景</a:t>
-            </a:r>
-            <a:endParaRPr lang="en-US" altLang="ja-JP"/>
-          </a:p>
-          <a:p>
-            <a:pPr lvl="1"/>
-            <a:r>
-              <a:rPr lang="ja-JP" altLang="en-US"/>
-              <a:t>ゲーム内での絞り込み・ソート機能が貧弱。</a:t>
-            </a:r>
-            <a:endParaRPr lang="en-US" altLang="ja-JP"/>
-          </a:p>
-          <a:p>
-            <a:pPr lvl="1"/>
-            <a:r>
-              <a:rPr lang="en-US" altLang="ja-JP"/>
-              <a:t>CHUNITHM NET</a:t>
-            </a:r>
-            <a:r>
-              <a:rPr lang="ja-JP" altLang="en-US"/>
-              <a:t>はクソ重い</a:t>
-            </a:r>
-            <a:r>
-              <a:rPr lang="en-US" altLang="ja-JP"/>
-              <a:t>(</a:t>
-            </a:r>
-            <a:r>
-              <a:rPr lang="ja-JP" altLang="en-US"/>
-              <a:t>特にキャラクター</a:t>
-            </a:r>
-            <a:r>
-              <a:rPr lang="en-US" altLang="ja-JP"/>
-              <a:t>)</a:t>
-            </a:r>
-            <a:r>
-              <a:rPr lang="ja-JP" altLang="en-US"/>
-              <a:t>のでプレイの合間などに見るのはつらい。</a:t>
-            </a:r>
-            <a:endParaRPr lang="en-US" altLang="ja-JP"/>
-          </a:p>
-          <a:p>
-            <a:pPr lvl="1"/>
-            <a:r>
-              <a:rPr lang="ja-JP" altLang="en-US"/>
-              <a:t>公式サービス</a:t>
-            </a:r>
-            <a:r>
-              <a:rPr lang="en-US" altLang="ja-JP"/>
-              <a:t>(</a:t>
-            </a:r>
-            <a:r>
-              <a:rPr lang="ja-JP" altLang="en-US"/>
-              <a:t>ゲーム内、</a:t>
-            </a:r>
-            <a:r>
-              <a:rPr lang="en-US" altLang="ja-JP"/>
-              <a:t>CHUNITHM NET)</a:t>
-            </a:r>
-            <a:r>
-              <a:rPr lang="ja-JP" altLang="en-US"/>
-              <a:t>ではアーティストや譜面製作者で絞り込みできない。</a:t>
-            </a:r>
-            <a:endParaRPr lang="en-US" altLang="ja-JP"/>
-          </a:p>
-          <a:p>
-            <a:pPr lvl="1"/>
-            <a:r>
-              <a:rPr lang="en-US" altLang="ja-JP"/>
-              <a:t>WIKI</a:t>
-            </a:r>
-            <a:r>
-              <a:rPr lang="ja-JP" altLang="en-US"/>
-              <a:t>はアフィ等で表示が遅く、</a:t>
-            </a:r>
-            <a:r>
-              <a:rPr lang="en-US" altLang="ja-JP"/>
-              <a:t>UI</a:t>
-            </a:r>
-            <a:r>
-              <a:rPr lang="ja-JP" altLang="en-US"/>
-              <a:t>もスマホからは使いにくい。</a:t>
-            </a:r>
-            <a:endParaRPr lang="en-US" altLang="ja-JP"/>
-          </a:p>
-          <a:p>
-            <a:pPr lvl="1"/>
-            <a:r>
-              <a:rPr lang="en-US" altLang="ja-JP"/>
-              <a:t>WIKI</a:t>
-            </a:r>
-            <a:r>
-              <a:rPr lang="ja-JP" altLang="en-US"/>
-              <a:t>は</a:t>
-            </a:r>
-            <a:r>
-              <a:rPr lang="en-US" altLang="ja-JP"/>
-              <a:t>1</a:t>
-            </a:r>
-            <a:r>
-              <a:rPr lang="ja-JP" altLang="en-US"/>
-              <a:t>ページの容量の関係で、各種データが複数ページに分かれており尚更検索が面倒。</a:t>
-            </a:r>
-            <a:endParaRPr lang="en-US" altLang="ja-JP"/>
-          </a:p>
-          <a:p>
-            <a:r>
-              <a:rPr lang="ja-JP" altLang="en-US"/>
-              <a:t>狙い</a:t>
-            </a:r>
-            <a:endParaRPr lang="en-US" altLang="ja-JP"/>
-          </a:p>
-          <a:p>
-            <a:pPr lvl="1"/>
-            <a:r>
-              <a:rPr lang="ja-JP" altLang="en-US"/>
-              <a:t>各プレイヤーが様々なデータに容易にアクセスできるようになることで、ゲームの遊び方の幅が広がることが狙い。</a:t>
-            </a:r>
-          </a:p>
-        </p:txBody>
-      </p:sp>
-    </p:spTree>
-    <p:extLst>
-      <p:ext uri="{BB962C8B-B14F-4D97-AF65-F5344CB8AC3E}">
-        <p14:creationId xmlns:p14="http://schemas.microsoft.com/office/powerpoint/2010/main" val="1349849845"/>
-      </p:ext>
-    </p:extLst>
-  </p:cSld>
-  <p:clrMapOvr>
-    <a:masterClrMapping/>
-  </p:clrMapOvr>
-</p:sld>
-</file>
-
-<file path=ppt/slides/slide4.xml><?xml version="1.0" encoding="utf-8"?>
-<p:sld xmlns:a="http://schemas.openxmlformats.org/drawingml/2006/main" xmlns:r="http://schemas.openxmlformats.org/officeDocument/2006/relationships" xmlns:p="http://schemas.openxmlformats.org/presentationml/2006/main">
-  <p:cSld>
-    <p:spTree>
-      <p:nvGrpSpPr>
-        <p:cNvPr id="1" name=""/>
-        <p:cNvGrpSpPr/>
-        <p:nvPr/>
-      </p:nvGrpSpPr>
-      <p:grpSpPr>
-        <a:xfrm>
-          <a:off x="0" y="0"/>
-          <a:ext cx="0" cy="0"/>
-          <a:chOff x="0" y="0"/>
-          <a:chExt cx="0" cy="0"/>
-        </a:xfrm>
-      </p:grpSpPr>
-      <p:sp>
-        <p:nvSpPr>
-          <p:cNvPr id="6" name="タイトル 5">
-            <a:extLst>
-              <a:ext uri="{FF2B5EF4-FFF2-40B4-BE49-F238E27FC236}">
-                <a16:creationId xmlns:a16="http://schemas.microsoft.com/office/drawing/2014/main" id="{014C9F2A-BA59-4525-A239-5E78FDB46AD2}"/>
-              </a:ext>
-            </a:extLst>
-          </p:cNvPr>
-          <p:cNvSpPr>
-            <a:spLocks noGrp="1"/>
-          </p:cNvSpPr>
-          <p:nvPr>
-            <p:ph type="title"/>
-          </p:nvPr>
-        </p:nvSpPr>
-        <p:spPr/>
-        <p:txBody>
-          <a:bodyPr/>
-          <a:lstStyle/>
-          <a:p>
-            <a:r>
-              <a:rPr lang="ja-JP" altLang="en-US"/>
-              <a:t>キャラクター</a:t>
-            </a:r>
-          </a:p>
-        </p:txBody>
-      </p:sp>
-      <p:sp>
-        <p:nvSpPr>
-          <p:cNvPr id="7" name="コンテンツ プレースホルダー 6">
-            <a:extLst>
-              <a:ext uri="{FF2B5EF4-FFF2-40B4-BE49-F238E27FC236}">
-                <a16:creationId xmlns:a16="http://schemas.microsoft.com/office/drawing/2014/main" id="{EF3ABECB-8FDD-4DC8-9A78-9450BDF1B5F4}"/>
-              </a:ext>
-            </a:extLst>
-          </p:cNvPr>
-          <p:cNvSpPr>
-            <a:spLocks noGrp="1"/>
-          </p:cNvSpPr>
-          <p:nvPr>
-            <p:ph idx="1"/>
-          </p:nvPr>
-        </p:nvSpPr>
-        <p:spPr/>
-        <p:txBody>
-          <a:bodyPr>
-            <a:normAutofit/>
-          </a:bodyPr>
-          <a:lstStyle/>
-          <a:p>
-            <a:r>
-              <a:rPr lang="ja-JP" altLang="en-US"/>
-              <a:t>キャラクターリスト表示</a:t>
-            </a:r>
-            <a:endParaRPr lang="en-US" altLang="ja-JP"/>
-          </a:p>
-          <a:p>
-            <a:pPr lvl="1"/>
-            <a:r>
-              <a:rPr lang="ja-JP" altLang="en-US"/>
-              <a:t>リスト</a:t>
-            </a:r>
-            <a:endParaRPr lang="en-US" altLang="ja-JP"/>
-          </a:p>
-          <a:p>
-            <a:pPr lvl="2"/>
-            <a:r>
-              <a:rPr lang="ja-JP" altLang="en-US"/>
-              <a:t>リストのキャラクターをタップすると「キャラクター単体表示」に遷移する。</a:t>
-            </a:r>
-            <a:endParaRPr lang="en-US" altLang="ja-JP"/>
-          </a:p>
-          <a:p>
-            <a:pPr lvl="2"/>
-            <a:r>
-              <a:rPr lang="ja-JP" altLang="en-US"/>
-              <a:t>リスト画面からお気に入りキャラクターに登録できる。</a:t>
-            </a:r>
-            <a:endParaRPr lang="en-US" altLang="ja-JP"/>
-          </a:p>
-          <a:p>
-            <a:pPr lvl="1"/>
-            <a:r>
-              <a:rPr lang="ja-JP" altLang="en-US"/>
-              <a:t>絞り込み</a:t>
-            </a:r>
-            <a:endParaRPr lang="en-US" altLang="ja-JP"/>
-          </a:p>
-          <a:p>
-            <a:pPr lvl="2"/>
-            <a:r>
-              <a:rPr lang="ja-JP" altLang="en-US"/>
-              <a:t>レーベル・作品・追加バージョン</a:t>
-            </a:r>
-            <a:r>
-              <a:rPr lang="en-US" altLang="ja-JP"/>
-              <a:t>(</a:t>
-            </a:r>
-            <a:r>
-              <a:rPr lang="ja-JP" altLang="en-US"/>
-              <a:t>無印・</a:t>
-            </a:r>
-            <a:r>
-              <a:rPr lang="en-US" altLang="ja-JP"/>
-              <a:t>AMAZON</a:t>
-            </a:r>
-            <a:r>
-              <a:rPr lang="ja-JP" altLang="en-US"/>
-              <a:t>等</a:t>
-            </a:r>
-            <a:r>
-              <a:rPr lang="en-US" altLang="ja-JP"/>
-              <a:t>)</a:t>
-            </a:r>
-            <a:r>
-              <a:rPr lang="ja-JP" altLang="en-US"/>
-              <a:t>別に絞り込み。</a:t>
-            </a:r>
-            <a:endParaRPr lang="en-US" altLang="ja-JP"/>
-          </a:p>
-          <a:p>
-            <a:pPr lvl="2"/>
-            <a:r>
-              <a:rPr lang="ja-JP" altLang="en-US"/>
-              <a:t>キャラクター属性</a:t>
-            </a:r>
-            <a:r>
-              <a:rPr lang="en-US" altLang="ja-JP"/>
-              <a:t>(</a:t>
-            </a:r>
-            <a:r>
-              <a:rPr lang="ja-JP" altLang="en-US"/>
-              <a:t>高校生・ドラゴン・ロボット・妖怪等</a:t>
-            </a:r>
-            <a:r>
-              <a:rPr lang="en-US" altLang="ja-JP"/>
-              <a:t>)</a:t>
-            </a:r>
-            <a:r>
-              <a:rPr lang="ja-JP" altLang="en-US"/>
-              <a:t>による絞り込み。</a:t>
-            </a:r>
-            <a:endParaRPr lang="en-US" altLang="ja-JP"/>
-          </a:p>
-          <a:p>
-            <a:pPr lvl="2"/>
-            <a:r>
-              <a:rPr lang="ja-JP" altLang="en-US"/>
-              <a:t>汎用スキル・</a:t>
-            </a:r>
-            <a:r>
-              <a:rPr lang="en-US" altLang="ja-JP"/>
-              <a:t>SP</a:t>
-            </a:r>
-            <a:r>
-              <a:rPr lang="ja-JP" altLang="en-US"/>
-              <a:t>スキル所持有無による絞り込み。</a:t>
-            </a:r>
-            <a:endParaRPr lang="en-US" altLang="ja-JP"/>
-          </a:p>
-          <a:p>
-            <a:pPr lvl="2"/>
-            <a:r>
-              <a:rPr lang="ja-JP" altLang="en-US"/>
-              <a:t>進化キャラクター</a:t>
-            </a:r>
-            <a:r>
-              <a:rPr lang="en-US" altLang="ja-JP"/>
-              <a:t>(SP</a:t>
-            </a:r>
-            <a:r>
-              <a:rPr lang="ja-JP" altLang="en-US"/>
-              <a:t>スキル装備でグラフィック変化</a:t>
-            </a:r>
-            <a:r>
-              <a:rPr lang="en-US" altLang="ja-JP"/>
-              <a:t>)</a:t>
-            </a:r>
-            <a:r>
-              <a:rPr lang="ja-JP" altLang="en-US"/>
-              <a:t>であるかどうかによる絞り込み。</a:t>
-            </a:r>
-            <a:endParaRPr lang="en-US" altLang="ja-JP"/>
-          </a:p>
-          <a:p>
-            <a:pPr lvl="2"/>
-            <a:r>
-              <a:rPr lang="ja-JP" altLang="en-US"/>
-              <a:t>所有スキル</a:t>
-            </a:r>
-            <a:r>
-              <a:rPr lang="en-US" altLang="ja-JP"/>
-              <a:t>(</a:t>
-            </a:r>
-            <a:r>
-              <a:rPr lang="ja-JP" altLang="en-US"/>
-              <a:t>レベルアップ習得または装備可能</a:t>
-            </a:r>
-            <a:r>
-              <a:rPr lang="en-US" altLang="ja-JP"/>
-              <a:t>SP</a:t>
-            </a:r>
-            <a:r>
-              <a:rPr lang="ja-JP" altLang="en-US"/>
-              <a:t>スキル</a:t>
-            </a:r>
-            <a:r>
-              <a:rPr lang="en-US" altLang="ja-JP"/>
-              <a:t>)</a:t>
-            </a:r>
-            <a:r>
-              <a:rPr lang="ja-JP" altLang="en-US"/>
-              <a:t>の分類</a:t>
-            </a:r>
-            <a:r>
-              <a:rPr lang="en-US" altLang="ja-JP"/>
-              <a:t>(BOOST</a:t>
-            </a:r>
-            <a:r>
-              <a:rPr lang="ja-JP" altLang="en-US"/>
-              <a:t>・</a:t>
-            </a:r>
-            <a:r>
-              <a:rPr lang="en-US" altLang="ja-JP"/>
-              <a:t>ABSOLUTE</a:t>
-            </a:r>
-            <a:r>
-              <a:rPr lang="ja-JP" altLang="en-US"/>
-              <a:t>等</a:t>
-            </a:r>
-            <a:r>
-              <a:rPr lang="en-US" altLang="ja-JP"/>
-              <a:t>)</a:t>
-            </a:r>
-            <a:r>
-              <a:rPr lang="ja-JP" altLang="en-US"/>
-              <a:t>による絞り込み。</a:t>
-            </a:r>
-            <a:endParaRPr lang="en-US" altLang="ja-JP"/>
-          </a:p>
-          <a:p>
-            <a:pPr lvl="2"/>
-            <a:r>
-              <a:rPr lang="ja-JP" altLang="en-US"/>
-              <a:t>キャラクター名・イラストレーター名・職業に含まれる語句をテキストで指定し、部分一致検索が行える。</a:t>
-            </a:r>
-            <a:endParaRPr lang="en-US" altLang="ja-JP"/>
-          </a:p>
-          <a:p>
-            <a:pPr lvl="2"/>
-            <a:r>
-              <a:rPr lang="ja-JP" altLang="en-US"/>
-              <a:t>お気に入り設定ができ、それによるフィルタリングができる。</a:t>
-            </a:r>
-            <a:endParaRPr lang="en-US" altLang="ja-JP"/>
-          </a:p>
-          <a:p>
-            <a:pPr lvl="3"/>
-            <a:r>
-              <a:rPr lang="ja-JP" altLang="en-US"/>
-              <a:t>指定したお気に入りはブラウザを閉じてもデータを保持する。</a:t>
-            </a:r>
-            <a:endParaRPr lang="en-US" altLang="ja-JP"/>
-          </a:p>
-        </p:txBody>
-      </p:sp>
-    </p:spTree>
-    <p:extLst>
-      <p:ext uri="{BB962C8B-B14F-4D97-AF65-F5344CB8AC3E}">
-        <p14:creationId xmlns:p14="http://schemas.microsoft.com/office/powerpoint/2010/main" val="3163925287"/>
-      </p:ext>
-    </p:extLst>
-  </p:cSld>
-  <p:clrMapOvr>
-    <a:masterClrMapping/>
-  </p:clrMapOvr>
-</p:sld>
-</file>
-
-<file path=ppt/slides/slide5.xml><?xml version="1.0" encoding="utf-8"?>
-<p:sld xmlns:a="http://schemas.openxmlformats.org/drawingml/2006/main" xmlns:r="http://schemas.openxmlformats.org/officeDocument/2006/relationships" xmlns:p="http://schemas.openxmlformats.org/presentationml/2006/main">
-  <p:cSld>
-    <p:spTree>
-      <p:nvGrpSpPr>
-        <p:cNvPr id="1" name=""/>
-        <p:cNvGrpSpPr/>
-        <p:nvPr/>
-      </p:nvGrpSpPr>
-      <p:grpSpPr>
-        <a:xfrm>
-          <a:off x="0" y="0"/>
-          <a:ext cx="0" cy="0"/>
-          <a:chOff x="0" y="0"/>
-          <a:chExt cx="0" cy="0"/>
-        </a:xfrm>
-      </p:grpSpPr>
-      <p:sp>
-        <p:nvSpPr>
-          <p:cNvPr id="6" name="タイトル 5">
-            <a:extLst>
-              <a:ext uri="{FF2B5EF4-FFF2-40B4-BE49-F238E27FC236}">
-                <a16:creationId xmlns:a16="http://schemas.microsoft.com/office/drawing/2014/main" id="{014C9F2A-BA59-4525-A239-5E78FDB46AD2}"/>
-              </a:ext>
-            </a:extLst>
-          </p:cNvPr>
-          <p:cNvSpPr>
-            <a:spLocks noGrp="1"/>
-          </p:cNvSpPr>
-          <p:nvPr>
-            <p:ph type="title"/>
-          </p:nvPr>
-        </p:nvSpPr>
-        <p:spPr/>
-        <p:txBody>
-          <a:bodyPr/>
-          <a:lstStyle/>
-          <a:p>
-            <a:r>
-              <a:rPr lang="ja-JP" altLang="en-US"/>
-              <a:t>キャラクター</a:t>
-            </a:r>
-          </a:p>
-        </p:txBody>
-      </p:sp>
-      <p:sp>
-        <p:nvSpPr>
-          <p:cNvPr id="7" name="コンテンツ プレースホルダー 6">
-            <a:extLst>
-              <a:ext uri="{FF2B5EF4-FFF2-40B4-BE49-F238E27FC236}">
-                <a16:creationId xmlns:a16="http://schemas.microsoft.com/office/drawing/2014/main" id="{EF3ABECB-8FDD-4DC8-9A78-9450BDF1B5F4}"/>
-              </a:ext>
-            </a:extLst>
-          </p:cNvPr>
-          <p:cNvSpPr>
-            <a:spLocks noGrp="1"/>
-          </p:cNvSpPr>
-          <p:nvPr>
-            <p:ph idx="1"/>
-          </p:nvPr>
-        </p:nvSpPr>
-        <p:spPr/>
-        <p:txBody>
-          <a:bodyPr>
-            <a:normAutofit/>
-          </a:bodyPr>
-          <a:lstStyle/>
-          <a:p>
-            <a:r>
-              <a:rPr lang="ja-JP" altLang="en-US"/>
-              <a:t>キャラクターリスト表示</a:t>
-            </a:r>
-            <a:endParaRPr lang="en-US" altLang="ja-JP"/>
-          </a:p>
-          <a:p>
-            <a:pPr lvl="1"/>
-            <a:r>
-              <a:rPr lang="ja-JP" altLang="en-US"/>
-              <a:t>ソート</a:t>
-            </a:r>
-            <a:endParaRPr lang="en-US" altLang="ja-JP"/>
-          </a:p>
-          <a:p>
-            <a:pPr lvl="2"/>
-            <a:r>
-              <a:rPr lang="ja-JP" altLang="en-US"/>
-              <a:t>ソート基準を</a:t>
-            </a:r>
-            <a:r>
-              <a:rPr lang="en-US" altLang="ja-JP"/>
-              <a:t>2</a:t>
-            </a:r>
-            <a:r>
-              <a:rPr lang="ja-JP" altLang="en-US"/>
-              <a:t>段階に設定できる</a:t>
-            </a:r>
-            <a:r>
-              <a:rPr lang="en-US" altLang="ja-JP"/>
-              <a:t>(</a:t>
-            </a:r>
-            <a:r>
-              <a:rPr lang="ja-JP" altLang="en-US"/>
-              <a:t>作品順→名前順など</a:t>
-            </a:r>
-            <a:r>
-              <a:rPr lang="en-US" altLang="ja-JP"/>
-              <a:t>)</a:t>
-            </a:r>
-            <a:r>
-              <a:rPr lang="ja-JP" altLang="en-US"/>
-              <a:t>。</a:t>
-            </a:r>
-            <a:r>
-              <a:rPr lang="en-US" altLang="ja-JP"/>
-              <a:t>※</a:t>
-            </a:r>
-            <a:r>
-              <a:rPr lang="ja-JP" altLang="en-US"/>
-              <a:t>オンゲキ方式</a:t>
-            </a:r>
-            <a:endParaRPr lang="en-US" altLang="ja-JP"/>
-          </a:p>
-          <a:p>
-            <a:pPr lvl="2"/>
-            <a:r>
-              <a:rPr lang="ja-JP" altLang="en-US"/>
-              <a:t>ソート基準は、名前順・バージョン順</a:t>
-            </a:r>
-            <a:r>
-              <a:rPr lang="en-US" altLang="ja-JP"/>
-              <a:t>(</a:t>
-            </a:r>
-            <a:r>
-              <a:rPr lang="ja-JP" altLang="en-US"/>
-              <a:t>追加順</a:t>
-            </a:r>
-            <a:r>
-              <a:rPr lang="en-US" altLang="ja-JP"/>
-              <a:t>)</a:t>
-            </a:r>
-            <a:r>
-              <a:rPr lang="ja-JP" altLang="en-US"/>
-              <a:t>・レーベル順・作品順・汎用スキル所持順</a:t>
-            </a:r>
-            <a:r>
-              <a:rPr lang="en-US" altLang="ja-JP"/>
-              <a:t>(※)</a:t>
-            </a:r>
-            <a:r>
-              <a:rPr lang="ja-JP" altLang="en-US"/>
-              <a:t>・</a:t>
-            </a:r>
-            <a:r>
-              <a:rPr lang="en-US" altLang="ja-JP"/>
-              <a:t>SP</a:t>
-            </a:r>
-            <a:r>
-              <a:rPr lang="ja-JP" altLang="en-US"/>
-              <a:t>スキル所持順・進化キャラクター順・イラストレーター順・お気に入り登録順の計</a:t>
-            </a:r>
-            <a:r>
-              <a:rPr lang="en-US" altLang="ja-JP"/>
-              <a:t>9</a:t>
-            </a:r>
-            <a:r>
-              <a:rPr lang="ja-JP" altLang="en-US"/>
-              <a:t>種類とする。</a:t>
-            </a:r>
-            <a:endParaRPr lang="en-US" altLang="ja-JP"/>
-          </a:p>
-          <a:p>
-            <a:pPr lvl="3"/>
-            <a:r>
-              <a:rPr lang="ja-JP" altLang="en-US"/>
-              <a:t>汎用スキル所持順は「限界突破の証」「真・限界突破の証」は含まない。</a:t>
-            </a:r>
-            <a:endParaRPr lang="en-US" altLang="ja-JP"/>
-          </a:p>
-          <a:p>
-            <a:pPr lvl="2"/>
-            <a:r>
-              <a:rPr lang="ja-JP" altLang="en-US"/>
-              <a:t>次のフィルタの先頭・前のフィルタの末尾にジャンプする機能を提供。</a:t>
-            </a:r>
-            <a:r>
-              <a:rPr lang="en-US" altLang="ja-JP"/>
-              <a:t>※</a:t>
-            </a:r>
-            <a:r>
-              <a:rPr lang="ja-JP" altLang="en-US"/>
-              <a:t>ゲーム内のソート機能と同じ。</a:t>
-            </a:r>
-            <a:endParaRPr lang="en-US" altLang="ja-JP"/>
-          </a:p>
-        </p:txBody>
-      </p:sp>
-    </p:spTree>
-    <p:extLst>
-      <p:ext uri="{BB962C8B-B14F-4D97-AF65-F5344CB8AC3E}">
-        <p14:creationId xmlns:p14="http://schemas.microsoft.com/office/powerpoint/2010/main" val="3406504040"/>
-      </p:ext>
-    </p:extLst>
-  </p:cSld>
-  <p:clrMapOvr>
-    <a:masterClrMapping/>
-  </p:clrMapOvr>
-</p:sld>
-</file>
-
-<file path=ppt/slides/slide6.xml><?xml version="1.0" encoding="utf-8"?>
-<p:sld xmlns:a="http://schemas.openxmlformats.org/drawingml/2006/main" xmlns:r="http://schemas.openxmlformats.org/officeDocument/2006/relationships" xmlns:p="http://schemas.openxmlformats.org/presentationml/2006/main">
-  <p:cSld>
-    <p:spTree>
-      <p:nvGrpSpPr>
-        <p:cNvPr id="1" name=""/>
-        <p:cNvGrpSpPr/>
-        <p:nvPr/>
-      </p:nvGrpSpPr>
-      <p:grpSpPr>
-        <a:xfrm>
-          <a:off x="0" y="0"/>
-          <a:ext cx="0" cy="0"/>
-          <a:chOff x="0" y="0"/>
-          <a:chExt cx="0" cy="0"/>
-        </a:xfrm>
-      </p:grpSpPr>
-      <p:sp>
-        <p:nvSpPr>
-          <p:cNvPr id="6" name="タイトル 5">
-            <a:extLst>
-              <a:ext uri="{FF2B5EF4-FFF2-40B4-BE49-F238E27FC236}">
-                <a16:creationId xmlns:a16="http://schemas.microsoft.com/office/drawing/2014/main" id="{014C9F2A-BA59-4525-A239-5E78FDB46AD2}"/>
-              </a:ext>
-            </a:extLst>
-          </p:cNvPr>
-          <p:cNvSpPr>
-            <a:spLocks noGrp="1"/>
-          </p:cNvSpPr>
-          <p:nvPr>
-            <p:ph type="title"/>
-          </p:nvPr>
-        </p:nvSpPr>
-        <p:spPr/>
-        <p:txBody>
-          <a:bodyPr/>
-          <a:lstStyle/>
-          <a:p>
-            <a:r>
-              <a:rPr lang="ja-JP" altLang="en-US"/>
-              <a:t>キャラクター</a:t>
-            </a:r>
-          </a:p>
-        </p:txBody>
-      </p:sp>
-      <p:sp>
-        <p:nvSpPr>
-          <p:cNvPr id="7" name="コンテンツ プレースホルダー 6">
-            <a:extLst>
-              <a:ext uri="{FF2B5EF4-FFF2-40B4-BE49-F238E27FC236}">
-                <a16:creationId xmlns:a16="http://schemas.microsoft.com/office/drawing/2014/main" id="{EF3ABECB-8FDD-4DC8-9A78-9450BDF1B5F4}"/>
-              </a:ext>
-            </a:extLst>
-          </p:cNvPr>
-          <p:cNvSpPr>
-            <a:spLocks noGrp="1"/>
-          </p:cNvSpPr>
-          <p:nvPr>
-            <p:ph idx="1"/>
-          </p:nvPr>
-        </p:nvSpPr>
-        <p:spPr/>
-        <p:txBody>
-          <a:bodyPr>
-            <a:normAutofit lnSpcReduction="10000"/>
-          </a:bodyPr>
-          <a:lstStyle/>
-          <a:p>
-            <a:r>
-              <a:rPr lang="ja-JP" altLang="en-US"/>
-              <a:t>キャラクター単体表示</a:t>
-            </a:r>
-            <a:endParaRPr lang="en-US" altLang="ja-JP"/>
-          </a:p>
-          <a:p>
-            <a:pPr lvl="1"/>
-            <a:r>
-              <a:rPr lang="ja-JP" altLang="en-US"/>
-              <a:t>表示内容</a:t>
-            </a:r>
-            <a:endParaRPr lang="en-US" altLang="ja-JP"/>
-          </a:p>
-          <a:p>
-            <a:pPr lvl="2"/>
-            <a:r>
-              <a:rPr lang="ja-JP" altLang="en-US"/>
-              <a:t>名前・年齢・職業・イラストレーターが確認できる。</a:t>
-            </a:r>
-            <a:endParaRPr lang="en-US" altLang="ja-JP"/>
-          </a:p>
-          <a:p>
-            <a:pPr lvl="3"/>
-            <a:r>
-              <a:rPr lang="ja-JP" altLang="en-US"/>
-              <a:t>進化キャラクターである場合は、進化キャラクターの名前とその条件を表示する。</a:t>
-            </a:r>
-            <a:endParaRPr lang="en-US" altLang="ja-JP"/>
-          </a:p>
-          <a:p>
-            <a:pPr lvl="2"/>
-            <a:r>
-              <a:rPr lang="ja-JP" altLang="en-US"/>
-              <a:t>データ上は別キャラクターだが、同一であるキャラクターを調べられる</a:t>
-            </a:r>
-            <a:r>
-              <a:rPr lang="en-US" altLang="ja-JP"/>
-              <a:t>(</a:t>
-            </a:r>
-            <a:r>
-              <a:rPr lang="ja-JP" altLang="en-US"/>
-              <a:t>イロドリミドリのキャラなど</a:t>
-            </a:r>
-            <a:r>
-              <a:rPr lang="en-US" altLang="ja-JP"/>
-              <a:t>)</a:t>
-            </a:r>
-            <a:r>
-              <a:rPr lang="ja-JP" altLang="en-US"/>
-              <a:t>。</a:t>
-            </a:r>
-            <a:endParaRPr lang="en-US" altLang="ja-JP"/>
-          </a:p>
-          <a:p>
-            <a:pPr lvl="2"/>
-            <a:r>
-              <a:rPr lang="ja-JP" altLang="en-US"/>
-              <a:t>そのキャラクターが含まれるグループを表したキャラクター、またはグループを表したキャラクターに含まれる個別キャラクターを調べられる。</a:t>
-            </a:r>
-            <a:endParaRPr lang="en-US" altLang="ja-JP"/>
-          </a:p>
-          <a:p>
-            <a:pPr lvl="2"/>
-            <a:r>
-              <a:rPr lang="ja-JP" altLang="en-US"/>
-              <a:t>キャラクターが属するグループ</a:t>
-            </a:r>
-            <a:r>
-              <a:rPr lang="en-US" altLang="ja-JP"/>
-              <a:t>(</a:t>
-            </a:r>
-            <a:r>
-              <a:rPr lang="ja-JP" altLang="en-US"/>
-              <a:t>シンセ研・</a:t>
-            </a:r>
-            <a:r>
-              <a:rPr lang="en-US" altLang="ja-JP"/>
-              <a:t>MIA</a:t>
-            </a:r>
-            <a:r>
-              <a:rPr lang="ja-JP" altLang="en-US"/>
-              <a:t>等</a:t>
-            </a:r>
-            <a:r>
-              <a:rPr lang="en-US" altLang="ja-JP"/>
-              <a:t>)</a:t>
-            </a:r>
-            <a:r>
-              <a:rPr lang="ja-JP" altLang="en-US"/>
-              <a:t>を調べられる。</a:t>
-            </a:r>
-            <a:endParaRPr lang="en-US" altLang="ja-JP"/>
-          </a:p>
-          <a:p>
-            <a:pPr lvl="2"/>
-            <a:r>
-              <a:rPr lang="ja-JP" altLang="en-US"/>
-              <a:t>レベルアップで習得するスキルを確認できる。</a:t>
-            </a:r>
-            <a:endParaRPr lang="en-US" altLang="ja-JP"/>
-          </a:p>
-          <a:p>
-            <a:pPr lvl="2"/>
-            <a:r>
-              <a:rPr lang="ja-JP" altLang="en-US"/>
-              <a:t>装備可能な</a:t>
-            </a:r>
-            <a:r>
-              <a:rPr lang="en-US" altLang="ja-JP"/>
-              <a:t>SP</a:t>
-            </a:r>
-            <a:r>
-              <a:rPr lang="ja-JP" altLang="en-US"/>
-              <a:t>スキルを確認できる。</a:t>
-            </a:r>
-            <a:endParaRPr lang="en-US" altLang="ja-JP"/>
-          </a:p>
-          <a:p>
-            <a:pPr lvl="2"/>
-            <a:r>
-              <a:rPr lang="ja-JP" altLang="en-US"/>
-              <a:t>対応楽曲・所属レーベル・所属作品があれば、それを確認できる。</a:t>
-            </a:r>
-            <a:endParaRPr lang="en-US" altLang="ja-JP"/>
-          </a:p>
-          <a:p>
-            <a:pPr lvl="1"/>
-            <a:r>
-              <a:rPr lang="ja-JP" altLang="en-US"/>
-              <a:t>ジャンプ</a:t>
-            </a:r>
-            <a:endParaRPr lang="en-US" altLang="ja-JP"/>
-          </a:p>
-          <a:p>
-            <a:pPr lvl="2"/>
-            <a:r>
-              <a:rPr lang="ja-JP" altLang="en-US"/>
-              <a:t>単体表示画面に表示された、関連キャラクター・楽曲・レーベル・作品・スキル・イラストレーターの単体表示にジャンプできる。</a:t>
-            </a:r>
-            <a:endParaRPr lang="en-US" altLang="ja-JP"/>
-          </a:p>
-          <a:p>
-            <a:pPr lvl="1"/>
-            <a:r>
-              <a:rPr lang="ja-JP" altLang="en-US"/>
-              <a:t>キャラクターをお気に入りに登録できる。</a:t>
-            </a:r>
-            <a:endParaRPr lang="en-US" altLang="ja-JP"/>
-          </a:p>
-        </p:txBody>
-      </p:sp>
-    </p:spTree>
-    <p:extLst>
-      <p:ext uri="{BB962C8B-B14F-4D97-AF65-F5344CB8AC3E}">
-        <p14:creationId xmlns:p14="http://schemas.microsoft.com/office/powerpoint/2010/main" val="428101581"/>
-      </p:ext>
-    </p:extLst>
-  </p:cSld>
-  <p:clrMapOvr>
-    <a:masterClrMapping/>
-  </p:clrMapOvr>
-</p:sld>
-</file>
-
-<file path=ppt/slides/slide7.xml><?xml version="1.0" encoding="utf-8"?>
-<p:sld xmlns:a="http://schemas.openxmlformats.org/drawingml/2006/main" xmlns:r="http://schemas.openxmlformats.org/officeDocument/2006/relationships" xmlns:p="http://schemas.openxmlformats.org/presentationml/2006/main">
-  <p:cSld>
-    <p:spTree>
-      <p:nvGrpSpPr>
-        <p:cNvPr id="1" name=""/>
-        <p:cNvGrpSpPr/>
-        <p:nvPr/>
-      </p:nvGrpSpPr>
-      <p:grpSpPr>
-        <a:xfrm>
-          <a:off x="0" y="0"/>
-          <a:ext cx="0" cy="0"/>
-          <a:chOff x="0" y="0"/>
-          <a:chExt cx="0" cy="0"/>
-        </a:xfrm>
-      </p:grpSpPr>
-      <p:sp>
-        <p:nvSpPr>
-          <p:cNvPr id="6" name="タイトル 5">
-            <a:extLst>
-              <a:ext uri="{FF2B5EF4-FFF2-40B4-BE49-F238E27FC236}">
-                <a16:creationId xmlns:a16="http://schemas.microsoft.com/office/drawing/2014/main" id="{014C9F2A-BA59-4525-A239-5E78FDB46AD2}"/>
-              </a:ext>
-            </a:extLst>
-          </p:cNvPr>
-          <p:cNvSpPr>
-            <a:spLocks noGrp="1"/>
-          </p:cNvSpPr>
-          <p:nvPr>
-            <p:ph type="title"/>
-          </p:nvPr>
-        </p:nvSpPr>
-        <p:spPr/>
-        <p:txBody>
-          <a:bodyPr/>
-          <a:lstStyle/>
-          <a:p>
-            <a:r>
-              <a:rPr lang="ja-JP" altLang="en-US"/>
-              <a:t>スキル</a:t>
-            </a:r>
-          </a:p>
-        </p:txBody>
-      </p:sp>
-      <p:sp>
-        <p:nvSpPr>
-          <p:cNvPr id="7" name="コンテンツ プレースホルダー 6">
-            <a:extLst>
-              <a:ext uri="{FF2B5EF4-FFF2-40B4-BE49-F238E27FC236}">
-                <a16:creationId xmlns:a16="http://schemas.microsoft.com/office/drawing/2014/main" id="{EF3ABECB-8FDD-4DC8-9A78-9450BDF1B5F4}"/>
-              </a:ext>
-            </a:extLst>
-          </p:cNvPr>
-          <p:cNvSpPr>
-            <a:spLocks noGrp="1"/>
-          </p:cNvSpPr>
-          <p:nvPr>
-            <p:ph idx="1"/>
-          </p:nvPr>
-        </p:nvSpPr>
-        <p:spPr/>
-        <p:txBody>
-          <a:bodyPr>
-            <a:normAutofit/>
-          </a:bodyPr>
-          <a:lstStyle/>
-          <a:p>
-            <a:r>
-              <a:rPr lang="ja-JP" altLang="en-US"/>
-              <a:t>スキルリスト表示</a:t>
-            </a:r>
-            <a:endParaRPr lang="en-US" altLang="ja-JP"/>
-          </a:p>
-          <a:p>
-            <a:pPr lvl="1"/>
-            <a:r>
-              <a:rPr lang="ja-JP" altLang="en-US"/>
-              <a:t>リスト</a:t>
-            </a:r>
-            <a:endParaRPr lang="en-US" altLang="ja-JP"/>
-          </a:p>
-          <a:p>
-            <a:pPr lvl="2"/>
-            <a:r>
-              <a:rPr lang="ja-JP" altLang="en-US"/>
-              <a:t>リストのスキルをタップすると「スキル単体表示」に遷移する。</a:t>
-            </a:r>
-            <a:endParaRPr lang="en-US" altLang="ja-JP"/>
-          </a:p>
-          <a:p>
-            <a:pPr lvl="2"/>
-            <a:r>
-              <a:rPr lang="ja-JP" altLang="en-US"/>
-              <a:t>リスト画面からお気に入りスキルを登録できる。</a:t>
-            </a:r>
-            <a:endParaRPr lang="en-US" altLang="ja-JP"/>
-          </a:p>
-          <a:p>
-            <a:pPr lvl="1"/>
-            <a:r>
-              <a:rPr lang="ja-JP" altLang="en-US"/>
-              <a:t>絞り込み</a:t>
-            </a:r>
-            <a:endParaRPr lang="en-US" altLang="ja-JP"/>
-          </a:p>
-          <a:p>
-            <a:pPr lvl="2"/>
-            <a:r>
-              <a:rPr lang="ja-JP" altLang="en-US"/>
-              <a:t>スキルタイプ</a:t>
-            </a:r>
-            <a:r>
-              <a:rPr lang="en-US" altLang="ja-JP"/>
-              <a:t>(BOOST</a:t>
-            </a:r>
-            <a:r>
-              <a:rPr lang="ja-JP" altLang="en-US"/>
-              <a:t>・</a:t>
-            </a:r>
-            <a:r>
-              <a:rPr lang="en-US" altLang="ja-JP"/>
-              <a:t>ABSOLUTE</a:t>
-            </a:r>
-            <a:r>
-              <a:rPr lang="ja-JP" altLang="en-US"/>
-              <a:t>等</a:t>
-            </a:r>
-            <a:r>
-              <a:rPr lang="en-US" altLang="ja-JP"/>
-              <a:t>)</a:t>
-            </a:r>
-            <a:r>
-              <a:rPr lang="ja-JP" altLang="en-US"/>
-              <a:t>による絞り込み。</a:t>
-            </a:r>
-            <a:endParaRPr lang="en-US" altLang="ja-JP"/>
-          </a:p>
-          <a:p>
-            <a:pPr lvl="2"/>
-            <a:r>
-              <a:rPr lang="ja-JP" altLang="en-US"/>
-              <a:t>汎用スキルまたは</a:t>
-            </a:r>
-            <a:r>
-              <a:rPr lang="en-US" altLang="ja-JP"/>
-              <a:t>SP</a:t>
-            </a:r>
-            <a:r>
-              <a:rPr lang="ja-JP" altLang="en-US"/>
-              <a:t>スキルの絞り込み。</a:t>
-            </a:r>
-            <a:endParaRPr lang="en-US" altLang="ja-JP"/>
-          </a:p>
-          <a:p>
-            <a:pPr lvl="2"/>
-            <a:r>
-              <a:rPr lang="ja-JP" altLang="en-US"/>
-              <a:t>最大達成ゲージ本数</a:t>
-            </a:r>
-            <a:r>
-              <a:rPr lang="en-US" altLang="ja-JP"/>
-              <a:t>(4</a:t>
-            </a:r>
-            <a:r>
-              <a:rPr lang="ja-JP" altLang="en-US"/>
-              <a:t>本～</a:t>
-            </a:r>
-            <a:r>
-              <a:rPr lang="en-US" altLang="ja-JP"/>
-              <a:t>10</a:t>
-            </a:r>
-            <a:r>
-              <a:rPr lang="ja-JP" altLang="en-US"/>
-              <a:t>本</a:t>
-            </a:r>
-            <a:r>
-              <a:rPr lang="en-US" altLang="ja-JP"/>
-              <a:t>)</a:t>
-            </a:r>
-            <a:r>
-              <a:rPr lang="ja-JP" altLang="en-US"/>
-              <a:t>による絞り込み。</a:t>
-            </a:r>
-            <a:endParaRPr lang="en-US" altLang="ja-JP"/>
-          </a:p>
-          <a:p>
-            <a:pPr lvl="2"/>
-            <a:r>
-              <a:rPr lang="ja-JP" altLang="en-US"/>
-              <a:t>スキル効果分類</a:t>
-            </a:r>
-            <a:r>
-              <a:rPr lang="en-US" altLang="ja-JP"/>
-              <a:t>(</a:t>
-            </a:r>
-            <a:r>
-              <a:rPr lang="ja-JP" altLang="en-US"/>
-              <a:t>別表</a:t>
-            </a:r>
-            <a:r>
-              <a:rPr lang="en-US" altLang="ja-JP"/>
-              <a:t>)</a:t>
-            </a:r>
-            <a:r>
-              <a:rPr lang="ja-JP" altLang="en-US"/>
-              <a:t>による絞り込み。</a:t>
-            </a:r>
-            <a:endParaRPr lang="en-US" altLang="ja-JP"/>
-          </a:p>
-          <a:p>
-            <a:pPr lvl="3"/>
-            <a:r>
-              <a:rPr lang="ja-JP" altLang="en-US"/>
-              <a:t>複数の効果分類を同時に選択でき、その場合は</a:t>
-            </a:r>
-            <a:r>
-              <a:rPr lang="en-US" altLang="ja-JP"/>
-              <a:t>AND</a:t>
-            </a:r>
-            <a:r>
-              <a:rPr lang="ja-JP" altLang="en-US"/>
-              <a:t>検索になる。</a:t>
-            </a:r>
-            <a:endParaRPr lang="en-US" altLang="ja-JP"/>
-          </a:p>
-          <a:p>
-            <a:pPr lvl="2"/>
-            <a:r>
-              <a:rPr lang="ja-JP" altLang="en-US"/>
-              <a:t>お気に入り設定ができ、それによるフィルタリングができる。</a:t>
-            </a:r>
-            <a:endParaRPr lang="en-US" altLang="ja-JP"/>
-          </a:p>
-          <a:p>
-            <a:pPr lvl="3"/>
-            <a:r>
-              <a:rPr lang="ja-JP" altLang="en-US"/>
-              <a:t>指定したお気に入りはブラウザを閉じてもデータを保持する。</a:t>
-            </a:r>
-            <a:endParaRPr lang="en-US" altLang="ja-JP"/>
-          </a:p>
-        </p:txBody>
-      </p:sp>
-    </p:spTree>
-    <p:extLst>
-      <p:ext uri="{BB962C8B-B14F-4D97-AF65-F5344CB8AC3E}">
-        <p14:creationId xmlns:p14="http://schemas.microsoft.com/office/powerpoint/2010/main" val="1273758852"/>
-      </p:ext>
-    </p:extLst>
-  </p:cSld>
-  <p:clrMapOvr>
-    <a:masterClrMapping/>
-  </p:clrMapOvr>
-</p:sld>
-</file>
-
-<file path=ppt/slides/slide8.xml><?xml version="1.0" encoding="utf-8"?>
-<p:sld xmlns:a="http://schemas.openxmlformats.org/drawingml/2006/main" xmlns:r="http://schemas.openxmlformats.org/officeDocument/2006/relationships" xmlns:p="http://schemas.openxmlformats.org/presentationml/2006/main">
-  <p:cSld>
-    <p:spTree>
-      <p:nvGrpSpPr>
-        <p:cNvPr id="1" name=""/>
-        <p:cNvGrpSpPr/>
-        <p:nvPr/>
-      </p:nvGrpSpPr>
-      <p:grpSpPr>
-        <a:xfrm>
-          <a:off x="0" y="0"/>
-          <a:ext cx="0" cy="0"/>
-          <a:chOff x="0" y="0"/>
-          <a:chExt cx="0" cy="0"/>
-        </a:xfrm>
-      </p:grpSpPr>
-      <p:sp>
-        <p:nvSpPr>
-          <p:cNvPr id="2" name="タイトル 1">
-            <a:extLst>
-              <a:ext uri="{FF2B5EF4-FFF2-40B4-BE49-F238E27FC236}">
-                <a16:creationId xmlns:a16="http://schemas.microsoft.com/office/drawing/2014/main" id="{28FD5DE3-D55A-4414-B01A-065662E62983}"/>
-              </a:ext>
-            </a:extLst>
-          </p:cNvPr>
-          <p:cNvSpPr>
-            <a:spLocks noGrp="1"/>
-          </p:cNvSpPr>
-          <p:nvPr>
-            <p:ph type="title"/>
-          </p:nvPr>
-        </p:nvSpPr>
-        <p:spPr/>
-        <p:txBody>
-          <a:bodyPr/>
-          <a:lstStyle/>
-          <a:p>
-            <a:r>
-              <a:rPr kumimoji="1" lang="ja-JP" altLang="en-US"/>
-              <a:t>スキル効果分類</a:t>
-            </a:r>
-          </a:p>
-        </p:txBody>
-      </p:sp>
-      <p:graphicFrame>
-        <p:nvGraphicFramePr>
-          <p:cNvPr id="4" name="表 4">
-            <a:extLst>
-              <a:ext uri="{FF2B5EF4-FFF2-40B4-BE49-F238E27FC236}">
-                <a16:creationId xmlns:a16="http://schemas.microsoft.com/office/drawing/2014/main" id="{802F930F-FF32-4112-B00A-79D5AB39F3C1}"/>
-              </a:ext>
-            </a:extLst>
-          </p:cNvPr>
-          <p:cNvGraphicFramePr>
-            <a:graphicFrameLocks noGrp="1"/>
-          </p:cNvGraphicFramePr>
-          <p:nvPr>
-            <p:ph idx="1"/>
-            <p:extLst>
-              <p:ext uri="{D42A27DB-BD31-4B8C-83A1-F6EECF244321}">
-                <p14:modId xmlns:p14="http://schemas.microsoft.com/office/powerpoint/2010/main" val="2561836142"/>
-              </p:ext>
-            </p:extLst>
-          </p:nvPr>
-        </p:nvGraphicFramePr>
-        <p:xfrm>
-          <a:off x="423863" y="993775"/>
-          <a:ext cx="11355385" cy="5097600"/>
-        </p:xfrm>
-        <a:graphic>
-          <a:graphicData uri="http://schemas.openxmlformats.org/drawingml/2006/table">
-            <a:tbl>
-              <a:tblPr firstRow="1" bandRow="1">
-                <a:tableStyleId>{D7AC3CCA-C797-4891-BE02-D94E43425B78}</a:tableStyleId>
-              </a:tblPr>
-              <a:tblGrid>
-                <a:gridCol w="1261709">
-                  <a:extLst>
-                    <a:ext uri="{9D8B030D-6E8A-4147-A177-3AD203B41FA5}">
-                      <a16:colId xmlns:a16="http://schemas.microsoft.com/office/drawing/2014/main" val="3568198475"/>
-                    </a:ext>
-                  </a:extLst>
-                </a:gridCol>
-                <a:gridCol w="3511579">
-                  <a:extLst>
-                    <a:ext uri="{9D8B030D-6E8A-4147-A177-3AD203B41FA5}">
-                      <a16:colId xmlns:a16="http://schemas.microsoft.com/office/drawing/2014/main" val="3535404216"/>
-                    </a:ext>
-                  </a:extLst>
-                </a:gridCol>
-                <a:gridCol w="6582097">
-                  <a:extLst>
-                    <a:ext uri="{9D8B030D-6E8A-4147-A177-3AD203B41FA5}">
-                      <a16:colId xmlns:a16="http://schemas.microsoft.com/office/drawing/2014/main" val="452322934"/>
-                    </a:ext>
-                  </a:extLst>
-                </a:gridCol>
-              </a:tblGrid>
-              <a:tr h="0">
-                <a:tc>
-                  <a:txBody>
-                    <a:bodyPr/>
-                    <a:lstStyle/>
-                    <a:p>
-                      <a:r>
-                        <a:rPr kumimoji="1" lang="ja-JP" altLang="en-US" sz="1200">
-                          <a:latin typeface="04かんじゅくゴシック" panose="02000600000000000000" pitchFamily="50" charset="-128"/>
-                          <a:ea typeface="04かんじゅくゴシック" panose="02000600000000000000" pitchFamily="50" charset="-128"/>
-                        </a:rPr>
-                        <a:t>カテゴリ</a:t>
-                      </a:r>
-                    </a:p>
-                  </a:txBody>
-                  <a:tcPr marL="36000" marR="36000" marT="36000" marB="36000"/>
-                </a:tc>
-                <a:tc>
-                  <a:txBody>
-                    <a:bodyPr/>
-                    <a:lstStyle/>
-                    <a:p>
-                      <a:r>
-                        <a:rPr kumimoji="1" lang="ja-JP" altLang="en-US" sz="1200">
-                          <a:latin typeface="04かんじゅくゴシック" panose="02000600000000000000" pitchFamily="50" charset="-128"/>
-                          <a:ea typeface="04かんじゅくゴシック" panose="02000600000000000000" pitchFamily="50" charset="-128"/>
-                        </a:rPr>
-                        <a:t>分類名</a:t>
-                      </a:r>
-                    </a:p>
-                  </a:txBody>
-                  <a:tcPr marL="36000" marR="36000" marT="36000" marB="36000"/>
-                </a:tc>
-                <a:tc>
-                  <a:txBody>
-                    <a:bodyPr/>
-                    <a:lstStyle/>
-                    <a:p>
-                      <a:r>
-                        <a:rPr kumimoji="1" lang="ja-JP" altLang="en-US" sz="1200">
-                          <a:latin typeface="04かんじゅくゴシック" panose="02000600000000000000" pitchFamily="50" charset="-128"/>
-                          <a:ea typeface="04かんじゅくゴシック" panose="02000600000000000000" pitchFamily="50" charset="-128"/>
-                        </a:rPr>
-                        <a:t>備考</a:t>
-                      </a:r>
-                    </a:p>
-                  </a:txBody>
-                  <a:tcPr marL="36000" marR="36000" marT="36000" marB="36000"/>
-                </a:tc>
-                <a:extLst>
-                  <a:ext uri="{0D108BD9-81ED-4DB2-BD59-A6C34878D82A}">
-                    <a16:rowId xmlns:a16="http://schemas.microsoft.com/office/drawing/2014/main" val="628153720"/>
-                  </a:ext>
-                </a:extLst>
-              </a:tr>
-              <a:tr h="0">
-                <a:tc>
-                  <a:txBody>
-                    <a:bodyPr/>
-                    <a:lstStyle/>
-                    <a:p>
-                      <a:r>
-                        <a:rPr kumimoji="1" lang="ja-JP" altLang="en-US" sz="1200">
-                          <a:latin typeface="04かんじゅくゴシック" panose="02000600000000000000" pitchFamily="50" charset="-128"/>
-                          <a:ea typeface="04かんじゅくゴシック" panose="02000600000000000000" pitchFamily="50" charset="-128"/>
-                        </a:rPr>
-                        <a:t>カウント</a:t>
-                      </a:r>
-                    </a:p>
-                  </a:txBody>
-                  <a:tcPr marL="36000" marR="36000" marT="36000" marB="36000"/>
-                </a:tc>
-                <a:tc>
-                  <a:txBody>
-                    <a:bodyPr/>
-                    <a:lstStyle/>
-                    <a:p>
-                      <a:r>
-                        <a:rPr kumimoji="1" lang="ja-JP" altLang="en-US" sz="1200">
-                          <a:latin typeface="04かんじゅくゴシック" panose="02000600000000000000" pitchFamily="50" charset="-128"/>
-                          <a:ea typeface="04かんじゅくゴシック" panose="02000600000000000000" pitchFamily="50" charset="-128"/>
-                        </a:rPr>
-                        <a:t>カウントダウン</a:t>
-                      </a:r>
-                    </a:p>
-                  </a:txBody>
-                  <a:tcPr marL="36000" marR="36000" marT="36000" marB="36000"/>
-                </a:tc>
-                <a:tc>
-                  <a:txBody>
-                    <a:bodyPr/>
-                    <a:lstStyle/>
-                    <a:p>
-                      <a:r>
-                        <a:rPr kumimoji="1" lang="ja-JP" altLang="en-US" sz="1200">
-                          <a:latin typeface="04かんじゅくゴシック" panose="02000600000000000000" pitchFamily="50" charset="-128"/>
-                          <a:ea typeface="04かんじゅくゴシック" panose="02000600000000000000" pitchFamily="50" charset="-128"/>
-                        </a:rPr>
-                        <a:t>「一定回数～」を含む。</a:t>
-                      </a:r>
-                    </a:p>
-                  </a:txBody>
-                  <a:tcPr marL="36000" marR="36000" marT="36000" marB="36000"/>
-                </a:tc>
-                <a:extLst>
-                  <a:ext uri="{0D108BD9-81ED-4DB2-BD59-A6C34878D82A}">
-                    <a16:rowId xmlns:a16="http://schemas.microsoft.com/office/drawing/2014/main" val="3343033948"/>
-                  </a:ext>
-                </a:extLst>
-              </a:tr>
-              <a:tr h="0">
-                <a:tc>
-                  <a:txBody>
-                    <a:bodyPr/>
-                    <a:lstStyle/>
-                    <a:p>
-                      <a:endParaRPr kumimoji="1" lang="ja-JP" altLang="en-US" sz="1200">
-                        <a:latin typeface="04かんじゅくゴシック" panose="02000600000000000000" pitchFamily="50" charset="-128"/>
-                        <a:ea typeface="04かんじゅくゴシック" panose="02000600000000000000" pitchFamily="50" charset="-128"/>
-                      </a:endParaRPr>
-                    </a:p>
-                  </a:txBody>
-                  <a:tcPr marL="36000" marR="36000" marT="36000" marB="36000"/>
-                </a:tc>
-                <a:tc>
-                  <a:txBody>
-                    <a:bodyPr/>
-                    <a:lstStyle/>
-                    <a:p>
-                      <a:r>
-                        <a:rPr kumimoji="1" lang="ja-JP" altLang="en-US" sz="1200">
-                          <a:latin typeface="04かんじゅくゴシック" panose="02000600000000000000" pitchFamily="50" charset="-128"/>
-                          <a:ea typeface="04かんじゅくゴシック" panose="02000600000000000000" pitchFamily="50" charset="-128"/>
-                        </a:rPr>
-                        <a:t>カウントアップ</a:t>
-                      </a:r>
-                    </a:p>
-                  </a:txBody>
-                  <a:tcPr marL="36000" marR="36000" marT="36000" marB="36000"/>
-                </a:tc>
-                <a:tc>
-                  <a:txBody>
-                    <a:bodyPr/>
-                    <a:lstStyle/>
-                    <a:p>
-                      <a:endParaRPr kumimoji="1" lang="ja-JP" altLang="en-US" sz="1200">
-                        <a:latin typeface="04かんじゅくゴシック" panose="02000600000000000000" pitchFamily="50" charset="-128"/>
-                        <a:ea typeface="04かんじゅくゴシック" panose="02000600000000000000" pitchFamily="50" charset="-128"/>
-                      </a:endParaRPr>
-                    </a:p>
-                  </a:txBody>
-                  <a:tcPr marL="36000" marR="36000" marT="36000" marB="36000"/>
-                </a:tc>
-                <a:extLst>
-                  <a:ext uri="{0D108BD9-81ED-4DB2-BD59-A6C34878D82A}">
-                    <a16:rowId xmlns:a16="http://schemas.microsoft.com/office/drawing/2014/main" val="3715052307"/>
-                  </a:ext>
-                </a:extLst>
-              </a:tr>
-              <a:tr h="0">
-                <a:tc>
-                  <a:txBody>
-                    <a:bodyPr/>
-                    <a:lstStyle/>
-                    <a:p>
-                      <a:r>
-                        <a:rPr kumimoji="1" lang="ja-JP" altLang="en-US" sz="1200">
-                          <a:latin typeface="04かんじゅくゴシック" panose="02000600000000000000" pitchFamily="50" charset="-128"/>
-                          <a:ea typeface="04かんじゅくゴシック" panose="02000600000000000000" pitchFamily="50" charset="-128"/>
-                        </a:rPr>
-                        <a:t>タイミング</a:t>
-                      </a:r>
-                    </a:p>
-                  </a:txBody>
-                  <a:tcPr marL="36000" marR="36000" marT="36000" marB="36000"/>
-                </a:tc>
-                <a:tc>
-                  <a:txBody>
-                    <a:bodyPr/>
-                    <a:lstStyle/>
-                    <a:p>
-                      <a:r>
-                        <a:rPr kumimoji="1" lang="ja-JP" altLang="en-US" sz="1200">
-                          <a:latin typeface="04かんじゅくゴシック" panose="02000600000000000000" pitchFamily="50" charset="-128"/>
-                          <a:ea typeface="04かんじゅくゴシック" panose="02000600000000000000" pitchFamily="50" charset="-128"/>
-                        </a:rPr>
-                        <a:t>ゲーム開始時</a:t>
-                      </a:r>
-                    </a:p>
-                  </a:txBody>
-                  <a:tcPr marL="36000" marR="36000" marT="36000" marB="36000"/>
-                </a:tc>
-                <a:tc>
-                  <a:txBody>
-                    <a:bodyPr/>
-                    <a:lstStyle/>
-                    <a:p>
-                      <a:endParaRPr kumimoji="1" lang="ja-JP" altLang="en-US" sz="1200">
-                        <a:latin typeface="04かんじゅくゴシック" panose="02000600000000000000" pitchFamily="50" charset="-128"/>
-                        <a:ea typeface="04かんじゅくゴシック" panose="02000600000000000000" pitchFamily="50" charset="-128"/>
-                      </a:endParaRPr>
-                    </a:p>
-                  </a:txBody>
-                  <a:tcPr marL="36000" marR="36000" marT="36000" marB="36000"/>
-                </a:tc>
-                <a:extLst>
-                  <a:ext uri="{0D108BD9-81ED-4DB2-BD59-A6C34878D82A}">
-                    <a16:rowId xmlns:a16="http://schemas.microsoft.com/office/drawing/2014/main" val="3051644534"/>
-                  </a:ext>
-                </a:extLst>
-              </a:tr>
-              <a:tr h="0">
-                <a:tc>
-                  <a:txBody>
-                    <a:bodyPr/>
-                    <a:lstStyle/>
-                    <a:p>
-                      <a:endParaRPr kumimoji="1" lang="ja-JP" altLang="en-US" sz="1200">
-                        <a:latin typeface="04かんじゅくゴシック" panose="02000600000000000000" pitchFamily="50" charset="-128"/>
-                        <a:ea typeface="04かんじゅくゴシック" panose="02000600000000000000" pitchFamily="50" charset="-128"/>
-                      </a:endParaRPr>
-                    </a:p>
-                  </a:txBody>
-                  <a:tcPr marL="36000" marR="36000" marT="36000" marB="36000"/>
-                </a:tc>
-                <a:tc>
-                  <a:txBody>
-                    <a:bodyPr/>
-                    <a:lstStyle/>
-                    <a:p>
-                      <a:r>
-                        <a:rPr kumimoji="1" lang="ja-JP" altLang="en-US" sz="1200">
-                          <a:latin typeface="04かんじゅくゴシック" panose="02000600000000000000" pitchFamily="50" charset="-128"/>
-                          <a:ea typeface="04かんじゅくゴシック" panose="02000600000000000000" pitchFamily="50" charset="-128"/>
-                        </a:rPr>
-                        <a:t>ゲーム終了時</a:t>
-                      </a:r>
-                    </a:p>
-                  </a:txBody>
-                  <a:tcPr marL="36000" marR="36000" marT="36000" marB="36000"/>
-                </a:tc>
-                <a:tc>
-                  <a:txBody>
-                    <a:bodyPr/>
-                    <a:lstStyle/>
-                    <a:p>
-                      <a:endParaRPr kumimoji="1" lang="ja-JP" altLang="en-US" sz="1200">
-                        <a:latin typeface="04かんじゅくゴシック" panose="02000600000000000000" pitchFamily="50" charset="-128"/>
-                        <a:ea typeface="04かんじゅくゴシック" panose="02000600000000000000" pitchFamily="50" charset="-128"/>
-                      </a:endParaRPr>
-                    </a:p>
-                  </a:txBody>
-                  <a:tcPr marL="36000" marR="36000" marT="36000" marB="36000"/>
-                </a:tc>
-                <a:extLst>
-                  <a:ext uri="{0D108BD9-81ED-4DB2-BD59-A6C34878D82A}">
-                    <a16:rowId xmlns:a16="http://schemas.microsoft.com/office/drawing/2014/main" val="1449591422"/>
-                  </a:ext>
-                </a:extLst>
-              </a:tr>
-              <a:tr h="0">
-                <a:tc>
-                  <a:txBody>
-                    <a:bodyPr/>
-                    <a:lstStyle/>
-                    <a:p>
-                      <a:endParaRPr kumimoji="1" lang="ja-JP" altLang="en-US" sz="1200">
-                        <a:latin typeface="04かんじゅくゴシック" panose="02000600000000000000" pitchFamily="50" charset="-128"/>
-                        <a:ea typeface="04かんじゅくゴシック" panose="02000600000000000000" pitchFamily="50" charset="-128"/>
-                      </a:endParaRPr>
-                    </a:p>
-                  </a:txBody>
-                  <a:tcPr marL="36000" marR="36000" marT="36000" marB="36000"/>
-                </a:tc>
-                <a:tc>
-                  <a:txBody>
-                    <a:bodyPr/>
-                    <a:lstStyle/>
-                    <a:p>
-                      <a:r>
-                        <a:rPr kumimoji="1" lang="ja-JP" altLang="en-US" sz="1200">
-                          <a:latin typeface="04かんじゅくゴシック" panose="02000600000000000000" pitchFamily="50" charset="-128"/>
-                          <a:ea typeface="04かんじゅくゴシック" panose="02000600000000000000" pitchFamily="50" charset="-128"/>
-                        </a:rPr>
-                        <a:t>一定時間経過時</a:t>
-                      </a:r>
-                    </a:p>
-                  </a:txBody>
-                  <a:tcPr marL="36000" marR="36000" marT="36000" marB="36000"/>
-                </a:tc>
-                <a:tc>
-                  <a:txBody>
-                    <a:bodyPr/>
-                    <a:lstStyle/>
-                    <a:p>
-                      <a:r>
-                        <a:rPr kumimoji="1" lang="en-US" altLang="ja-JP" sz="1200">
-                          <a:latin typeface="04かんじゅくゴシック" panose="02000600000000000000" pitchFamily="50" charset="-128"/>
-                          <a:ea typeface="04かんじゅくゴシック" panose="02000600000000000000" pitchFamily="50" charset="-128"/>
-                        </a:rPr>
-                        <a:t>1/3</a:t>
-                      </a:r>
-                      <a:r>
-                        <a:rPr kumimoji="1" lang="ja-JP" altLang="en-US" sz="1200">
-                          <a:latin typeface="04かんじゅくゴシック" panose="02000600000000000000" pitchFamily="50" charset="-128"/>
-                          <a:ea typeface="04かんじゅくゴシック" panose="02000600000000000000" pitchFamily="50" charset="-128"/>
-                        </a:rPr>
-                        <a:t>経過時・</a:t>
-                      </a:r>
-                      <a:r>
-                        <a:rPr kumimoji="1" lang="en-US" altLang="ja-JP" sz="1200">
-                          <a:latin typeface="04かんじゅくゴシック" panose="02000600000000000000" pitchFamily="50" charset="-128"/>
-                          <a:ea typeface="04かんじゅくゴシック" panose="02000600000000000000" pitchFamily="50" charset="-128"/>
-                        </a:rPr>
-                        <a:t>1/2</a:t>
-                      </a:r>
-                      <a:r>
-                        <a:rPr kumimoji="1" lang="ja-JP" altLang="en-US" sz="1200">
-                          <a:latin typeface="04かんじゅくゴシック" panose="02000600000000000000" pitchFamily="50" charset="-128"/>
-                          <a:ea typeface="04かんじゅくゴシック" panose="02000600000000000000" pitchFamily="50" charset="-128"/>
-                        </a:rPr>
-                        <a:t>経過時など</a:t>
-                      </a:r>
-                    </a:p>
-                  </a:txBody>
-                  <a:tcPr marL="36000" marR="36000" marT="36000" marB="36000"/>
-                </a:tc>
-                <a:extLst>
-                  <a:ext uri="{0D108BD9-81ED-4DB2-BD59-A6C34878D82A}">
-                    <a16:rowId xmlns:a16="http://schemas.microsoft.com/office/drawing/2014/main" val="895190797"/>
-                  </a:ext>
-                </a:extLst>
-              </a:tr>
-              <a:tr h="0">
-                <a:tc>
-                  <a:txBody>
-                    <a:bodyPr/>
-                    <a:lstStyle/>
-                    <a:p>
-                      <a:endParaRPr kumimoji="1" lang="ja-JP" altLang="en-US" sz="1200">
-                        <a:latin typeface="04かんじゅくゴシック" panose="02000600000000000000" pitchFamily="50" charset="-128"/>
-                        <a:ea typeface="04かんじゅくゴシック" panose="02000600000000000000" pitchFamily="50" charset="-128"/>
-                      </a:endParaRPr>
-                    </a:p>
-                  </a:txBody>
-                  <a:tcPr marL="36000" marR="36000" marT="36000" marB="36000"/>
-                </a:tc>
-                <a:tc>
-                  <a:txBody>
-                    <a:bodyPr/>
-                    <a:lstStyle/>
-                    <a:p>
-                      <a:r>
-                        <a:rPr kumimoji="1" lang="ja-JP" altLang="en-US" sz="1200">
-                          <a:latin typeface="04かんじゅくゴシック" panose="02000600000000000000" pitchFamily="50" charset="-128"/>
-                          <a:ea typeface="04かんじゅくゴシック" panose="02000600000000000000" pitchFamily="50" charset="-128"/>
-                        </a:rPr>
-                        <a:t>一定時間ごと</a:t>
-                      </a:r>
-                    </a:p>
-                  </a:txBody>
-                  <a:tcPr marL="36000" marR="36000" marT="36000" marB="36000"/>
-                </a:tc>
-                <a:tc>
-                  <a:txBody>
-                    <a:bodyPr/>
-                    <a:lstStyle/>
-                    <a:p>
-                      <a:endParaRPr kumimoji="1" lang="ja-JP" altLang="en-US" sz="1200">
-                        <a:latin typeface="04かんじゅくゴシック" panose="02000600000000000000" pitchFamily="50" charset="-128"/>
-                        <a:ea typeface="04かんじゅくゴシック" panose="02000600000000000000" pitchFamily="50" charset="-128"/>
-                      </a:endParaRPr>
-                    </a:p>
-                  </a:txBody>
-                  <a:tcPr marL="36000" marR="36000" marT="36000" marB="36000"/>
-                </a:tc>
-                <a:extLst>
-                  <a:ext uri="{0D108BD9-81ED-4DB2-BD59-A6C34878D82A}">
-                    <a16:rowId xmlns:a16="http://schemas.microsoft.com/office/drawing/2014/main" val="949532864"/>
-                  </a:ext>
-                </a:extLst>
-              </a:tr>
-              <a:tr h="0">
-                <a:tc>
-                  <a:txBody>
-                    <a:bodyPr/>
-                    <a:lstStyle/>
-                    <a:p>
-                      <a:r>
-                        <a:rPr kumimoji="1" lang="ja-JP" altLang="en-US" sz="1200">
-                          <a:latin typeface="04かんじゅくゴシック" panose="02000600000000000000" pitchFamily="50" charset="-128"/>
-                          <a:ea typeface="04かんじゅくゴシック" panose="02000600000000000000" pitchFamily="50" charset="-128"/>
-                        </a:rPr>
-                        <a:t>判定</a:t>
-                      </a:r>
-                    </a:p>
-                  </a:txBody>
-                  <a:tcPr marL="36000" marR="36000" marT="36000" marB="36000"/>
-                </a:tc>
-                <a:tc>
-                  <a:txBody>
-                    <a:bodyPr/>
-                    <a:lstStyle/>
-                    <a:p>
-                      <a:r>
-                        <a:rPr kumimoji="1" lang="en-US" altLang="ja-JP" sz="1200">
-                          <a:latin typeface="04かんじゅくゴシック" panose="02000600000000000000" pitchFamily="50" charset="-128"/>
-                          <a:ea typeface="04かんじゅくゴシック" panose="02000600000000000000" pitchFamily="50" charset="-128"/>
-                        </a:rPr>
-                        <a:t>JUSTICE-CRITICAL</a:t>
-                      </a:r>
-                      <a:endParaRPr kumimoji="1" lang="ja-JP" altLang="en-US" sz="1200">
-                        <a:latin typeface="04かんじゅくゴシック" panose="02000600000000000000" pitchFamily="50" charset="-128"/>
-                        <a:ea typeface="04かんじゅくゴシック" panose="02000600000000000000" pitchFamily="50" charset="-128"/>
-                      </a:endParaRPr>
-                    </a:p>
-                  </a:txBody>
-                  <a:tcPr marL="36000" marR="36000" marT="36000" marB="36000"/>
-                </a:tc>
-                <a:tc>
-                  <a:txBody>
-                    <a:bodyPr/>
-                    <a:lstStyle/>
-                    <a:p>
-                      <a:r>
-                        <a:rPr kumimoji="1" lang="ja-JP" altLang="en-US" sz="1200">
-                          <a:latin typeface="04かんじゅくゴシック" panose="02000600000000000000" pitchFamily="50" charset="-128"/>
-                          <a:ea typeface="04かんじゅくゴシック" panose="02000600000000000000" pitchFamily="50" charset="-128"/>
-                        </a:rPr>
-                        <a:t>判定名がスキルに記載されているものが対象。「</a:t>
-                      </a:r>
-                      <a:r>
-                        <a:rPr kumimoji="1" lang="en-US" altLang="ja-JP" sz="1200">
-                          <a:latin typeface="04かんじゅくゴシック" panose="02000600000000000000" pitchFamily="50" charset="-128"/>
-                          <a:ea typeface="04かんじゅくゴシック" panose="02000600000000000000" pitchFamily="50" charset="-128"/>
-                        </a:rPr>
-                        <a:t>JUSTICE</a:t>
-                      </a:r>
-                      <a:r>
-                        <a:rPr kumimoji="1" lang="ja-JP" altLang="en-US" sz="1200">
-                          <a:latin typeface="04かんじゅくゴシック" panose="02000600000000000000" pitchFamily="50" charset="-128"/>
-                          <a:ea typeface="04かんじゅくゴシック" panose="02000600000000000000" pitchFamily="50" charset="-128"/>
-                        </a:rPr>
-                        <a:t>以上」などは対象外。</a:t>
-                      </a:r>
-                    </a:p>
-                  </a:txBody>
-                  <a:tcPr marL="36000" marR="36000" marT="36000" marB="36000"/>
-                </a:tc>
-                <a:extLst>
-                  <a:ext uri="{0D108BD9-81ED-4DB2-BD59-A6C34878D82A}">
-                    <a16:rowId xmlns:a16="http://schemas.microsoft.com/office/drawing/2014/main" val="2814636521"/>
-                  </a:ext>
-                </a:extLst>
-              </a:tr>
-              <a:tr h="0">
-                <a:tc>
-                  <a:txBody>
-                    <a:bodyPr/>
-                    <a:lstStyle/>
-                    <a:p>
-                      <a:endParaRPr kumimoji="1" lang="ja-JP" altLang="en-US" sz="1200">
-                        <a:latin typeface="04かんじゅくゴシック" panose="02000600000000000000" pitchFamily="50" charset="-128"/>
-                        <a:ea typeface="04かんじゅくゴシック" panose="02000600000000000000" pitchFamily="50" charset="-128"/>
-                      </a:endParaRPr>
-                    </a:p>
-                  </a:txBody>
-                  <a:tcPr marL="36000" marR="36000" marT="36000" marB="36000"/>
-                </a:tc>
-                <a:tc>
-                  <a:txBody>
-                    <a:bodyPr/>
-                    <a:lstStyle/>
-                    <a:p>
-                      <a:r>
-                        <a:rPr kumimoji="1" lang="en-US" altLang="ja-JP" sz="1200">
-                          <a:latin typeface="04かんじゅくゴシック" panose="02000600000000000000" pitchFamily="50" charset="-128"/>
-                          <a:ea typeface="04かんじゅくゴシック" panose="02000600000000000000" pitchFamily="50" charset="-128"/>
-                        </a:rPr>
-                        <a:t>JUSTICE</a:t>
-                      </a:r>
-                      <a:endParaRPr kumimoji="1" lang="ja-JP" altLang="en-US" sz="1200">
-                        <a:latin typeface="04かんじゅくゴシック" panose="02000600000000000000" pitchFamily="50" charset="-128"/>
-                        <a:ea typeface="04かんじゅくゴシック" panose="02000600000000000000" pitchFamily="50" charset="-128"/>
-                      </a:endParaRPr>
-                    </a:p>
-                  </a:txBody>
-                  <a:tcPr marL="36000" marR="36000" marT="36000" marB="36000"/>
-                </a:tc>
-                <a:tc>
-                  <a:txBody>
-                    <a:bodyPr/>
-                    <a:lstStyle/>
-                    <a:p>
-                      <a:r>
-                        <a:rPr kumimoji="1" lang="ja-JP" altLang="en-US" sz="1200">
-                          <a:latin typeface="04かんじゅくゴシック" panose="02000600000000000000" pitchFamily="50" charset="-128"/>
-                          <a:ea typeface="04かんじゅくゴシック" panose="02000600000000000000" pitchFamily="50" charset="-128"/>
-                        </a:rPr>
-                        <a:t>判定名がスキルに記載されているものが対象。「</a:t>
-                      </a:r>
-                      <a:r>
-                        <a:rPr kumimoji="1" lang="en-US" altLang="ja-JP" sz="1200">
-                          <a:latin typeface="04かんじゅくゴシック" panose="02000600000000000000" pitchFamily="50" charset="-128"/>
-                          <a:ea typeface="04かんじゅくゴシック" panose="02000600000000000000" pitchFamily="50" charset="-128"/>
-                        </a:rPr>
-                        <a:t>ATTACK</a:t>
-                      </a:r>
-                      <a:r>
-                        <a:rPr kumimoji="1" lang="ja-JP" altLang="en-US" sz="1200">
-                          <a:latin typeface="04かんじゅくゴシック" panose="02000600000000000000" pitchFamily="50" charset="-128"/>
-                          <a:ea typeface="04かんじゅくゴシック" panose="02000600000000000000" pitchFamily="50" charset="-128"/>
-                        </a:rPr>
-                        <a:t>以上」などは対象外。</a:t>
-                      </a:r>
-                    </a:p>
-                  </a:txBody>
-                  <a:tcPr marL="36000" marR="36000" marT="36000" marB="36000"/>
-                </a:tc>
-                <a:extLst>
-                  <a:ext uri="{0D108BD9-81ED-4DB2-BD59-A6C34878D82A}">
-                    <a16:rowId xmlns:a16="http://schemas.microsoft.com/office/drawing/2014/main" val="2263352025"/>
-                  </a:ext>
-                </a:extLst>
-              </a:tr>
-              <a:tr h="0">
-                <a:tc>
-                  <a:txBody>
-                    <a:bodyPr/>
-                    <a:lstStyle/>
-                    <a:p>
-                      <a:endParaRPr kumimoji="1" lang="ja-JP" altLang="en-US" sz="1200">
-                        <a:latin typeface="04かんじゅくゴシック" panose="02000600000000000000" pitchFamily="50" charset="-128"/>
-                        <a:ea typeface="04かんじゅくゴシック" panose="02000600000000000000" pitchFamily="50" charset="-128"/>
-                      </a:endParaRPr>
-                    </a:p>
-                  </a:txBody>
-                  <a:tcPr marL="36000" marR="36000" marT="36000" marB="36000"/>
-                </a:tc>
-                <a:tc>
-                  <a:txBody>
-                    <a:bodyPr/>
-                    <a:lstStyle/>
-                    <a:p>
-                      <a:r>
-                        <a:rPr kumimoji="1" lang="en-US" altLang="ja-JP" sz="1200">
-                          <a:latin typeface="04かんじゅくゴシック" panose="02000600000000000000" pitchFamily="50" charset="-128"/>
-                          <a:ea typeface="04かんじゅくゴシック" panose="02000600000000000000" pitchFamily="50" charset="-128"/>
-                        </a:rPr>
-                        <a:t>ATTACK</a:t>
-                      </a:r>
-                      <a:endParaRPr kumimoji="1" lang="ja-JP" altLang="en-US" sz="1200">
-                        <a:latin typeface="04かんじゅくゴシック" panose="02000600000000000000" pitchFamily="50" charset="-128"/>
-                        <a:ea typeface="04かんじゅくゴシック" panose="02000600000000000000" pitchFamily="50" charset="-128"/>
-                      </a:endParaRPr>
-                    </a:p>
-                  </a:txBody>
-                  <a:tcPr marL="36000" marR="36000" marT="36000" marB="36000"/>
-                </a:tc>
-                <a:tc>
-                  <a:txBody>
-                    <a:bodyPr/>
-                    <a:lstStyle/>
-                    <a:p>
-                      <a:r>
-                        <a:rPr kumimoji="1" lang="ja-JP" altLang="en-US" sz="1200">
-                          <a:latin typeface="04かんじゅくゴシック" panose="02000600000000000000" pitchFamily="50" charset="-128"/>
-                          <a:ea typeface="04かんじゅくゴシック" panose="02000600000000000000" pitchFamily="50" charset="-128"/>
-                        </a:rPr>
-                        <a:t>判定名がスキルに記載されているものが対象。「</a:t>
-                      </a:r>
-                      <a:r>
-                        <a:rPr kumimoji="1" lang="en-US" altLang="ja-JP" sz="1200">
-                          <a:latin typeface="04かんじゅくゴシック" panose="02000600000000000000" pitchFamily="50" charset="-128"/>
-                          <a:ea typeface="04かんじゅくゴシック" panose="02000600000000000000" pitchFamily="50" charset="-128"/>
-                        </a:rPr>
-                        <a:t>JUSTICE</a:t>
-                      </a:r>
-                      <a:r>
-                        <a:rPr kumimoji="1" lang="ja-JP" altLang="en-US" sz="1200">
-                          <a:latin typeface="04かんじゅくゴシック" panose="02000600000000000000" pitchFamily="50" charset="-128"/>
-                          <a:ea typeface="04かんじゅくゴシック" panose="02000600000000000000" pitchFamily="50" charset="-128"/>
-                        </a:rPr>
-                        <a:t>以下」などは対象外。</a:t>
-                      </a:r>
-                    </a:p>
-                  </a:txBody>
-                  <a:tcPr marL="36000" marR="36000" marT="36000" marB="36000"/>
-                </a:tc>
-                <a:extLst>
-                  <a:ext uri="{0D108BD9-81ED-4DB2-BD59-A6C34878D82A}">
-                    <a16:rowId xmlns:a16="http://schemas.microsoft.com/office/drawing/2014/main" val="3670600382"/>
-                  </a:ext>
-                </a:extLst>
-              </a:tr>
-              <a:tr h="0">
-                <a:tc>
-                  <a:txBody>
-                    <a:bodyPr/>
-                    <a:lstStyle/>
-                    <a:p>
-                      <a:endParaRPr kumimoji="1" lang="ja-JP" altLang="en-US" sz="1200">
-                        <a:latin typeface="04かんじゅくゴシック" panose="02000600000000000000" pitchFamily="50" charset="-128"/>
-                        <a:ea typeface="04かんじゅくゴシック" panose="02000600000000000000" pitchFamily="50" charset="-128"/>
-                      </a:endParaRPr>
-                    </a:p>
-                  </a:txBody>
-                  <a:tcPr marL="36000" marR="36000" marT="36000" marB="36000"/>
-                </a:tc>
-                <a:tc>
-                  <a:txBody>
-                    <a:bodyPr/>
-                    <a:lstStyle/>
-                    <a:p>
-                      <a:r>
-                        <a:rPr kumimoji="1" lang="en-US" altLang="ja-JP" sz="1200">
-                          <a:latin typeface="04かんじゅくゴシック" panose="02000600000000000000" pitchFamily="50" charset="-128"/>
-                          <a:ea typeface="04かんじゅくゴシック" panose="02000600000000000000" pitchFamily="50" charset="-128"/>
-                        </a:rPr>
-                        <a:t>MISS</a:t>
-                      </a:r>
-                      <a:endParaRPr kumimoji="1" lang="ja-JP" altLang="en-US" sz="1200">
-                        <a:latin typeface="04かんじゅくゴシック" panose="02000600000000000000" pitchFamily="50" charset="-128"/>
-                        <a:ea typeface="04かんじゅくゴシック" panose="02000600000000000000" pitchFamily="50" charset="-128"/>
-                      </a:endParaRPr>
-                    </a:p>
-                  </a:txBody>
-                  <a:tcPr marL="36000" marR="36000" marT="36000" marB="36000"/>
-                </a:tc>
-                <a:tc>
-                  <a:txBody>
-                    <a:bodyPr/>
-                    <a:lstStyle/>
-                    <a:p>
-                      <a:r>
-                        <a:rPr kumimoji="1" lang="ja-JP" altLang="en-US" sz="1200">
-                          <a:latin typeface="04かんじゅくゴシック" panose="02000600000000000000" pitchFamily="50" charset="-128"/>
-                          <a:ea typeface="04かんじゅくゴシック" panose="02000600000000000000" pitchFamily="50" charset="-128"/>
-                        </a:rPr>
-                        <a:t>判定名がスキルに記載されているものが対象。「</a:t>
-                      </a:r>
-                      <a:r>
-                        <a:rPr kumimoji="1" lang="en-US" altLang="ja-JP" sz="1200">
-                          <a:latin typeface="04かんじゅくゴシック" panose="02000600000000000000" pitchFamily="50" charset="-128"/>
-                          <a:ea typeface="04かんじゅくゴシック" panose="02000600000000000000" pitchFamily="50" charset="-128"/>
-                        </a:rPr>
-                        <a:t>ATTACK</a:t>
-                      </a:r>
-                      <a:r>
-                        <a:rPr kumimoji="1" lang="ja-JP" altLang="en-US" sz="1200">
-                          <a:latin typeface="04かんじゅくゴシック" panose="02000600000000000000" pitchFamily="50" charset="-128"/>
-                          <a:ea typeface="04かんじゅくゴシック" panose="02000600000000000000" pitchFamily="50" charset="-128"/>
-                        </a:rPr>
-                        <a:t>以下」などは対象外。</a:t>
-                      </a:r>
-                    </a:p>
-                  </a:txBody>
-                  <a:tcPr marL="36000" marR="36000" marT="36000" marB="36000"/>
-                </a:tc>
-                <a:extLst>
-                  <a:ext uri="{0D108BD9-81ED-4DB2-BD59-A6C34878D82A}">
-                    <a16:rowId xmlns:a16="http://schemas.microsoft.com/office/drawing/2014/main" val="4014609674"/>
-                  </a:ext>
-                </a:extLst>
-              </a:tr>
-              <a:tr h="0">
-                <a:tc>
-                  <a:txBody>
-                    <a:bodyPr/>
-                    <a:lstStyle/>
-                    <a:p>
-                      <a:endParaRPr kumimoji="1" lang="ja-JP" altLang="en-US" sz="1200">
-                        <a:latin typeface="04かんじゅくゴシック" panose="02000600000000000000" pitchFamily="50" charset="-128"/>
-                        <a:ea typeface="04かんじゅくゴシック" panose="02000600000000000000" pitchFamily="50" charset="-128"/>
-                      </a:endParaRPr>
-                    </a:p>
-                  </a:txBody>
-                  <a:tcPr marL="36000" marR="36000" marT="36000" marB="36000"/>
-                </a:tc>
-                <a:tc>
-                  <a:txBody>
-                    <a:bodyPr/>
-                    <a:lstStyle/>
-                    <a:p>
-                      <a:r>
-                        <a:rPr kumimoji="1" lang="ja-JP" altLang="en-US" sz="1200">
-                          <a:latin typeface="04かんじゅくゴシック" panose="02000600000000000000" pitchFamily="50" charset="-128"/>
-                          <a:ea typeface="04かんじゅくゴシック" panose="02000600000000000000" pitchFamily="50" charset="-128"/>
-                        </a:rPr>
-                        <a:t>成功時</a:t>
-                      </a:r>
-                    </a:p>
-                  </a:txBody>
-                  <a:tcPr marL="36000" marR="36000" marT="36000" marB="36000"/>
-                </a:tc>
-                <a:tc>
-                  <a:txBody>
-                    <a:bodyPr/>
-                    <a:lstStyle/>
-                    <a:p>
-                      <a:endParaRPr kumimoji="1" lang="ja-JP" altLang="en-US" sz="1200">
-                        <a:latin typeface="04かんじゅくゴシック" panose="02000600000000000000" pitchFamily="50" charset="-128"/>
-                        <a:ea typeface="04かんじゅくゴシック" panose="02000600000000000000" pitchFamily="50" charset="-128"/>
-                      </a:endParaRPr>
-                    </a:p>
-                  </a:txBody>
-                  <a:tcPr marL="36000" marR="36000" marT="36000" marB="36000"/>
-                </a:tc>
-                <a:extLst>
-                  <a:ext uri="{0D108BD9-81ED-4DB2-BD59-A6C34878D82A}">
-                    <a16:rowId xmlns:a16="http://schemas.microsoft.com/office/drawing/2014/main" val="1228700783"/>
-                  </a:ext>
-                </a:extLst>
-              </a:tr>
-              <a:tr h="0">
-                <a:tc>
-                  <a:txBody>
-                    <a:bodyPr/>
-                    <a:lstStyle/>
-                    <a:p>
-                      <a:r>
-                        <a:rPr kumimoji="1" lang="ja-JP" altLang="en-US" sz="1200">
-                          <a:latin typeface="04かんじゅくゴシック" panose="02000600000000000000" pitchFamily="50" charset="-128"/>
-                          <a:ea typeface="04かんじゅくゴシック" panose="02000600000000000000" pitchFamily="50" charset="-128"/>
-                        </a:rPr>
-                        <a:t>スコア</a:t>
-                      </a:r>
-                    </a:p>
-                  </a:txBody>
-                  <a:tcPr marL="36000" marR="36000" marT="36000" marB="36000"/>
-                </a:tc>
-                <a:tc>
-                  <a:txBody>
-                    <a:bodyPr/>
-                    <a:lstStyle/>
-                    <a:p>
-                      <a:r>
-                        <a:rPr kumimoji="1" lang="ja-JP" altLang="en-US" sz="1200">
-                          <a:latin typeface="04かんじゅくゴシック" panose="02000600000000000000" pitchFamily="50" charset="-128"/>
-                          <a:ea typeface="04かんじゅくゴシック" panose="02000600000000000000" pitchFamily="50" charset="-128"/>
-                        </a:rPr>
-                        <a:t>ランク</a:t>
-                      </a:r>
-                      <a:r>
-                        <a:rPr kumimoji="1" lang="en-US" altLang="ja-JP" sz="1200">
-                          <a:latin typeface="04かんじゅくゴシック" panose="02000600000000000000" pitchFamily="50" charset="-128"/>
-                          <a:ea typeface="04かんじゅくゴシック" panose="02000600000000000000" pitchFamily="50" charset="-128"/>
-                        </a:rPr>
-                        <a:t>S</a:t>
-                      </a:r>
-                      <a:endParaRPr kumimoji="1" lang="ja-JP" altLang="en-US" sz="1200">
-                        <a:latin typeface="04かんじゅくゴシック" panose="02000600000000000000" pitchFamily="50" charset="-128"/>
-                        <a:ea typeface="04かんじゅくゴシック" panose="02000600000000000000" pitchFamily="50" charset="-128"/>
-                      </a:endParaRPr>
-                    </a:p>
-                  </a:txBody>
-                  <a:tcPr marL="36000" marR="36000" marT="36000" marB="36000"/>
-                </a:tc>
-                <a:tc>
-                  <a:txBody>
-                    <a:bodyPr/>
-                    <a:lstStyle/>
-                    <a:p>
-                      <a:r>
-                        <a:rPr kumimoji="1" lang="ja-JP" altLang="en-US" sz="1200">
-                          <a:latin typeface="04かんじゅくゴシック" panose="02000600000000000000" pitchFamily="50" charset="-128"/>
-                          <a:ea typeface="04かんじゅくゴシック" panose="02000600000000000000" pitchFamily="50" charset="-128"/>
-                        </a:rPr>
-                        <a:t>「</a:t>
-                      </a:r>
-                      <a:r>
-                        <a:rPr kumimoji="1" lang="en-US" altLang="ja-JP" sz="1200">
-                          <a:latin typeface="04かんじゅくゴシック" panose="02000600000000000000" pitchFamily="50" charset="-128"/>
-                          <a:ea typeface="04かんじゅくゴシック" panose="02000600000000000000" pitchFamily="50" charset="-128"/>
-                        </a:rPr>
-                        <a:t>S</a:t>
-                      </a:r>
-                      <a:r>
-                        <a:rPr kumimoji="1" lang="ja-JP" altLang="en-US" sz="1200">
-                          <a:latin typeface="04かんじゅくゴシック" panose="02000600000000000000" pitchFamily="50" charset="-128"/>
-                          <a:ea typeface="04かんじゅくゴシック" panose="02000600000000000000" pitchFamily="50" charset="-128"/>
-                        </a:rPr>
-                        <a:t>を達成した場合」「</a:t>
-                      </a:r>
-                      <a:r>
-                        <a:rPr kumimoji="1" lang="en-US" altLang="ja-JP" sz="1200">
-                          <a:latin typeface="04かんじゅくゴシック" panose="02000600000000000000" pitchFamily="50" charset="-128"/>
-                          <a:ea typeface="04かんじゅくゴシック" panose="02000600000000000000" pitchFamily="50" charset="-128"/>
-                        </a:rPr>
-                        <a:t>S</a:t>
-                      </a:r>
-                      <a:r>
-                        <a:rPr kumimoji="1" lang="ja-JP" altLang="en-US" sz="1200">
-                          <a:latin typeface="04かんじゅくゴシック" panose="02000600000000000000" pitchFamily="50" charset="-128"/>
-                          <a:ea typeface="04かんじゅくゴシック" panose="02000600000000000000" pitchFamily="50" charset="-128"/>
-                        </a:rPr>
-                        <a:t>達成不可になった場合」の両方がマッチする。</a:t>
-                      </a:r>
-                    </a:p>
-                  </a:txBody>
-                  <a:tcPr marL="36000" marR="36000" marT="36000" marB="36000"/>
-                </a:tc>
-                <a:extLst>
-                  <a:ext uri="{0D108BD9-81ED-4DB2-BD59-A6C34878D82A}">
-                    <a16:rowId xmlns:a16="http://schemas.microsoft.com/office/drawing/2014/main" val="3828440864"/>
-                  </a:ext>
-                </a:extLst>
-              </a:tr>
-              <a:tr h="0">
-                <a:tc>
-                  <a:txBody>
-                    <a:bodyPr/>
-                    <a:lstStyle/>
-                    <a:p>
-                      <a:endParaRPr kumimoji="1" lang="ja-JP" altLang="en-US" sz="1200">
-                        <a:latin typeface="04かんじゅくゴシック" panose="02000600000000000000" pitchFamily="50" charset="-128"/>
-                        <a:ea typeface="04かんじゅくゴシック" panose="02000600000000000000" pitchFamily="50" charset="-128"/>
-                      </a:endParaRPr>
-                    </a:p>
-                  </a:txBody>
-                  <a:tcPr marL="36000" marR="36000" marT="36000" marB="36000"/>
-                </a:tc>
-                <a:tc>
-                  <a:txBody>
-                    <a:bodyPr/>
-                    <a:lstStyle/>
-                    <a:p>
-                      <a:r>
-                        <a:rPr kumimoji="1" lang="ja-JP" altLang="en-US" sz="1200">
-                          <a:latin typeface="04かんじゅくゴシック" panose="02000600000000000000" pitchFamily="50" charset="-128"/>
-                          <a:ea typeface="04かんじゅくゴシック" panose="02000600000000000000" pitchFamily="50" charset="-128"/>
-                        </a:rPr>
-                        <a:t>ランク</a:t>
-                      </a:r>
-                      <a:r>
-                        <a:rPr kumimoji="1" lang="en-US" altLang="ja-JP" sz="1200">
-                          <a:latin typeface="04かんじゅくゴシック" panose="02000600000000000000" pitchFamily="50" charset="-128"/>
-                          <a:ea typeface="04かんじゅくゴシック" panose="02000600000000000000" pitchFamily="50" charset="-128"/>
-                        </a:rPr>
-                        <a:t>SS</a:t>
-                      </a:r>
-                      <a:endParaRPr kumimoji="1" lang="ja-JP" altLang="en-US" sz="1200">
-                        <a:latin typeface="04かんじゅくゴシック" panose="02000600000000000000" pitchFamily="50" charset="-128"/>
-                        <a:ea typeface="04かんじゅくゴシック" panose="02000600000000000000" pitchFamily="50" charset="-128"/>
-                      </a:endParaRPr>
-                    </a:p>
-                  </a:txBody>
-                  <a:tcPr marL="36000" marR="36000" marT="36000" marB="36000"/>
-                </a:tc>
-                <a:tc>
-                  <a:txBody>
-                    <a:bodyPr/>
-                    <a:lstStyle/>
-                    <a:p>
-                      <a:r>
-                        <a:rPr kumimoji="1" lang="ja-JP" altLang="en-US" sz="1200">
-                          <a:latin typeface="04かんじゅくゴシック" panose="02000600000000000000" pitchFamily="50" charset="-128"/>
-                          <a:ea typeface="04かんじゅくゴシック" panose="02000600000000000000" pitchFamily="50" charset="-128"/>
-                        </a:rPr>
-                        <a:t>「</a:t>
-                      </a:r>
-                      <a:r>
-                        <a:rPr kumimoji="1" lang="en-US" altLang="ja-JP" sz="1200">
-                          <a:latin typeface="04かんじゅくゴシック" panose="02000600000000000000" pitchFamily="50" charset="-128"/>
-                          <a:ea typeface="04かんじゅくゴシック" panose="02000600000000000000" pitchFamily="50" charset="-128"/>
-                        </a:rPr>
-                        <a:t>SS</a:t>
-                      </a:r>
-                      <a:r>
-                        <a:rPr kumimoji="1" lang="ja-JP" altLang="en-US" sz="1200">
-                          <a:latin typeface="04かんじゅくゴシック" panose="02000600000000000000" pitchFamily="50" charset="-128"/>
-                          <a:ea typeface="04かんじゅくゴシック" panose="02000600000000000000" pitchFamily="50" charset="-128"/>
-                        </a:rPr>
-                        <a:t>を達成した場合」「</a:t>
-                      </a:r>
-                      <a:r>
-                        <a:rPr kumimoji="1" lang="en-US" altLang="ja-JP" sz="1200">
-                          <a:latin typeface="04かんじゅくゴシック" panose="02000600000000000000" pitchFamily="50" charset="-128"/>
-                          <a:ea typeface="04かんじゅくゴシック" panose="02000600000000000000" pitchFamily="50" charset="-128"/>
-                        </a:rPr>
-                        <a:t>SS</a:t>
-                      </a:r>
-                      <a:r>
-                        <a:rPr kumimoji="1" lang="ja-JP" altLang="en-US" sz="1200">
-                          <a:latin typeface="04かんじゅくゴシック" panose="02000600000000000000" pitchFamily="50" charset="-128"/>
-                          <a:ea typeface="04かんじゅくゴシック" panose="02000600000000000000" pitchFamily="50" charset="-128"/>
-                        </a:rPr>
-                        <a:t>達成不可になった場合」の両方がマッチする。</a:t>
-                      </a:r>
-                    </a:p>
-                  </a:txBody>
-                  <a:tcPr marL="36000" marR="36000" marT="36000" marB="36000"/>
-                </a:tc>
-                <a:extLst>
-                  <a:ext uri="{0D108BD9-81ED-4DB2-BD59-A6C34878D82A}">
-                    <a16:rowId xmlns:a16="http://schemas.microsoft.com/office/drawing/2014/main" val="3370891575"/>
-                  </a:ext>
-                </a:extLst>
-              </a:tr>
-              <a:tr h="0">
-                <a:tc>
-                  <a:txBody>
-                    <a:bodyPr/>
-                    <a:lstStyle/>
-                    <a:p>
-                      <a:endParaRPr kumimoji="1" lang="ja-JP" altLang="en-US" sz="1200">
-                        <a:latin typeface="04かんじゅくゴシック" panose="02000600000000000000" pitchFamily="50" charset="-128"/>
-                        <a:ea typeface="04かんじゅくゴシック" panose="02000600000000000000" pitchFamily="50" charset="-128"/>
-                      </a:endParaRPr>
-                    </a:p>
-                  </a:txBody>
-                  <a:tcPr marL="36000" marR="36000" marT="36000" marB="36000"/>
-                </a:tc>
-                <a:tc>
-                  <a:txBody>
-                    <a:bodyPr/>
-                    <a:lstStyle/>
-                    <a:p>
-                      <a:r>
-                        <a:rPr kumimoji="1" lang="ja-JP" altLang="en-US" sz="1200">
-                          <a:latin typeface="04かんじゅくゴシック" panose="02000600000000000000" pitchFamily="50" charset="-128"/>
-                          <a:ea typeface="04かんじゅくゴシック" panose="02000600000000000000" pitchFamily="50" charset="-128"/>
-                        </a:rPr>
-                        <a:t>ランク</a:t>
-                      </a:r>
-                      <a:r>
-                        <a:rPr kumimoji="1" lang="en-US" altLang="ja-JP" sz="1200">
-                          <a:latin typeface="04かんじゅくゴシック" panose="02000600000000000000" pitchFamily="50" charset="-128"/>
-                          <a:ea typeface="04かんじゅくゴシック" panose="02000600000000000000" pitchFamily="50" charset="-128"/>
-                        </a:rPr>
-                        <a:t>SSS</a:t>
-                      </a:r>
-                      <a:endParaRPr kumimoji="1" lang="ja-JP" altLang="en-US" sz="1200">
-                        <a:latin typeface="04かんじゅくゴシック" panose="02000600000000000000" pitchFamily="50" charset="-128"/>
-                        <a:ea typeface="04かんじゅくゴシック" panose="02000600000000000000" pitchFamily="50" charset="-128"/>
-                      </a:endParaRPr>
-                    </a:p>
-                  </a:txBody>
-                  <a:tcPr marL="36000" marR="36000" marT="36000" marB="36000"/>
-                </a:tc>
-                <a:tc>
-                  <a:txBody>
-                    <a:bodyPr/>
-                    <a:lstStyle/>
-                    <a:p>
-                      <a:r>
-                        <a:rPr kumimoji="1" lang="ja-JP" altLang="en-US" sz="1200">
-                          <a:latin typeface="04かんじゅくゴシック" panose="02000600000000000000" pitchFamily="50" charset="-128"/>
-                          <a:ea typeface="04かんじゅくゴシック" panose="02000600000000000000" pitchFamily="50" charset="-128"/>
-                        </a:rPr>
-                        <a:t>「</a:t>
-                      </a:r>
-                      <a:r>
-                        <a:rPr kumimoji="1" lang="en-US" altLang="ja-JP" sz="1200">
-                          <a:latin typeface="04かんじゅくゴシック" panose="02000600000000000000" pitchFamily="50" charset="-128"/>
-                          <a:ea typeface="04かんじゅくゴシック" panose="02000600000000000000" pitchFamily="50" charset="-128"/>
-                        </a:rPr>
-                        <a:t>SSS</a:t>
-                      </a:r>
-                      <a:r>
-                        <a:rPr kumimoji="1" lang="ja-JP" altLang="en-US" sz="1200">
-                          <a:latin typeface="04かんじゅくゴシック" panose="02000600000000000000" pitchFamily="50" charset="-128"/>
-                          <a:ea typeface="04かんじゅくゴシック" panose="02000600000000000000" pitchFamily="50" charset="-128"/>
-                        </a:rPr>
-                        <a:t>を達成した場合」「</a:t>
-                      </a:r>
-                      <a:r>
-                        <a:rPr kumimoji="1" lang="en-US" altLang="ja-JP" sz="1200">
-                          <a:latin typeface="04かんじゅくゴシック" panose="02000600000000000000" pitchFamily="50" charset="-128"/>
-                          <a:ea typeface="04かんじゅくゴシック" panose="02000600000000000000" pitchFamily="50" charset="-128"/>
-                        </a:rPr>
-                        <a:t>SSS</a:t>
-                      </a:r>
-                      <a:r>
-                        <a:rPr kumimoji="1" lang="ja-JP" altLang="en-US" sz="1200">
-                          <a:latin typeface="04かんじゅくゴシック" panose="02000600000000000000" pitchFamily="50" charset="-128"/>
-                          <a:ea typeface="04かんじゅくゴシック" panose="02000600000000000000" pitchFamily="50" charset="-128"/>
-                        </a:rPr>
-                        <a:t>達成不可になった場合」の両方がマッチする。</a:t>
-                      </a:r>
-                    </a:p>
-                  </a:txBody>
-                  <a:tcPr marL="36000" marR="36000" marT="36000" marB="36000"/>
-                </a:tc>
-                <a:extLst>
-                  <a:ext uri="{0D108BD9-81ED-4DB2-BD59-A6C34878D82A}">
-                    <a16:rowId xmlns:a16="http://schemas.microsoft.com/office/drawing/2014/main" val="167962764"/>
-                  </a:ext>
-                </a:extLst>
-              </a:tr>
-              <a:tr h="0">
-                <a:tc>
-                  <a:txBody>
-                    <a:bodyPr/>
-                    <a:lstStyle/>
-                    <a:p>
-                      <a:endParaRPr kumimoji="1" lang="ja-JP" altLang="en-US" sz="1200">
-                        <a:latin typeface="04かんじゅくゴシック" panose="02000600000000000000" pitchFamily="50" charset="-128"/>
-                        <a:ea typeface="04かんじゅくゴシック" panose="02000600000000000000" pitchFamily="50" charset="-128"/>
-                      </a:endParaRPr>
-                    </a:p>
-                  </a:txBody>
-                  <a:tcPr marL="36000" marR="36000" marT="36000" marB="36000"/>
-                </a:tc>
-                <a:tc>
-                  <a:txBody>
-                    <a:bodyPr/>
-                    <a:lstStyle/>
-                    <a:p>
-                      <a:r>
-                        <a:rPr kumimoji="1" lang="ja-JP" altLang="en-US" sz="1200">
-                          <a:latin typeface="04かんじゅくゴシック" panose="02000600000000000000" pitchFamily="50" charset="-128"/>
-                          <a:ea typeface="04かんじゅくゴシック" panose="02000600000000000000" pitchFamily="50" charset="-128"/>
-                        </a:rPr>
-                        <a:t>理論値</a:t>
-                      </a:r>
-                    </a:p>
-                  </a:txBody>
-                  <a:tcPr marL="36000" marR="36000" marT="36000" marB="36000"/>
-                </a:tc>
-                <a:tc>
-                  <a:txBody>
-                    <a:bodyPr/>
-                    <a:lstStyle/>
-                    <a:p>
-                      <a:r>
-                        <a:rPr kumimoji="1" lang="ja-JP" altLang="en-US" sz="1200">
-                          <a:latin typeface="04かんじゅくゴシック" panose="02000600000000000000" pitchFamily="50" charset="-128"/>
-                          <a:ea typeface="04かんじゅくゴシック" panose="02000600000000000000" pitchFamily="50" charset="-128"/>
-                        </a:rPr>
-                        <a:t>スキル効果に「</a:t>
-                      </a:r>
-                      <a:r>
-                        <a:rPr kumimoji="1" lang="en-US" altLang="ja-JP" sz="1200">
-                          <a:latin typeface="04かんじゅくゴシック" panose="02000600000000000000" pitchFamily="50" charset="-128"/>
-                          <a:ea typeface="04かんじゅくゴシック" panose="02000600000000000000" pitchFamily="50" charset="-128"/>
-                        </a:rPr>
-                        <a:t>1010000</a:t>
-                      </a:r>
-                      <a:r>
-                        <a:rPr kumimoji="1" lang="ja-JP" altLang="en-US" sz="1200">
-                          <a:latin typeface="04かんじゅくゴシック" panose="02000600000000000000" pitchFamily="50" charset="-128"/>
-                          <a:ea typeface="04かんじゅくゴシック" panose="02000600000000000000" pitchFamily="50" charset="-128"/>
-                        </a:rPr>
-                        <a:t>点」と記載されているもの。</a:t>
-                      </a:r>
-                    </a:p>
-                  </a:txBody>
-                  <a:tcPr marL="36000" marR="36000" marT="36000" marB="36000"/>
-                </a:tc>
-                <a:extLst>
-                  <a:ext uri="{0D108BD9-81ED-4DB2-BD59-A6C34878D82A}">
-                    <a16:rowId xmlns:a16="http://schemas.microsoft.com/office/drawing/2014/main" val="614216037"/>
-                  </a:ext>
-                </a:extLst>
-              </a:tr>
-              <a:tr h="0">
-                <a:tc>
-                  <a:txBody>
-                    <a:bodyPr/>
-                    <a:lstStyle/>
-                    <a:p>
-                      <a:r>
-                        <a:rPr kumimoji="1" lang="ja-JP" altLang="en-US" sz="1200">
-                          <a:latin typeface="04かんじゅくゴシック" panose="02000600000000000000" pitchFamily="50" charset="-128"/>
-                          <a:ea typeface="04かんじゅくゴシック" panose="02000600000000000000" pitchFamily="50" charset="-128"/>
-                        </a:rPr>
-                        <a:t>コンボ</a:t>
-                      </a:r>
-                    </a:p>
-                  </a:txBody>
-                  <a:tcPr marL="36000" marR="36000" marT="36000" marB="36000"/>
-                </a:tc>
-                <a:tc>
-                  <a:txBody>
-                    <a:bodyPr/>
-                    <a:lstStyle/>
-                    <a:p>
-                      <a:r>
-                        <a:rPr kumimoji="1" lang="ja-JP" altLang="en-US" sz="1200">
-                          <a:latin typeface="04かんじゅくゴシック" panose="02000600000000000000" pitchFamily="50" charset="-128"/>
-                          <a:ea typeface="04かんじゅくゴシック" panose="02000600000000000000" pitchFamily="50" charset="-128"/>
-                        </a:rPr>
-                        <a:t>一定コンボ達成</a:t>
-                      </a:r>
-                    </a:p>
-                  </a:txBody>
-                  <a:tcPr marL="36000" marR="36000" marT="36000" marB="36000"/>
-                </a:tc>
-                <a:tc>
-                  <a:txBody>
-                    <a:bodyPr/>
-                    <a:lstStyle/>
-                    <a:p>
-                      <a:r>
-                        <a:rPr kumimoji="1" lang="ja-JP" altLang="en-US" sz="1200">
-                          <a:latin typeface="04かんじゅくゴシック" panose="02000600000000000000" pitchFamily="50" charset="-128"/>
-                          <a:ea typeface="04かんじゅくゴシック" panose="02000600000000000000" pitchFamily="50" charset="-128"/>
-                        </a:rPr>
-                        <a:t>ゲーム終了時に特定のコンボ数達成を条件に効果を発揮するもの。</a:t>
-                      </a:r>
-                    </a:p>
-                  </a:txBody>
-                  <a:tcPr marL="36000" marR="36000" marT="36000" marB="36000"/>
-                </a:tc>
-                <a:extLst>
-                  <a:ext uri="{0D108BD9-81ED-4DB2-BD59-A6C34878D82A}">
-                    <a16:rowId xmlns:a16="http://schemas.microsoft.com/office/drawing/2014/main" val="414609094"/>
-                  </a:ext>
-                </a:extLst>
-              </a:tr>
-              <a:tr h="0">
-                <a:tc>
-                  <a:txBody>
-                    <a:bodyPr/>
-                    <a:lstStyle/>
-                    <a:p>
-                      <a:endParaRPr kumimoji="1" lang="ja-JP" altLang="en-US" sz="1200">
-                        <a:latin typeface="04かんじゅくゴシック" panose="02000600000000000000" pitchFamily="50" charset="-128"/>
-                        <a:ea typeface="04かんじゅくゴシック" panose="02000600000000000000" pitchFamily="50" charset="-128"/>
-                      </a:endParaRPr>
-                    </a:p>
-                  </a:txBody>
-                  <a:tcPr marL="36000" marR="36000" marT="36000" marB="36000"/>
-                </a:tc>
-                <a:tc>
-                  <a:txBody>
-                    <a:bodyPr/>
-                    <a:lstStyle/>
-                    <a:p>
-                      <a:r>
-                        <a:rPr kumimoji="1" lang="ja-JP" altLang="en-US" sz="1200">
-                          <a:latin typeface="04かんじゅくゴシック" panose="02000600000000000000" pitchFamily="50" charset="-128"/>
-                          <a:ea typeface="04かんじゅくゴシック" panose="02000600000000000000" pitchFamily="50" charset="-128"/>
-                        </a:rPr>
-                        <a:t>一定コンボごと</a:t>
-                      </a:r>
-                    </a:p>
-                  </a:txBody>
-                  <a:tcPr marL="36000" marR="36000" marT="36000" marB="36000"/>
-                </a:tc>
-                <a:tc>
-                  <a:txBody>
-                    <a:bodyPr/>
-                    <a:lstStyle/>
-                    <a:p>
-                      <a:r>
-                        <a:rPr kumimoji="1" lang="ja-JP" altLang="en-US" sz="1200">
-                          <a:latin typeface="04かんじゅくゴシック" panose="02000600000000000000" pitchFamily="50" charset="-128"/>
-                          <a:ea typeface="04かんじゅくゴシック" panose="02000600000000000000" pitchFamily="50" charset="-128"/>
-                        </a:rPr>
-                        <a:t>ゲーム中に特定のコンボ数になった時に即座に発動するもの。</a:t>
-                      </a:r>
-                    </a:p>
-                  </a:txBody>
-                  <a:tcPr marL="36000" marR="36000" marT="36000" marB="36000"/>
-                </a:tc>
-                <a:extLst>
-                  <a:ext uri="{0D108BD9-81ED-4DB2-BD59-A6C34878D82A}">
-                    <a16:rowId xmlns:a16="http://schemas.microsoft.com/office/drawing/2014/main" val="3504136062"/>
-                  </a:ext>
-                </a:extLst>
-              </a:tr>
-              <a:tr h="0">
-                <a:tc>
-                  <a:txBody>
-                    <a:bodyPr/>
-                    <a:lstStyle/>
-                    <a:p>
-                      <a:endParaRPr kumimoji="1" lang="ja-JP" altLang="en-US" sz="1200">
-                        <a:latin typeface="04かんじゅくゴシック" panose="02000600000000000000" pitchFamily="50" charset="-128"/>
-                        <a:ea typeface="04かんじゅくゴシック" panose="02000600000000000000" pitchFamily="50" charset="-128"/>
-                      </a:endParaRPr>
-                    </a:p>
-                  </a:txBody>
-                  <a:tcPr marL="36000" marR="36000" marT="36000" marB="36000"/>
-                </a:tc>
-                <a:tc>
-                  <a:txBody>
-                    <a:bodyPr/>
-                    <a:lstStyle/>
-                    <a:p>
-                      <a:r>
-                        <a:rPr kumimoji="1" lang="en-US" altLang="ja-JP" sz="1200">
-                          <a:latin typeface="04かんじゅくゴシック" panose="02000600000000000000" pitchFamily="50" charset="-128"/>
-                          <a:ea typeface="04かんじゅくゴシック" panose="02000600000000000000" pitchFamily="50" charset="-128"/>
-                        </a:rPr>
-                        <a:t>FULL COMBO</a:t>
-                      </a:r>
-                      <a:endParaRPr kumimoji="1" lang="ja-JP" altLang="en-US" sz="1200">
-                        <a:latin typeface="04かんじゅくゴシック" panose="02000600000000000000" pitchFamily="50" charset="-128"/>
-                        <a:ea typeface="04かんじゅくゴシック" panose="02000600000000000000" pitchFamily="50" charset="-128"/>
-                      </a:endParaRPr>
-                    </a:p>
-                  </a:txBody>
-                  <a:tcPr marL="36000" marR="36000" marT="36000" marB="36000"/>
-                </a:tc>
-                <a:tc>
-                  <a:txBody>
-                    <a:bodyPr/>
-                    <a:lstStyle/>
-                    <a:p>
-                      <a:r>
-                        <a:rPr kumimoji="1" lang="en-US" altLang="ja-JP" sz="1200">
-                          <a:latin typeface="04かんじゅくゴシック" panose="02000600000000000000" pitchFamily="50" charset="-128"/>
-                          <a:ea typeface="04かんじゅくゴシック" panose="02000600000000000000" pitchFamily="50" charset="-128"/>
-                        </a:rPr>
-                        <a:t>FULL COMBO</a:t>
-                      </a:r>
-                      <a:r>
-                        <a:rPr kumimoji="1" lang="ja-JP" altLang="en-US" sz="1200">
-                          <a:latin typeface="04かんじゅくゴシック" panose="02000600000000000000" pitchFamily="50" charset="-128"/>
-                          <a:ea typeface="04かんじゅくゴシック" panose="02000600000000000000" pitchFamily="50" charset="-128"/>
-                        </a:rPr>
-                        <a:t>達成時に発動するもの。</a:t>
-                      </a:r>
-                    </a:p>
-                  </a:txBody>
-                  <a:tcPr marL="36000" marR="36000" marT="36000" marB="36000"/>
-                </a:tc>
-                <a:extLst>
-                  <a:ext uri="{0D108BD9-81ED-4DB2-BD59-A6C34878D82A}">
-                    <a16:rowId xmlns:a16="http://schemas.microsoft.com/office/drawing/2014/main" val="2913341890"/>
-                  </a:ext>
-                </a:extLst>
-              </a:tr>
-              <a:tr h="0">
-                <a:tc>
-                  <a:txBody>
-                    <a:bodyPr/>
-                    <a:lstStyle/>
-                    <a:p>
-                      <a:endParaRPr kumimoji="1" lang="ja-JP" altLang="en-US" sz="1200">
-                        <a:latin typeface="04かんじゅくゴシック" panose="02000600000000000000" pitchFamily="50" charset="-128"/>
-                        <a:ea typeface="04かんじゅくゴシック" panose="02000600000000000000" pitchFamily="50" charset="-128"/>
-                      </a:endParaRPr>
-                    </a:p>
-                  </a:txBody>
-                  <a:tcPr marL="36000" marR="36000" marT="36000" marB="36000"/>
-                </a:tc>
-                <a:tc>
-                  <a:txBody>
-                    <a:bodyPr/>
-                    <a:lstStyle/>
-                    <a:p>
-                      <a:r>
-                        <a:rPr kumimoji="1" lang="en-US" altLang="ja-JP" sz="1200">
-                          <a:latin typeface="04かんじゅくゴシック" panose="02000600000000000000" pitchFamily="50" charset="-128"/>
-                          <a:ea typeface="04かんじゅくゴシック" panose="02000600000000000000" pitchFamily="50" charset="-128"/>
-                        </a:rPr>
-                        <a:t>ALL JUSTICE</a:t>
-                      </a:r>
-                      <a:endParaRPr kumimoji="1" lang="ja-JP" altLang="en-US" sz="1200">
-                        <a:latin typeface="04かんじゅくゴシック" panose="02000600000000000000" pitchFamily="50" charset="-128"/>
-                        <a:ea typeface="04かんじゅくゴシック" panose="02000600000000000000" pitchFamily="50" charset="-128"/>
-                      </a:endParaRPr>
-                    </a:p>
-                  </a:txBody>
-                  <a:tcPr marL="36000" marR="36000" marT="36000" marB="36000"/>
-                </a:tc>
-                <a:tc>
-                  <a:txBody>
-                    <a:bodyPr/>
-                    <a:lstStyle/>
-                    <a:p>
-                      <a:r>
-                        <a:rPr kumimoji="1" lang="en-US" altLang="ja-JP" sz="1200">
-                          <a:latin typeface="04かんじゅくゴシック" panose="02000600000000000000" pitchFamily="50" charset="-128"/>
-                          <a:ea typeface="04かんじゅくゴシック" panose="02000600000000000000" pitchFamily="50" charset="-128"/>
-                        </a:rPr>
-                        <a:t>ALL JUSTICE</a:t>
-                      </a:r>
-                      <a:r>
-                        <a:rPr kumimoji="1" lang="ja-JP" altLang="en-US" sz="1200">
-                          <a:latin typeface="04かんじゅくゴシック" panose="02000600000000000000" pitchFamily="50" charset="-128"/>
-                          <a:ea typeface="04かんじゅくゴシック" panose="02000600000000000000" pitchFamily="50" charset="-128"/>
-                        </a:rPr>
-                        <a:t>達成時に発動するもの。</a:t>
-                      </a:r>
-                    </a:p>
-                  </a:txBody>
-                  <a:tcPr marL="36000" marR="36000" marT="36000" marB="36000"/>
-                </a:tc>
-                <a:extLst>
-                  <a:ext uri="{0D108BD9-81ED-4DB2-BD59-A6C34878D82A}">
-                    <a16:rowId xmlns:a16="http://schemas.microsoft.com/office/drawing/2014/main" val="2045168364"/>
-                  </a:ext>
-                </a:extLst>
-              </a:tr>
-            </a:tbl>
-          </a:graphicData>
-        </a:graphic>
-      </p:graphicFrame>
-    </p:spTree>
-    <p:extLst>
-      <p:ext uri="{BB962C8B-B14F-4D97-AF65-F5344CB8AC3E}">
-        <p14:creationId xmlns:p14="http://schemas.microsoft.com/office/powerpoint/2010/main" val="2538601412"/>
-      </p:ext>
-    </p:extLst>
-  </p:cSld>
-  <p:clrMapOvr>
-    <a:masterClrMapping/>
-  </p:clrMapOvr>
-</p:sld>
-</file>
-
-<file path=ppt/slides/slide9.xml><?xml version="1.0" encoding="utf-8"?>
-<p:sld xmlns:a="http://schemas.openxmlformats.org/drawingml/2006/main" xmlns:r="http://schemas.openxmlformats.org/officeDocument/2006/relationships" xmlns:p="http://schemas.openxmlformats.org/presentationml/2006/main">
-  <p:cSld>
-    <p:spTree>
-      <p:nvGrpSpPr>
-        <p:cNvPr id="1" name=""/>
-        <p:cNvGrpSpPr/>
-        <p:nvPr/>
-      </p:nvGrpSpPr>
-      <p:grpSpPr>
-        <a:xfrm>
-          <a:off x="0" y="0"/>
-          <a:ext cx="0" cy="0"/>
-          <a:chOff x="0" y="0"/>
-          <a:chExt cx="0" cy="0"/>
-        </a:xfrm>
-      </p:grpSpPr>
-      <p:sp>
-        <p:nvSpPr>
-          <p:cNvPr id="2" name="タイトル 1">
-            <a:extLst>
-              <a:ext uri="{FF2B5EF4-FFF2-40B4-BE49-F238E27FC236}">
-                <a16:creationId xmlns:a16="http://schemas.microsoft.com/office/drawing/2014/main" id="{28FD5DE3-D55A-4414-B01A-065662E62983}"/>
-              </a:ext>
-            </a:extLst>
-          </p:cNvPr>
-          <p:cNvSpPr>
-            <a:spLocks noGrp="1"/>
-          </p:cNvSpPr>
-          <p:nvPr>
-            <p:ph type="title"/>
-          </p:nvPr>
-        </p:nvSpPr>
-        <p:spPr/>
-        <p:txBody>
-          <a:bodyPr/>
-          <a:lstStyle/>
-          <a:p>
-            <a:r>
-              <a:rPr kumimoji="1" lang="ja-JP" altLang="en-US"/>
-              <a:t>スキル効果分類</a:t>
-            </a:r>
-          </a:p>
-        </p:txBody>
-      </p:sp>
-      <p:graphicFrame>
-        <p:nvGraphicFramePr>
-          <p:cNvPr id="4" name="表 4">
-            <a:extLst>
-              <a:ext uri="{FF2B5EF4-FFF2-40B4-BE49-F238E27FC236}">
-                <a16:creationId xmlns:a16="http://schemas.microsoft.com/office/drawing/2014/main" id="{802F930F-FF32-4112-B00A-79D5AB39F3C1}"/>
-              </a:ext>
-            </a:extLst>
-          </p:cNvPr>
-          <p:cNvGraphicFramePr>
-            <a:graphicFrameLocks noGrp="1"/>
-          </p:cNvGraphicFramePr>
-          <p:nvPr>
-            <p:ph idx="1"/>
-            <p:extLst>
-              <p:ext uri="{D42A27DB-BD31-4B8C-83A1-F6EECF244321}">
-                <p14:modId xmlns:p14="http://schemas.microsoft.com/office/powerpoint/2010/main" val="2472810781"/>
-              </p:ext>
-            </p:extLst>
-          </p:nvPr>
-        </p:nvGraphicFramePr>
-        <p:xfrm>
-          <a:off x="423863" y="993775"/>
-          <a:ext cx="11355385" cy="3313440"/>
-        </p:xfrm>
-        <a:graphic>
-          <a:graphicData uri="http://schemas.openxmlformats.org/drawingml/2006/table">
-            <a:tbl>
-              <a:tblPr firstRow="1" bandRow="1">
-                <a:tableStyleId>{D7AC3CCA-C797-4891-BE02-D94E43425B78}</a:tableStyleId>
-              </a:tblPr>
-              <a:tblGrid>
-                <a:gridCol w="1261709">
-                  <a:extLst>
-                    <a:ext uri="{9D8B030D-6E8A-4147-A177-3AD203B41FA5}">
-                      <a16:colId xmlns:a16="http://schemas.microsoft.com/office/drawing/2014/main" val="3568198475"/>
-                    </a:ext>
-                  </a:extLst>
-                </a:gridCol>
-                <a:gridCol w="3511579">
-                  <a:extLst>
-                    <a:ext uri="{9D8B030D-6E8A-4147-A177-3AD203B41FA5}">
-                      <a16:colId xmlns:a16="http://schemas.microsoft.com/office/drawing/2014/main" val="3535404216"/>
-                    </a:ext>
-                  </a:extLst>
-                </a:gridCol>
-                <a:gridCol w="6582097">
-                  <a:extLst>
-                    <a:ext uri="{9D8B030D-6E8A-4147-A177-3AD203B41FA5}">
-                      <a16:colId xmlns:a16="http://schemas.microsoft.com/office/drawing/2014/main" val="452322934"/>
-                    </a:ext>
-                  </a:extLst>
-                </a:gridCol>
-              </a:tblGrid>
-              <a:tr h="0">
-                <a:tc>
-                  <a:txBody>
-                    <a:bodyPr/>
-                    <a:lstStyle/>
-                    <a:p>
-                      <a:r>
-                        <a:rPr kumimoji="1" lang="ja-JP" altLang="en-US" sz="1200">
-                          <a:latin typeface="04かんじゅくゴシック" panose="02000600000000000000" pitchFamily="50" charset="-128"/>
-                          <a:ea typeface="04かんじゅくゴシック" panose="02000600000000000000" pitchFamily="50" charset="-128"/>
-                        </a:rPr>
-                        <a:t>カテゴリ</a:t>
-                      </a:r>
-                    </a:p>
-                  </a:txBody>
-                  <a:tcPr marL="36000" marR="36000" marT="36000" marB="36000"/>
-                </a:tc>
-                <a:tc>
-                  <a:txBody>
-                    <a:bodyPr/>
-                    <a:lstStyle/>
-                    <a:p>
-                      <a:r>
-                        <a:rPr kumimoji="1" lang="ja-JP" altLang="en-US" sz="1200">
-                          <a:latin typeface="04かんじゅくゴシック" panose="02000600000000000000" pitchFamily="50" charset="-128"/>
-                          <a:ea typeface="04かんじゅくゴシック" panose="02000600000000000000" pitchFamily="50" charset="-128"/>
-                        </a:rPr>
-                        <a:t>分類名</a:t>
-                      </a:r>
-                    </a:p>
-                  </a:txBody>
-                  <a:tcPr marL="36000" marR="36000" marT="36000" marB="36000"/>
-                </a:tc>
-                <a:tc>
-                  <a:txBody>
-                    <a:bodyPr/>
-                    <a:lstStyle/>
-                    <a:p>
-                      <a:r>
-                        <a:rPr kumimoji="1" lang="ja-JP" altLang="en-US" sz="1200">
-                          <a:latin typeface="04かんじゅくゴシック" panose="02000600000000000000" pitchFamily="50" charset="-128"/>
-                          <a:ea typeface="04かんじゅくゴシック" panose="02000600000000000000" pitchFamily="50" charset="-128"/>
-                        </a:rPr>
-                        <a:t>備考</a:t>
-                      </a:r>
-                    </a:p>
-                  </a:txBody>
-                  <a:tcPr marL="36000" marR="36000" marT="36000" marB="36000"/>
-                </a:tc>
-                <a:extLst>
-                  <a:ext uri="{0D108BD9-81ED-4DB2-BD59-A6C34878D82A}">
-                    <a16:rowId xmlns:a16="http://schemas.microsoft.com/office/drawing/2014/main" val="628153720"/>
-                  </a:ext>
-                </a:extLst>
-              </a:tr>
-              <a:tr h="0">
-                <a:tc>
-                  <a:txBody>
-                    <a:bodyPr/>
-                    <a:lstStyle/>
-                    <a:p>
-                      <a:r>
-                        <a:rPr kumimoji="1" lang="ja-JP" altLang="en-US" sz="1200">
-                          <a:latin typeface="04かんじゅくゴシック" panose="02000600000000000000" pitchFamily="50" charset="-128"/>
-                          <a:ea typeface="04かんじゅくゴシック" panose="02000600000000000000" pitchFamily="50" charset="-128"/>
-                        </a:rPr>
-                        <a:t>チェイン</a:t>
-                      </a:r>
-                    </a:p>
-                  </a:txBody>
-                  <a:tcPr marL="36000" marR="36000" marT="36000" marB="36000"/>
-                </a:tc>
-                <a:tc>
-                  <a:txBody>
-                    <a:bodyPr/>
-                    <a:lstStyle/>
-                    <a:p>
-                      <a:r>
-                        <a:rPr kumimoji="1" lang="ja-JP" altLang="en-US" sz="1200">
-                          <a:latin typeface="04かんじゅくゴシック" panose="02000600000000000000" pitchFamily="50" charset="-128"/>
-                          <a:ea typeface="04かんじゅくゴシック" panose="02000600000000000000" pitchFamily="50" charset="-128"/>
-                        </a:rPr>
-                        <a:t>一定チェイン達成</a:t>
-                      </a:r>
-                    </a:p>
-                  </a:txBody>
-                  <a:tcPr marL="36000" marR="36000" marT="36000" marB="36000"/>
-                </a:tc>
-                <a:tc>
-                  <a:txBody>
-                    <a:bodyPr/>
-                    <a:lstStyle/>
-                    <a:p>
-                      <a:r>
-                        <a:rPr kumimoji="1" lang="ja-JP" altLang="en-US" sz="1200">
-                          <a:latin typeface="04かんじゅくゴシック" panose="02000600000000000000" pitchFamily="50" charset="-128"/>
-                          <a:ea typeface="04かんじゅくゴシック" panose="02000600000000000000" pitchFamily="50" charset="-128"/>
-                        </a:rPr>
-                        <a:t>ゲーム終了時に特定のチェイン数達成を条件に効果を発揮するもの。</a:t>
-                      </a:r>
-                    </a:p>
-                  </a:txBody>
-                  <a:tcPr marL="36000" marR="36000" marT="36000" marB="36000"/>
-                </a:tc>
-                <a:extLst>
-                  <a:ext uri="{0D108BD9-81ED-4DB2-BD59-A6C34878D82A}">
-                    <a16:rowId xmlns:a16="http://schemas.microsoft.com/office/drawing/2014/main" val="1049234576"/>
-                  </a:ext>
-                </a:extLst>
-              </a:tr>
-              <a:tr h="0">
-                <a:tc>
-                  <a:txBody>
-                    <a:bodyPr/>
-                    <a:lstStyle/>
-                    <a:p>
-                      <a:endParaRPr kumimoji="1" lang="ja-JP" altLang="en-US" sz="1200">
-                        <a:latin typeface="04かんじゅくゴシック" panose="02000600000000000000" pitchFamily="50" charset="-128"/>
-                        <a:ea typeface="04かんじゅくゴシック" panose="02000600000000000000" pitchFamily="50" charset="-128"/>
-                      </a:endParaRPr>
-                    </a:p>
-                  </a:txBody>
-                  <a:tcPr marL="36000" marR="36000" marT="36000" marB="36000"/>
-                </a:tc>
-                <a:tc>
-                  <a:txBody>
-                    <a:bodyPr/>
-                    <a:lstStyle/>
-                    <a:p>
-                      <a:r>
-                        <a:rPr kumimoji="1" lang="ja-JP" altLang="en-US" sz="1200">
-                          <a:latin typeface="04かんじゅくゴシック" panose="02000600000000000000" pitchFamily="50" charset="-128"/>
-                          <a:ea typeface="04かんじゅくゴシック" panose="02000600000000000000" pitchFamily="50" charset="-128"/>
-                        </a:rPr>
-                        <a:t>一定チェインごと</a:t>
-                      </a:r>
-                    </a:p>
-                  </a:txBody>
-                  <a:tcPr marL="36000" marR="36000" marT="36000" marB="36000"/>
-                </a:tc>
-                <a:tc>
-                  <a:txBody>
-                    <a:bodyPr/>
-                    <a:lstStyle/>
-                    <a:p>
-                      <a:r>
-                        <a:rPr kumimoji="1" lang="ja-JP" altLang="en-US" sz="1200">
-                          <a:latin typeface="04かんじゅくゴシック" panose="02000600000000000000" pitchFamily="50" charset="-128"/>
-                          <a:ea typeface="04かんじゅくゴシック" panose="02000600000000000000" pitchFamily="50" charset="-128"/>
-                        </a:rPr>
-                        <a:t>ゲーム中に特定のチェイン数になった時に即座に効果を発動するもの。</a:t>
-                      </a:r>
-                    </a:p>
-                  </a:txBody>
-                  <a:tcPr marL="36000" marR="36000" marT="36000" marB="36000"/>
-                </a:tc>
-                <a:extLst>
-                  <a:ext uri="{0D108BD9-81ED-4DB2-BD59-A6C34878D82A}">
-                    <a16:rowId xmlns:a16="http://schemas.microsoft.com/office/drawing/2014/main" val="2042469389"/>
-                  </a:ext>
-                </a:extLst>
-              </a:tr>
-              <a:tr h="0">
-                <a:tc>
-                  <a:txBody>
-                    <a:bodyPr/>
-                    <a:lstStyle/>
-                    <a:p>
-                      <a:endParaRPr kumimoji="1" lang="ja-JP" altLang="en-US" sz="1200">
-                        <a:latin typeface="04かんじゅくゴシック" panose="02000600000000000000" pitchFamily="50" charset="-128"/>
-                        <a:ea typeface="04かんじゅくゴシック" panose="02000600000000000000" pitchFamily="50" charset="-128"/>
-                      </a:endParaRPr>
-                    </a:p>
-                  </a:txBody>
-                  <a:tcPr marL="36000" marR="36000" marT="36000" marB="36000"/>
-                </a:tc>
-                <a:tc>
-                  <a:txBody>
-                    <a:bodyPr/>
-                    <a:lstStyle/>
-                    <a:p>
-                      <a:r>
-                        <a:rPr kumimoji="1" lang="ja-JP" altLang="en-US" sz="1200">
-                          <a:latin typeface="04かんじゅくゴシック" panose="02000600000000000000" pitchFamily="50" charset="-128"/>
-                          <a:ea typeface="04かんじゅくゴシック" panose="02000600000000000000" pitchFamily="50" charset="-128"/>
-                        </a:rPr>
-                        <a:t>チェインを切った時</a:t>
-                      </a:r>
-                    </a:p>
-                  </a:txBody>
-                  <a:tcPr marL="36000" marR="36000" marT="36000" marB="36000"/>
-                </a:tc>
-                <a:tc>
-                  <a:txBody>
-                    <a:bodyPr/>
-                    <a:lstStyle/>
-                    <a:p>
-                      <a:r>
-                        <a:rPr kumimoji="1" lang="ja-JP" altLang="en-US" sz="1200">
-                          <a:latin typeface="04かんじゅくゴシック" panose="02000600000000000000" pitchFamily="50" charset="-128"/>
-                          <a:ea typeface="04かんじゅくゴシック" panose="02000600000000000000" pitchFamily="50" charset="-128"/>
-                        </a:rPr>
-                        <a:t>チェインを切った時に発動するもの。</a:t>
-                      </a:r>
-                    </a:p>
-                  </a:txBody>
-                  <a:tcPr marL="36000" marR="36000" marT="36000" marB="36000"/>
-                </a:tc>
-                <a:extLst>
-                  <a:ext uri="{0D108BD9-81ED-4DB2-BD59-A6C34878D82A}">
-                    <a16:rowId xmlns:a16="http://schemas.microsoft.com/office/drawing/2014/main" val="1456395857"/>
-                  </a:ext>
-                </a:extLst>
-              </a:tr>
-              <a:tr h="0">
-                <a:tc>
-                  <a:txBody>
-                    <a:bodyPr/>
-                    <a:lstStyle/>
-                    <a:p>
-                      <a:endParaRPr kumimoji="1" lang="ja-JP" altLang="en-US" sz="1200">
-                        <a:latin typeface="04かんじゅくゴシック" panose="02000600000000000000" pitchFamily="50" charset="-128"/>
-                        <a:ea typeface="04かんじゅくゴシック" panose="02000600000000000000" pitchFamily="50" charset="-128"/>
-                      </a:endParaRPr>
-                    </a:p>
-                  </a:txBody>
-                  <a:tcPr marL="36000" marR="36000" marT="36000" marB="36000"/>
-                </a:tc>
-                <a:tc>
-                  <a:txBody>
-                    <a:bodyPr/>
-                    <a:lstStyle/>
-                    <a:p>
-                      <a:r>
-                        <a:rPr kumimoji="1" lang="en-US" altLang="ja-JP" sz="1200">
-                          <a:latin typeface="04かんじゅくゴシック" panose="02000600000000000000" pitchFamily="50" charset="-128"/>
-                          <a:ea typeface="04かんじゅくゴシック" panose="02000600000000000000" pitchFamily="50" charset="-128"/>
-                        </a:rPr>
-                        <a:t>FULL CHAIN</a:t>
-                      </a:r>
-                      <a:endParaRPr kumimoji="1" lang="ja-JP" altLang="en-US" sz="1200">
-                        <a:latin typeface="04かんじゅくゴシック" panose="02000600000000000000" pitchFamily="50" charset="-128"/>
-                        <a:ea typeface="04かんじゅくゴシック" panose="02000600000000000000" pitchFamily="50" charset="-128"/>
-                      </a:endParaRPr>
-                    </a:p>
-                  </a:txBody>
-                  <a:tcPr marL="36000" marR="36000" marT="36000" marB="36000"/>
-                </a:tc>
-                <a:tc>
-                  <a:txBody>
-                    <a:bodyPr/>
-                    <a:lstStyle/>
-                    <a:p>
-                      <a:endParaRPr kumimoji="1" lang="ja-JP" altLang="en-US" sz="1200">
-                        <a:latin typeface="04かんじゅくゴシック" panose="02000600000000000000" pitchFamily="50" charset="-128"/>
-                        <a:ea typeface="04かんじゅくゴシック" panose="02000600000000000000" pitchFamily="50" charset="-128"/>
-                      </a:endParaRPr>
-                    </a:p>
-                  </a:txBody>
-                  <a:tcPr marL="36000" marR="36000" marT="36000" marB="36000"/>
-                </a:tc>
-                <a:extLst>
-                  <a:ext uri="{0D108BD9-81ED-4DB2-BD59-A6C34878D82A}">
-                    <a16:rowId xmlns:a16="http://schemas.microsoft.com/office/drawing/2014/main" val="3330386041"/>
-                  </a:ext>
-                </a:extLst>
-              </a:tr>
-              <a:tr h="0">
-                <a:tc>
-                  <a:txBody>
-                    <a:bodyPr/>
-                    <a:lstStyle/>
-                    <a:p>
-                      <a:r>
-                        <a:rPr kumimoji="1" lang="ja-JP" altLang="en-US" sz="1200">
-                          <a:latin typeface="04かんじゅくゴシック" panose="02000600000000000000" pitchFamily="50" charset="-128"/>
-                          <a:ea typeface="04かんじゅくゴシック" panose="02000600000000000000" pitchFamily="50" charset="-128"/>
-                        </a:rPr>
-                        <a:t>ノーツ</a:t>
-                      </a:r>
-                    </a:p>
-                  </a:txBody>
-                  <a:tcPr marL="36000" marR="36000" marT="36000" marB="36000"/>
-                </a:tc>
-                <a:tc>
-                  <a:txBody>
-                    <a:bodyPr/>
-                    <a:lstStyle/>
-                    <a:p>
-                      <a:r>
-                        <a:rPr kumimoji="1" lang="en-US" altLang="ja-JP" sz="1200">
-                          <a:latin typeface="04かんじゅくゴシック" panose="02000600000000000000" pitchFamily="50" charset="-128"/>
-                          <a:ea typeface="04かんじゅくゴシック" panose="02000600000000000000" pitchFamily="50" charset="-128"/>
-                        </a:rPr>
-                        <a:t>TAP</a:t>
-                      </a:r>
-                      <a:endParaRPr kumimoji="1" lang="ja-JP" altLang="en-US" sz="1200">
-                        <a:latin typeface="04かんじゅくゴシック" panose="02000600000000000000" pitchFamily="50" charset="-128"/>
-                        <a:ea typeface="04かんじゅくゴシック" panose="02000600000000000000" pitchFamily="50" charset="-128"/>
-                      </a:endParaRPr>
-                    </a:p>
-                  </a:txBody>
-                  <a:tcPr marL="36000" marR="36000" marT="36000" marB="36000"/>
-                </a:tc>
-                <a:tc>
-                  <a:txBody>
-                    <a:bodyPr/>
-                    <a:lstStyle/>
-                    <a:p>
-                      <a:endParaRPr kumimoji="1" lang="ja-JP" altLang="en-US" sz="1200">
-                        <a:latin typeface="04かんじゅくゴシック" panose="02000600000000000000" pitchFamily="50" charset="-128"/>
-                        <a:ea typeface="04かんじゅくゴシック" panose="02000600000000000000" pitchFamily="50" charset="-128"/>
-                      </a:endParaRPr>
-                    </a:p>
-                  </a:txBody>
-                  <a:tcPr marL="36000" marR="36000" marT="36000" marB="36000"/>
-                </a:tc>
-                <a:extLst>
-                  <a:ext uri="{0D108BD9-81ED-4DB2-BD59-A6C34878D82A}">
-                    <a16:rowId xmlns:a16="http://schemas.microsoft.com/office/drawing/2014/main" val="3055003132"/>
-                  </a:ext>
-                </a:extLst>
-              </a:tr>
-              <a:tr h="0">
-                <a:tc>
-                  <a:txBody>
-                    <a:bodyPr/>
-                    <a:lstStyle/>
-                    <a:p>
-                      <a:endParaRPr kumimoji="1" lang="ja-JP" altLang="en-US" sz="1200">
-                        <a:latin typeface="04かんじゅくゴシック" panose="02000600000000000000" pitchFamily="50" charset="-128"/>
-                        <a:ea typeface="04かんじゅくゴシック" panose="02000600000000000000" pitchFamily="50" charset="-128"/>
-                      </a:endParaRPr>
-                    </a:p>
-                  </a:txBody>
-                  <a:tcPr marL="36000" marR="36000" marT="36000" marB="36000"/>
-                </a:tc>
-                <a:tc>
-                  <a:txBody>
-                    <a:bodyPr/>
-                    <a:lstStyle/>
-                    <a:p>
-                      <a:r>
-                        <a:rPr kumimoji="1" lang="en-US" altLang="ja-JP" sz="1200">
-                          <a:latin typeface="04かんじゅくゴシック" panose="02000600000000000000" pitchFamily="50" charset="-128"/>
-                          <a:ea typeface="04かんじゅくゴシック" panose="02000600000000000000" pitchFamily="50" charset="-128"/>
-                        </a:rPr>
-                        <a:t>EX-TAP</a:t>
-                      </a:r>
-                      <a:endParaRPr kumimoji="1" lang="ja-JP" altLang="en-US" sz="1200">
-                        <a:latin typeface="04かんじゅくゴシック" panose="02000600000000000000" pitchFamily="50" charset="-128"/>
-                        <a:ea typeface="04かんじゅくゴシック" panose="02000600000000000000" pitchFamily="50" charset="-128"/>
-                      </a:endParaRPr>
-                    </a:p>
-                  </a:txBody>
-                  <a:tcPr marL="36000" marR="36000" marT="36000" marB="36000"/>
-                </a:tc>
-                <a:tc>
-                  <a:txBody>
-                    <a:bodyPr/>
-                    <a:lstStyle/>
-                    <a:p>
-                      <a:endParaRPr kumimoji="1" lang="ja-JP" altLang="en-US" sz="1200">
-                        <a:latin typeface="04かんじゅくゴシック" panose="02000600000000000000" pitchFamily="50" charset="-128"/>
-                        <a:ea typeface="04かんじゅくゴシック" panose="02000600000000000000" pitchFamily="50" charset="-128"/>
-                      </a:endParaRPr>
-                    </a:p>
-                  </a:txBody>
-                  <a:tcPr marL="36000" marR="36000" marT="36000" marB="36000"/>
-                </a:tc>
-                <a:extLst>
-                  <a:ext uri="{0D108BD9-81ED-4DB2-BD59-A6C34878D82A}">
-                    <a16:rowId xmlns:a16="http://schemas.microsoft.com/office/drawing/2014/main" val="1202732679"/>
-                  </a:ext>
-                </a:extLst>
-              </a:tr>
-              <a:tr h="0">
-                <a:tc>
-                  <a:txBody>
-                    <a:bodyPr/>
-                    <a:lstStyle/>
-                    <a:p>
-                      <a:endParaRPr kumimoji="1" lang="ja-JP" altLang="en-US" sz="1200">
-                        <a:latin typeface="04かんじゅくゴシック" panose="02000600000000000000" pitchFamily="50" charset="-128"/>
-                        <a:ea typeface="04かんじゅくゴシック" panose="02000600000000000000" pitchFamily="50" charset="-128"/>
-                      </a:endParaRPr>
-                    </a:p>
-                  </a:txBody>
-                  <a:tcPr marL="36000" marR="36000" marT="36000" marB="36000"/>
-                </a:tc>
-                <a:tc>
-                  <a:txBody>
-                    <a:bodyPr/>
-                    <a:lstStyle/>
-                    <a:p>
-                      <a:r>
-                        <a:rPr kumimoji="1" lang="en-US" altLang="ja-JP" sz="1200">
-                          <a:latin typeface="04かんじゅくゴシック" panose="02000600000000000000" pitchFamily="50" charset="-128"/>
-                          <a:ea typeface="04かんじゅくゴシック" panose="02000600000000000000" pitchFamily="50" charset="-128"/>
-                        </a:rPr>
-                        <a:t>FLICK</a:t>
-                      </a:r>
-                      <a:endParaRPr kumimoji="1" lang="ja-JP" altLang="en-US" sz="1200">
-                        <a:latin typeface="04かんじゅくゴシック" panose="02000600000000000000" pitchFamily="50" charset="-128"/>
-                        <a:ea typeface="04かんじゅくゴシック" panose="02000600000000000000" pitchFamily="50" charset="-128"/>
-                      </a:endParaRPr>
-                    </a:p>
-                  </a:txBody>
-                  <a:tcPr marL="36000" marR="36000" marT="36000" marB="36000"/>
-                </a:tc>
-                <a:tc>
-                  <a:txBody>
-                    <a:bodyPr/>
-                    <a:lstStyle/>
-                    <a:p>
-                      <a:endParaRPr kumimoji="1" lang="ja-JP" altLang="en-US" sz="1200">
-                        <a:latin typeface="04かんじゅくゴシック" panose="02000600000000000000" pitchFamily="50" charset="-128"/>
-                        <a:ea typeface="04かんじゅくゴシック" panose="02000600000000000000" pitchFamily="50" charset="-128"/>
-                      </a:endParaRPr>
-                    </a:p>
-                  </a:txBody>
-                  <a:tcPr marL="36000" marR="36000" marT="36000" marB="36000"/>
-                </a:tc>
-                <a:extLst>
-                  <a:ext uri="{0D108BD9-81ED-4DB2-BD59-A6C34878D82A}">
-                    <a16:rowId xmlns:a16="http://schemas.microsoft.com/office/drawing/2014/main" val="4256196647"/>
-                  </a:ext>
-                </a:extLst>
-              </a:tr>
-              <a:tr h="0">
-                <a:tc>
-                  <a:txBody>
-                    <a:bodyPr/>
-                    <a:lstStyle/>
-                    <a:p>
-                      <a:endParaRPr kumimoji="1" lang="ja-JP" altLang="en-US" sz="1200">
-                        <a:latin typeface="04かんじゅくゴシック" panose="02000600000000000000" pitchFamily="50" charset="-128"/>
-                        <a:ea typeface="04かんじゅくゴシック" panose="02000600000000000000" pitchFamily="50" charset="-128"/>
-                      </a:endParaRPr>
-                    </a:p>
-                  </a:txBody>
-                  <a:tcPr marL="36000" marR="36000" marT="36000" marB="36000"/>
-                </a:tc>
-                <a:tc>
-                  <a:txBody>
-                    <a:bodyPr/>
-                    <a:lstStyle/>
-                    <a:p>
-                      <a:r>
-                        <a:rPr kumimoji="1" lang="en-US" altLang="ja-JP" sz="1200">
-                          <a:latin typeface="04かんじゅくゴシック" panose="02000600000000000000" pitchFamily="50" charset="-128"/>
-                          <a:ea typeface="04かんじゅくゴシック" panose="02000600000000000000" pitchFamily="50" charset="-128"/>
-                        </a:rPr>
-                        <a:t>HOLD</a:t>
-                      </a:r>
-                      <a:endParaRPr kumimoji="1" lang="ja-JP" altLang="en-US" sz="1200">
-                        <a:latin typeface="04かんじゅくゴシック" panose="02000600000000000000" pitchFamily="50" charset="-128"/>
-                        <a:ea typeface="04かんじゅくゴシック" panose="02000600000000000000" pitchFamily="50" charset="-128"/>
-                      </a:endParaRPr>
-                    </a:p>
-                  </a:txBody>
-                  <a:tcPr marL="36000" marR="36000" marT="36000" marB="36000"/>
-                </a:tc>
-                <a:tc>
-                  <a:txBody>
-                    <a:bodyPr/>
-                    <a:lstStyle/>
-                    <a:p>
-                      <a:endParaRPr kumimoji="1" lang="ja-JP" altLang="en-US" sz="1200">
-                        <a:latin typeface="04かんじゅくゴシック" panose="02000600000000000000" pitchFamily="50" charset="-128"/>
-                        <a:ea typeface="04かんじゅくゴシック" panose="02000600000000000000" pitchFamily="50" charset="-128"/>
-                      </a:endParaRPr>
-                    </a:p>
-                  </a:txBody>
-                  <a:tcPr marL="36000" marR="36000" marT="36000" marB="36000"/>
-                </a:tc>
-                <a:extLst>
-                  <a:ext uri="{0D108BD9-81ED-4DB2-BD59-A6C34878D82A}">
-                    <a16:rowId xmlns:a16="http://schemas.microsoft.com/office/drawing/2014/main" val="1082049469"/>
-                  </a:ext>
-                </a:extLst>
-              </a:tr>
-              <a:tr h="0">
-                <a:tc>
-                  <a:txBody>
-                    <a:bodyPr/>
-                    <a:lstStyle/>
-                    <a:p>
-                      <a:endParaRPr kumimoji="1" lang="ja-JP" altLang="en-US" sz="1200">
-                        <a:latin typeface="04かんじゅくゴシック" panose="02000600000000000000" pitchFamily="50" charset="-128"/>
-                        <a:ea typeface="04かんじゅくゴシック" panose="02000600000000000000" pitchFamily="50" charset="-128"/>
-                      </a:endParaRPr>
-                    </a:p>
-                  </a:txBody>
-                  <a:tcPr marL="36000" marR="36000" marT="36000" marB="36000"/>
-                </a:tc>
-                <a:tc>
-                  <a:txBody>
-                    <a:bodyPr/>
-                    <a:lstStyle/>
-                    <a:p>
-                      <a:r>
-                        <a:rPr kumimoji="1" lang="en-US" altLang="ja-JP" sz="1200">
-                          <a:latin typeface="04かんじゅくゴシック" panose="02000600000000000000" pitchFamily="50" charset="-128"/>
-                          <a:ea typeface="04かんじゅくゴシック" panose="02000600000000000000" pitchFamily="50" charset="-128"/>
-                        </a:rPr>
-                        <a:t>SLIDE</a:t>
-                      </a:r>
-                      <a:endParaRPr kumimoji="1" lang="ja-JP" altLang="en-US" sz="1200">
-                        <a:latin typeface="04かんじゅくゴシック" panose="02000600000000000000" pitchFamily="50" charset="-128"/>
-                        <a:ea typeface="04かんじゅくゴシック" panose="02000600000000000000" pitchFamily="50" charset="-128"/>
-                      </a:endParaRPr>
-                    </a:p>
-                  </a:txBody>
-                  <a:tcPr marL="36000" marR="36000" marT="36000" marB="36000"/>
-                </a:tc>
-                <a:tc>
-                  <a:txBody>
-                    <a:bodyPr/>
-                    <a:lstStyle/>
-                    <a:p>
-                      <a:endParaRPr kumimoji="1" lang="ja-JP" altLang="en-US" sz="1200">
-                        <a:latin typeface="04かんじゅくゴシック" panose="02000600000000000000" pitchFamily="50" charset="-128"/>
-                        <a:ea typeface="04かんじゅくゴシック" panose="02000600000000000000" pitchFamily="50" charset="-128"/>
-                      </a:endParaRPr>
-                    </a:p>
-                  </a:txBody>
-                  <a:tcPr marL="36000" marR="36000" marT="36000" marB="36000"/>
-                </a:tc>
-                <a:extLst>
-                  <a:ext uri="{0D108BD9-81ED-4DB2-BD59-A6C34878D82A}">
-                    <a16:rowId xmlns:a16="http://schemas.microsoft.com/office/drawing/2014/main" val="241364459"/>
-                  </a:ext>
-                </a:extLst>
-              </a:tr>
-              <a:tr h="0">
-                <a:tc>
-                  <a:txBody>
-                    <a:bodyPr/>
-                    <a:lstStyle/>
-                    <a:p>
-                      <a:endParaRPr kumimoji="1" lang="ja-JP" altLang="en-US" sz="1200">
-                        <a:latin typeface="04かんじゅくゴシック" panose="02000600000000000000" pitchFamily="50" charset="-128"/>
-                        <a:ea typeface="04かんじゅくゴシック" panose="02000600000000000000" pitchFamily="50" charset="-128"/>
-                      </a:endParaRPr>
-                    </a:p>
-                  </a:txBody>
-                  <a:tcPr marL="36000" marR="36000" marT="36000" marB="36000"/>
-                </a:tc>
-                <a:tc>
-                  <a:txBody>
-                    <a:bodyPr/>
-                    <a:lstStyle/>
-                    <a:p>
-                      <a:r>
-                        <a:rPr kumimoji="1" lang="en-US" altLang="ja-JP" sz="1200">
-                          <a:latin typeface="04かんじゅくゴシック" panose="02000600000000000000" pitchFamily="50" charset="-128"/>
-                          <a:ea typeface="04かんじゅくゴシック" panose="02000600000000000000" pitchFamily="50" charset="-128"/>
-                        </a:rPr>
-                        <a:t>AIR</a:t>
-                      </a:r>
-                      <a:endParaRPr kumimoji="1" lang="ja-JP" altLang="en-US" sz="1200">
-                        <a:latin typeface="04かんじゅくゴシック" panose="02000600000000000000" pitchFamily="50" charset="-128"/>
-                        <a:ea typeface="04かんじゅくゴシック" panose="02000600000000000000" pitchFamily="50" charset="-128"/>
-                      </a:endParaRPr>
-                    </a:p>
-                  </a:txBody>
-                  <a:tcPr marL="36000" marR="36000" marT="36000" marB="36000"/>
-                </a:tc>
-                <a:tc>
-                  <a:txBody>
-                    <a:bodyPr/>
-                    <a:lstStyle/>
-                    <a:p>
-                      <a:endParaRPr kumimoji="1" lang="ja-JP" altLang="en-US" sz="1200">
-                        <a:latin typeface="04かんじゅくゴシック" panose="02000600000000000000" pitchFamily="50" charset="-128"/>
-                        <a:ea typeface="04かんじゅくゴシック" panose="02000600000000000000" pitchFamily="50" charset="-128"/>
-                      </a:endParaRPr>
-                    </a:p>
-                  </a:txBody>
-                  <a:tcPr marL="36000" marR="36000" marT="36000" marB="36000"/>
-                </a:tc>
-                <a:extLst>
-                  <a:ext uri="{0D108BD9-81ED-4DB2-BD59-A6C34878D82A}">
-                    <a16:rowId xmlns:a16="http://schemas.microsoft.com/office/drawing/2014/main" val="57083530"/>
-                  </a:ext>
-                </a:extLst>
-              </a:tr>
-              <a:tr h="0">
-                <a:tc>
-                  <a:txBody>
-                    <a:bodyPr/>
-                    <a:lstStyle/>
-                    <a:p>
-                      <a:endParaRPr kumimoji="1" lang="ja-JP" altLang="en-US" sz="1200">
-                        <a:latin typeface="04かんじゅくゴシック" panose="02000600000000000000" pitchFamily="50" charset="-128"/>
-                        <a:ea typeface="04かんじゅくゴシック" panose="02000600000000000000" pitchFamily="50" charset="-128"/>
-                      </a:endParaRPr>
-                    </a:p>
-                  </a:txBody>
-                  <a:tcPr marL="36000" marR="36000" marT="36000" marB="36000"/>
-                </a:tc>
-                <a:tc>
-                  <a:txBody>
-                    <a:bodyPr/>
-                    <a:lstStyle/>
-                    <a:p>
-                      <a:r>
-                        <a:rPr kumimoji="1" lang="en-US" altLang="ja-JP" sz="1200">
-                          <a:latin typeface="04かんじゅくゴシック" panose="02000600000000000000" pitchFamily="50" charset="-128"/>
-                          <a:ea typeface="04かんじゅくゴシック" panose="02000600000000000000" pitchFamily="50" charset="-128"/>
-                        </a:rPr>
-                        <a:t>AIR-ACTION</a:t>
-                      </a:r>
-                      <a:endParaRPr kumimoji="1" lang="ja-JP" altLang="en-US" sz="1200">
-                        <a:latin typeface="04かんじゅくゴシック" panose="02000600000000000000" pitchFamily="50" charset="-128"/>
-                        <a:ea typeface="04かんじゅくゴシック" panose="02000600000000000000" pitchFamily="50" charset="-128"/>
-                      </a:endParaRPr>
-                    </a:p>
-                  </a:txBody>
-                  <a:tcPr marL="36000" marR="36000" marT="36000" marB="36000"/>
-                </a:tc>
-                <a:tc>
-                  <a:txBody>
-                    <a:bodyPr/>
-                    <a:lstStyle/>
-                    <a:p>
-                      <a:endParaRPr kumimoji="1" lang="ja-JP" altLang="en-US" sz="1200">
-                        <a:latin typeface="04かんじゅくゴシック" panose="02000600000000000000" pitchFamily="50" charset="-128"/>
-                        <a:ea typeface="04かんじゅくゴシック" panose="02000600000000000000" pitchFamily="50" charset="-128"/>
-                      </a:endParaRPr>
-                    </a:p>
-                  </a:txBody>
-                  <a:tcPr marL="36000" marR="36000" marT="36000" marB="36000"/>
-                </a:tc>
-                <a:extLst>
-                  <a:ext uri="{0D108BD9-81ED-4DB2-BD59-A6C34878D82A}">
-                    <a16:rowId xmlns:a16="http://schemas.microsoft.com/office/drawing/2014/main" val="3429724190"/>
-                  </a:ext>
-                </a:extLst>
-              </a:tr>
-              <a:tr h="0">
-                <a:tc>
-                  <a:txBody>
-                    <a:bodyPr/>
-                    <a:lstStyle/>
-                    <a:p>
-                      <a:endParaRPr kumimoji="1" lang="ja-JP" altLang="en-US" sz="1200">
-                        <a:latin typeface="04かんじゅくゴシック" panose="02000600000000000000" pitchFamily="50" charset="-128"/>
-                        <a:ea typeface="04かんじゅくゴシック" panose="02000600000000000000" pitchFamily="50" charset="-128"/>
-                      </a:endParaRPr>
-                    </a:p>
-                  </a:txBody>
-                  <a:tcPr marL="36000" marR="36000" marT="36000" marB="36000"/>
-                </a:tc>
-                <a:tc>
-                  <a:txBody>
-                    <a:bodyPr/>
-                    <a:lstStyle/>
-                    <a:p>
-                      <a:r>
-                        <a:rPr kumimoji="1" lang="ja-JP" altLang="en-US" sz="1200">
-                          <a:latin typeface="04かんじゅくゴシック" panose="02000600000000000000" pitchFamily="50" charset="-128"/>
-                          <a:ea typeface="04かんじゅくゴシック" panose="02000600000000000000" pitchFamily="50" charset="-128"/>
-                        </a:rPr>
-                        <a:t>ダメージノーツ</a:t>
-                      </a:r>
-                    </a:p>
-                  </a:txBody>
-                  <a:tcPr marL="36000" marR="36000" marT="36000" marB="36000"/>
-                </a:tc>
-                <a:tc>
-                  <a:txBody>
-                    <a:bodyPr/>
-                    <a:lstStyle/>
-                    <a:p>
-                      <a:endParaRPr kumimoji="1" lang="ja-JP" altLang="en-US" sz="1200">
-                        <a:latin typeface="04かんじゅくゴシック" panose="02000600000000000000" pitchFamily="50" charset="-128"/>
-                        <a:ea typeface="04かんじゅくゴシック" panose="02000600000000000000" pitchFamily="50" charset="-128"/>
-                      </a:endParaRPr>
-                    </a:p>
-                  </a:txBody>
-                  <a:tcPr marL="36000" marR="36000" marT="36000" marB="36000"/>
-                </a:tc>
-                <a:extLst>
-                  <a:ext uri="{0D108BD9-81ED-4DB2-BD59-A6C34878D82A}">
-                    <a16:rowId xmlns:a16="http://schemas.microsoft.com/office/drawing/2014/main" val="1356224245"/>
-                  </a:ext>
-                </a:extLst>
-              </a:tr>
-            </a:tbl>
-          </a:graphicData>
-        </a:graphic>
-      </p:graphicFrame>
-    </p:spTree>
-    <p:extLst>
-      <p:ext uri="{BB962C8B-B14F-4D97-AF65-F5344CB8AC3E}">
-        <p14:creationId xmlns:p14="http://schemas.microsoft.com/office/powerpoint/2010/main" val="1570298681"/>
-      </p:ext>
-    </p:extLst>
-  </p:cSld>
-  <p:clrMapOvr>
-    <a:masterClrMapping/>
-  </p:clrMapOvr>
-</p:sld>
-</file>
-
 <file path=ppt/theme/theme1.xml><?xml version="1.0" encoding="utf-8"?>
 <a:theme xmlns:a="http://schemas.openxmlformats.org/drawingml/2006/main" name="しずく">
   <a:themeElements>
